--- a/power-point/biophysique.pptx
+++ b/power-point/biophysique.pptx
@@ -38,7 +38,6 @@
     <p:sldId id="281" r:id="rId31"/>
     <p:sldId id="282" r:id="rId32"/>
     <p:sldId id="283" r:id="rId33"/>
-    <p:sldId id="284" r:id="rId34"/>
   </p:sldIdLst>
   <p:sldSz cx="9144000" cy="6858000"/>
   <p:notesSz cx="6834188" cy="9979025"/>
@@ -322,7 +321,7 @@
             <a:pPr algn="r">
               <a:buNone/>
             </a:pPr>
-            <a:fld id="{4A62E495-E4AA-4616-A51C-5A185C33DEFB}" type="slidenum">
+            <a:fld id="{29905744-480E-4330-A414-69C1B7AA65B3}" type="slidenum">
               <a:rPr b="0" lang="en-US" sz="1400" spc="-1" strike="noStrike">
                 <a:latin typeface="Times New Roman"/>
               </a:rPr>
@@ -359,7 +358,7 @@
       </p:grpSpPr>
       <p:sp>
         <p:nvSpPr>
-          <p:cNvPr id="175" name="PlaceHolder 1"/>
+          <p:cNvPr id="171" name="PlaceHolder 1"/>
           <p:cNvSpPr>
             <a:spLocks noGrp="1"/>
           </p:cNvSpPr>
@@ -370,7 +369,7 @@
         <p:spPr>
           <a:xfrm>
             <a:off x="922320" y="747720"/>
-            <a:ext cx="4988520" cy="3740760"/>
+            <a:ext cx="4987800" cy="3740040"/>
           </a:xfrm>
           <a:prstGeom prst="rect">
             <a:avLst/>
@@ -382,7 +381,7 @@
       </p:sp>
       <p:sp>
         <p:nvSpPr>
-          <p:cNvPr id="176" name="PlaceHolder 2"/>
+          <p:cNvPr id="172" name="PlaceHolder 2"/>
           <p:cNvSpPr>
             <a:spLocks noGrp="1"/>
           </p:cNvSpPr>
@@ -393,7 +392,7 @@
         <p:spPr>
           <a:xfrm>
             <a:off x="684360" y="4740120"/>
-            <a:ext cx="5464800" cy="4488480"/>
+            <a:ext cx="5464080" cy="4487760"/>
           </a:xfrm>
           <a:prstGeom prst="rect">
             <a:avLst/>
@@ -416,7 +415,7 @@
       </p:sp>
       <p:sp>
         <p:nvSpPr>
-          <p:cNvPr id="177" name="PlaceHolder 3"/>
+          <p:cNvPr id="173" name="PlaceHolder 3"/>
           <p:cNvSpPr>
             <a:spLocks noGrp="1"/>
           </p:cNvSpPr>
@@ -427,7 +426,7 @@
         <p:spPr>
           <a:xfrm>
             <a:off x="3871800" y="9478800"/>
-            <a:ext cx="2958120" cy="496080"/>
+            <a:ext cx="2957400" cy="495360"/>
           </a:xfrm>
           <a:prstGeom prst="rect">
             <a:avLst/>
@@ -462,7 +461,7 @@
               </a:lnSpc>
               <a:buNone/>
             </a:pPr>
-            <a:fld id="{0F825382-0F1D-4899-B012-82EB0C11CE5F}" type="slidenum">
+            <a:fld id="{1682939E-83C3-421F-B805-877FAC3E89EA}" type="slidenum">
               <a:rPr b="0" lang="fr-FR" sz="1200" spc="-1" strike="noStrike">
                 <a:solidFill>
                   <a:srgbClr val="000000"/>
@@ -479,7 +478,7 @@
       </p:sp>
       <p:sp>
         <p:nvSpPr>
-          <p:cNvPr id="178" name="PlaceHolder 4"/>
+          <p:cNvPr id="174" name="PlaceHolder 4"/>
           <p:cNvSpPr>
             <a:spLocks noGrp="1"/>
           </p:cNvSpPr>
@@ -490,7 +489,7 @@
         <p:spPr>
           <a:xfrm>
             <a:off x="0" y="9478800"/>
-            <a:ext cx="2959920" cy="496080"/>
+            <a:ext cx="2959200" cy="495360"/>
           </a:xfrm>
           <a:prstGeom prst="rect">
             <a:avLst/>
@@ -5155,13 +5154,7 @@
               <a:rPr b="0" lang="en-US" sz="4400" spc="-1" strike="noStrike">
                 <a:latin typeface="Arial"/>
               </a:rPr>
-              <a:t>Click to edit the </a:t>
-            </a:r>
-            <a:r>
-              <a:rPr b="0" lang="en-US" sz="4400" spc="-1" strike="noStrike">
-                <a:latin typeface="Arial"/>
-              </a:rPr>
-              <a:t>title text format</a:t>
+              <a:t>Click to edit the title text format</a:t>
             </a:r>
             <a:endParaRPr b="0" lang="en-US" sz="4400" spc="-1" strike="noStrike">
               <a:latin typeface="Arial"/>
@@ -5432,13 +5425,7 @@
               <a:rPr b="0" lang="en-US" sz="4400" spc="-1" strike="noStrike">
                 <a:latin typeface="Arial"/>
               </a:rPr>
-              <a:t>Click to edit the </a:t>
-            </a:r>
-            <a:r>
-              <a:rPr b="0" lang="en-US" sz="4400" spc="-1" strike="noStrike">
-                <a:latin typeface="Arial"/>
-              </a:rPr>
-              <a:t>title text format</a:t>
+              <a:t>Click to edit the title text format</a:t>
             </a:r>
             <a:endParaRPr b="0" lang="en-US" sz="4400" spc="-1" strike="noStrike">
               <a:latin typeface="Arial"/>
@@ -5958,7 +5945,7 @@
         <p:spPr>
           <a:xfrm>
             <a:off x="2340000" y="260280"/>
-            <a:ext cx="6693480" cy="2013480"/>
+            <a:ext cx="6692760" cy="2012760"/>
           </a:xfrm>
           <a:prstGeom prst="rect">
             <a:avLst/>
@@ -6007,7 +5994,7 @@
         <p:spPr>
           <a:xfrm>
             <a:off x="3102120" y="2775600"/>
-            <a:ext cx="4896720" cy="3165840"/>
+            <a:ext cx="4896000" cy="3165120"/>
           </a:xfrm>
           <a:prstGeom prst="rect">
             <a:avLst/>
@@ -6076,7 +6063,7 @@
                 </a:solidFill>
                 <a:latin typeface="Book Antiqua"/>
               </a:rPr>
-              <a:t>Aly  KHAY DJIBABA</a:t>
+              <a:t>Aly  KHAYI DJEIBABA</a:t>
             </a:r>
             <a:endParaRPr b="0" lang="en-US" sz="2000" spc="-1" strike="noStrike">
               <a:latin typeface="Arial"/>
@@ -6197,7 +6184,7 @@
         <p:spPr>
           <a:xfrm>
             <a:off x="0" y="5800680"/>
-            <a:ext cx="2354760" cy="750240"/>
+            <a:ext cx="2354040" cy="750240"/>
           </a:xfrm>
           <a:prstGeom prst="rect">
             <a:avLst/>
@@ -6269,7 +6256,7 @@
                 <a:latin typeface="Book Antiqua"/>
                 <a:ea typeface="DejaVu Sans"/>
               </a:rPr>
-              <a:t>28 May, 2022</a:t>
+              <a:t>04 Juin, 2022</a:t>
             </a:r>
             <a:endParaRPr b="0" lang="en-US" sz="2000" spc="-1" strike="noStrike">
               <a:latin typeface="Arial"/>
@@ -6307,9 +6294,57 @@
           <a:chExt cx="0" cy="0"/>
         </a:xfrm>
       </p:grpSpPr>
+      <p:pic>
+        <p:nvPicPr>
+          <p:cNvPr id="139" name="" descr=""/>
+          <p:cNvPicPr/>
+          <p:nvPr/>
+        </p:nvPicPr>
+        <p:blipFill>
+          <a:blip r:embed="rId1"/>
+          <a:srcRect l="5062" t="0" r="0" b="7667"/>
+          <a:stretch/>
+        </p:blipFill>
+        <p:spPr>
+          <a:xfrm>
+            <a:off x="5029200" y="3537360"/>
+            <a:ext cx="2741400" cy="2741040"/>
+          </a:xfrm>
+          <a:prstGeom prst="rect">
+            <a:avLst/>
+          </a:prstGeom>
+          <a:ln w="0">
+            <a:noFill/>
+          </a:ln>
+        </p:spPr>
+      </p:pic>
+      <p:pic>
+        <p:nvPicPr>
+          <p:cNvPr id="140" name="" descr=""/>
+          <p:cNvPicPr/>
+          <p:nvPr/>
+        </p:nvPicPr>
+        <p:blipFill>
+          <a:blip r:embed="rId2"/>
+          <a:srcRect l="0" t="5952" r="0" b="6266"/>
+          <a:stretch/>
+        </p:blipFill>
+        <p:spPr>
+          <a:xfrm>
+            <a:off x="685800" y="3573000"/>
+            <a:ext cx="3434400" cy="2741040"/>
+          </a:xfrm>
+          <a:prstGeom prst="rect">
+            <a:avLst/>
+          </a:prstGeom>
+          <a:ln w="0">
+            <a:noFill/>
+          </a:ln>
+        </p:spPr>
+      </p:pic>
       <p:sp>
         <p:nvSpPr>
-          <p:cNvPr id="138" name="PlaceHolder 1"/>
+          <p:cNvPr id="141" name="PlaceHolder 1"/>
           <p:cNvSpPr>
             <a:spLocks noGrp="1"/>
           </p:cNvSpPr>
@@ -6319,8 +6354,8 @@
         </p:nvSpPr>
         <p:spPr>
           <a:xfrm>
-            <a:off x="0" y="914400"/>
-            <a:ext cx="9371160" cy="5942160"/>
+            <a:off x="228600" y="-228600"/>
+            <a:ext cx="8781840" cy="6854760"/>
           </a:xfrm>
           <a:prstGeom prst="rect">
             <a:avLst/>
@@ -6335,12 +6370,55 @@
             <a:noAutofit/>
           </a:bodyPr>
           <a:p>
-            <a:pPr marL="343080" indent="-343080" algn="just">
+            <a:pPr marL="355680" indent="-355680" algn="ctr">
               <a:lnSpc>
                 <a:spcPct val="100000"/>
               </a:lnSpc>
               <a:spcBef>
                 <a:spcPts val="799"/>
+              </a:spcBef>
+              <a:buNone/>
+              <a:tabLst>
+                <a:tab algn="l" pos="0"/>
+              </a:tabLst>
+            </a:pPr>
+            <a:endParaRPr b="0" lang="en-US" sz="3200" spc="-1" strike="noStrike">
+              <a:latin typeface="Arial"/>
+            </a:endParaRPr>
+          </a:p>
+          <a:p>
+            <a:pPr marL="355680" indent="-355680">
+              <a:lnSpc>
+                <a:spcPct val="100000"/>
+              </a:lnSpc>
+              <a:spcBef>
+                <a:spcPts val="799"/>
+              </a:spcBef>
+              <a:buNone/>
+              <a:tabLst>
+                <a:tab algn="l" pos="0"/>
+              </a:tabLst>
+            </a:pPr>
+            <a:r>
+              <a:rPr b="1" lang="fr-MA" sz="2800" spc="-1" strike="noStrike">
+                <a:solidFill>
+                  <a:srgbClr val="008000"/>
+                </a:solidFill>
+                <a:latin typeface="Arial"/>
+              </a:rPr>
+              <a:t>IMRT:</a:t>
+            </a:r>
+            <a:endParaRPr b="0" lang="en-US" sz="2800" spc="-1" strike="noStrike">
+              <a:latin typeface="Arial"/>
+            </a:endParaRPr>
+          </a:p>
+          <a:p>
+            <a:pPr marL="343080" indent="-343080">
+              <a:lnSpc>
+                <a:spcPct val="100000"/>
+              </a:lnSpc>
+              <a:spcBef>
+                <a:spcPts val="1199"/>
               </a:spcBef>
               <a:buClr>
                 <a:srgbClr val="000000"/>
@@ -6348,7 +6426,7 @@
               <a:buFont typeface="Wingdings 2" charset="2"/>
               <a:buChar char=""/>
               <a:tabLst>
-                <a:tab algn="l" pos="-358920"/>
+                <a:tab algn="l" pos="0"/>
               </a:tabLst>
             </a:pPr>
             <a:r>
@@ -6358,16 +6436,17 @@
                 </a:solidFill>
                 <a:latin typeface="Arial"/>
               </a:rPr>
-              <a:t>Le traitement par </a:t>
-            </a:r>
-            <a:r>
-              <a:rPr b="1" lang="fr-FR" sz="2800" spc="-1" strike="noStrike">
-                <a:solidFill>
-                  <a:srgbClr val="000000"/>
-                </a:solidFill>
-                <a:latin typeface="Arial"/>
-              </a:rPr>
-              <a:t>RC3D</a:t>
+              <a:t>Cette technique consiste à faire </a:t>
+            </a:r>
+            <a:r>
+              <a:rPr b="0" lang="fr-FR" sz="2800" spc="-1" strike="noStrike" u="sng">
+                <a:solidFill>
+                  <a:srgbClr val="000000"/>
+                </a:solidFill>
+                <a:uFillTx/>
+                <a:latin typeface="Arial"/>
+              </a:rPr>
+              <a:t>varier</a:t>
             </a:r>
             <a:r>
               <a:rPr b="0" lang="fr-FR" sz="2800" spc="-1" strike="noStrike">
@@ -6376,27 +6455,37 @@
                 </a:solidFill>
                 <a:latin typeface="Arial"/>
               </a:rPr>
-              <a:t> se déroule selon plusieurs   étapes : </a:t>
+              <a:t> la forme du faisceau au cours d’une même séance pour s’adapter précisément au volume à traiter, grâce a </a:t>
+            </a:r>
+            <a:r>
+              <a:rPr b="0" lang="fr-FR" sz="2800" spc="-1" strike="noStrike" u="sng">
+                <a:solidFill>
+                  <a:srgbClr val="000000"/>
+                </a:solidFill>
+                <a:uFillTx/>
+                <a:latin typeface="Arial"/>
+              </a:rPr>
+              <a:t>la modulation d’intensité.</a:t>
             </a:r>
             <a:endParaRPr b="0" lang="en-US" sz="2800" spc="-1" strike="noStrike">
               <a:latin typeface="Arial"/>
             </a:endParaRPr>
           </a:p>
           <a:p>
-            <a:pPr marL="628200" indent="-343080" algn="just">
-              <a:lnSpc>
-                <a:spcPct val="100000"/>
-              </a:lnSpc>
-              <a:spcBef>
-                <a:spcPts val="799"/>
+            <a:pPr marL="343080" indent="-343080">
+              <a:lnSpc>
+                <a:spcPct val="100000"/>
+              </a:lnSpc>
+              <a:spcBef>
+                <a:spcPts val="1199"/>
               </a:spcBef>
               <a:buClr>
                 <a:srgbClr val="000000"/>
               </a:buClr>
-              <a:buFont typeface="Source Serif Pro"/>
-              <a:buChar char=""/>
-              <a:tabLst>
-                <a:tab algn="l" pos="124200"/>
+              <a:buFont typeface="Wingdings 2" charset="2"/>
+              <a:buChar char=""/>
+              <a:tabLst>
+                <a:tab algn="l" pos="0"/>
               </a:tabLst>
             </a:pPr>
             <a:r>
@@ -6406,169 +6495,8 @@
                 </a:solidFill>
                 <a:latin typeface="Arial"/>
               </a:rPr>
-              <a:t> </a:t>
-            </a:r>
-            <a:r>
-              <a:rPr b="0" lang="fr-FR" sz="2800" spc="-1" strike="noStrike">
-                <a:solidFill>
-                  <a:srgbClr val="000000"/>
-                </a:solidFill>
-                <a:latin typeface="Arial"/>
-              </a:rPr>
-              <a:t>Acquisition des données anatomiques du patient.</a:t>
-            </a:r>
-            <a:endParaRPr b="0" lang="en-US" sz="2800" spc="-1" strike="noStrike">
-              <a:latin typeface="Arial"/>
-            </a:endParaRPr>
-          </a:p>
-          <a:p>
-            <a:pPr marL="628200" indent="-343080" algn="just">
-              <a:lnSpc>
-                <a:spcPct val="100000"/>
-              </a:lnSpc>
-              <a:spcBef>
-                <a:spcPts val="799"/>
-              </a:spcBef>
-              <a:buClr>
-                <a:srgbClr val="000000"/>
-              </a:buClr>
-              <a:buFont typeface="Source Serif Pro"/>
-              <a:buChar char=""/>
-              <a:tabLst>
-                <a:tab algn="l" pos="124200"/>
-              </a:tabLst>
-            </a:pPr>
-            <a:r>
-              <a:rPr b="0" lang="fr-FR" sz="2800" spc="-1" strike="noStrike">
-                <a:solidFill>
-                  <a:srgbClr val="000000"/>
-                </a:solidFill>
-                <a:latin typeface="Arial"/>
-              </a:rPr>
-              <a:t> </a:t>
-            </a:r>
-            <a:r>
-              <a:rPr b="0" lang="fr-FR" sz="2800" spc="-1" strike="noStrike">
-                <a:solidFill>
-                  <a:srgbClr val="000000"/>
-                </a:solidFill>
-                <a:latin typeface="Arial"/>
-              </a:rPr>
-              <a:t>Définition des volumes cibles et </a:t>
-            </a:r>
-            <a:r>
-              <a:rPr b="1" lang="fr-FR" sz="2800" spc="-1" strike="noStrike">
-                <a:solidFill>
-                  <a:srgbClr val="000000"/>
-                </a:solidFill>
-                <a:latin typeface="Arial"/>
-              </a:rPr>
-              <a:t>OAR</a:t>
-            </a:r>
-            <a:r>
-              <a:rPr b="0" lang="fr-FR" sz="2800" spc="-1" strike="noStrike">
-                <a:solidFill>
-                  <a:srgbClr val="000000"/>
-                </a:solidFill>
-                <a:latin typeface="Arial"/>
-              </a:rPr>
-              <a:t>.</a:t>
-            </a:r>
-            <a:endParaRPr b="0" lang="en-US" sz="2800" spc="-1" strike="noStrike">
-              <a:latin typeface="Arial"/>
-            </a:endParaRPr>
-          </a:p>
-          <a:p>
-            <a:pPr marL="628200" indent="-343080" algn="just">
-              <a:lnSpc>
-                <a:spcPct val="100000"/>
-              </a:lnSpc>
-              <a:spcBef>
-                <a:spcPts val="799"/>
-              </a:spcBef>
-              <a:buClr>
-                <a:srgbClr val="000000"/>
-              </a:buClr>
-              <a:buFont typeface="Source Serif Pro"/>
-              <a:buChar char=""/>
-              <a:tabLst>
-                <a:tab algn="l" pos="124200"/>
-              </a:tabLst>
-            </a:pPr>
-            <a:r>
-              <a:rPr b="0" lang="fr-FR" sz="2800" spc="-1" strike="noStrike">
-                <a:solidFill>
-                  <a:srgbClr val="000000"/>
-                </a:solidFill>
-                <a:latin typeface="Arial"/>
-              </a:rPr>
-              <a:t> </a:t>
-            </a:r>
-            <a:r>
-              <a:rPr b="0" lang="fr-FR" sz="2800" spc="-1" strike="noStrike">
-                <a:solidFill>
-                  <a:srgbClr val="000000"/>
-                </a:solidFill>
-                <a:latin typeface="Arial"/>
-              </a:rPr>
-              <a:t>Délivrance de la dose.</a:t>
-            </a:r>
-            <a:endParaRPr b="0" lang="en-US" sz="2800" spc="-1" strike="noStrike">
-              <a:latin typeface="Arial"/>
-            </a:endParaRPr>
-          </a:p>
-          <a:p>
-            <a:pPr marL="628200" indent="-343080" algn="just">
-              <a:lnSpc>
-                <a:spcPct val="100000"/>
-              </a:lnSpc>
-              <a:spcBef>
-                <a:spcPts val="799"/>
-              </a:spcBef>
-              <a:buClr>
-                <a:srgbClr val="000000"/>
-              </a:buClr>
-              <a:buFont typeface="Source Serif Pro"/>
-              <a:buChar char=""/>
-              <a:tabLst>
-                <a:tab algn="l" pos="124200"/>
-              </a:tabLst>
-            </a:pPr>
-            <a:r>
-              <a:rPr b="0" lang="fr-FR" sz="2800" spc="-1" strike="noStrike">
-                <a:solidFill>
-                  <a:srgbClr val="000000"/>
-                </a:solidFill>
-                <a:latin typeface="Arial"/>
-              </a:rPr>
-              <a:t> </a:t>
-            </a:r>
-            <a:r>
-              <a:rPr b="0" lang="fr-FR" sz="2800" spc="-1" strike="noStrike">
-                <a:solidFill>
-                  <a:srgbClr val="000000"/>
-                </a:solidFill>
-                <a:latin typeface="Arial"/>
-              </a:rPr>
-              <a:t>Contrôle de la position géométrique du patient</a:t>
-            </a:r>
-            <a:endParaRPr b="0" lang="en-US" sz="2800" spc="-1" strike="noStrike">
-              <a:latin typeface="Arial"/>
-            </a:endParaRPr>
-          </a:p>
-          <a:p>
-            <a:pPr>
-              <a:lnSpc>
-                <a:spcPct val="100000"/>
-              </a:lnSpc>
-              <a:spcBef>
-                <a:spcPts val="1199"/>
-              </a:spcBef>
-              <a:buNone/>
-              <a:tabLst>
-                <a:tab algn="l" pos="0"/>
-              </a:tabLst>
-            </a:pPr>
+              <a:t>C’est une variation spatiale volontaire de la dose à l'intérieur  d'un faisceau, au cours d'une même séance.</a:t>
+            </a:r>
             <a:endParaRPr b="0" lang="en-US" sz="2800" spc="-1" strike="noStrike">
               <a:latin typeface="Arial"/>
             </a:endParaRPr>
@@ -6656,57 +6584,9 @@
           <a:chExt cx="0" cy="0"/>
         </a:xfrm>
       </p:grpSpPr>
-      <p:pic>
-        <p:nvPicPr>
-          <p:cNvPr id="139" name="" descr=""/>
-          <p:cNvPicPr/>
-          <p:nvPr/>
-        </p:nvPicPr>
-        <p:blipFill>
-          <a:blip r:embed="rId1"/>
-          <a:srcRect l="5062" t="0" r="0" b="7667"/>
-          <a:stretch/>
-        </p:blipFill>
-        <p:spPr>
-          <a:xfrm>
-            <a:off x="5029200" y="3537360"/>
-            <a:ext cx="2742120" cy="2741760"/>
-          </a:xfrm>
-          <a:prstGeom prst="rect">
-            <a:avLst/>
-          </a:prstGeom>
-          <a:ln w="0">
-            <a:noFill/>
-          </a:ln>
-        </p:spPr>
-      </p:pic>
-      <p:pic>
-        <p:nvPicPr>
-          <p:cNvPr id="140" name="" descr=""/>
-          <p:cNvPicPr/>
-          <p:nvPr/>
-        </p:nvPicPr>
-        <p:blipFill>
-          <a:blip r:embed="rId2"/>
-          <a:srcRect l="0" t="5952" r="0" b="6266"/>
-          <a:stretch/>
-        </p:blipFill>
-        <p:spPr>
-          <a:xfrm>
-            <a:off x="685800" y="3573000"/>
-            <a:ext cx="3435120" cy="2741760"/>
-          </a:xfrm>
-          <a:prstGeom prst="rect">
-            <a:avLst/>
-          </a:prstGeom>
-          <a:ln w="0">
-            <a:noFill/>
-          </a:ln>
-        </p:spPr>
-      </p:pic>
       <p:sp>
         <p:nvSpPr>
-          <p:cNvPr id="141" name="PlaceHolder 1"/>
+          <p:cNvPr id="142" name="PlaceHolder 1"/>
           <p:cNvSpPr>
             <a:spLocks noGrp="1"/>
           </p:cNvSpPr>
@@ -6716,8 +6596,8 @@
         </p:nvSpPr>
         <p:spPr>
           <a:xfrm>
-            <a:off x="228600" y="-228600"/>
-            <a:ext cx="8782560" cy="6855480"/>
+            <a:off x="457560" y="230040"/>
+            <a:ext cx="8913240" cy="6854760"/>
           </a:xfrm>
           <a:prstGeom prst="rect">
             <a:avLst/>
@@ -6732,7 +6612,7 @@
             <a:noAutofit/>
           </a:bodyPr>
           <a:p>
-            <a:pPr marL="355680" indent="-355680" algn="ctr">
+            <a:pPr marL="355680" indent="-355680" algn="just">
               <a:lnSpc>
                 <a:spcPct val="100000"/>
               </a:lnSpc>
@@ -6749,7 +6629,7 @@
             </a:endParaRPr>
           </a:p>
           <a:p>
-            <a:pPr marL="355680" indent="-355680">
+            <a:pPr marL="355680" indent="-355680" algn="just">
               <a:lnSpc>
                 <a:spcPct val="100000"/>
               </a:lnSpc>
@@ -6768,14 +6648,14 @@
                 </a:solidFill>
                 <a:latin typeface="Arial"/>
               </a:rPr>
-              <a:t>IMRT:</a:t>
+              <a:t>IGMT:</a:t>
             </a:r>
             <a:endParaRPr b="0" lang="en-US" sz="2800" spc="-1" strike="noStrike">
               <a:latin typeface="Arial"/>
             </a:endParaRPr>
           </a:p>
           <a:p>
-            <a:pPr marL="343080" indent="-343080">
+            <a:pPr marL="343080" indent="-343080" algn="just">
               <a:lnSpc>
                 <a:spcPct val="100000"/>
               </a:lnSpc>
@@ -6798,17 +6678,16 @@
                 </a:solidFill>
                 <a:latin typeface="Arial"/>
               </a:rPr>
-              <a:t>Cette technique consiste à faire </a:t>
-            </a:r>
-            <a:r>
-              <a:rPr b="0" lang="fr-FR" sz="2800" spc="-1" strike="noStrike" u="sng">
-                <a:solidFill>
-                  <a:srgbClr val="000000"/>
-                </a:solidFill>
-                <a:uFillTx/>
-                <a:latin typeface="Arial"/>
-              </a:rPr>
-              <a:t>varier</a:t>
+              <a:t>Cette technique consiste a visualiser la tumeur au   moment de la séance d’irradiation, en prenant  compte de toutes variations anatomiques     (</a:t>
+            </a:r>
+            <a:r>
+              <a:rPr b="0" lang="fr-FR" sz="2600" spc="-1" strike="noStrike">
+                <a:solidFill>
+                  <a:srgbClr val="000000"/>
+                </a:solidFill>
+                <a:latin typeface="Arial"/>
+              </a:rPr>
+              <a:t>déplacements ou </a:t>
             </a:r>
             <a:r>
               <a:rPr b="0" lang="fr-FR" sz="2800" spc="-1" strike="noStrike">
@@ -6817,24 +6696,14 @@
                 </a:solidFill>
                 <a:latin typeface="Arial"/>
               </a:rPr>
-              <a:t> la forme du faisceau au cours d’une même séance pour s’adapter précisément au volume à traiter, grâce a </a:t>
-            </a:r>
-            <a:r>
-              <a:rPr b="0" lang="fr-FR" sz="2800" spc="-1" strike="noStrike" u="sng">
-                <a:solidFill>
-                  <a:srgbClr val="000000"/>
-                </a:solidFill>
-                <a:uFillTx/>
-                <a:latin typeface="Arial"/>
-              </a:rPr>
-              <a:t>la modulation d’intensité.</a:t>
+              <a:t>déformations)  survenu entre les   séances ou pendant les séances d’irradiation</a:t>
             </a:r>
             <a:endParaRPr b="0" lang="en-US" sz="2800" spc="-1" strike="noStrike">
               <a:latin typeface="Arial"/>
             </a:endParaRPr>
           </a:p>
           <a:p>
-            <a:pPr marL="343080" indent="-343080">
+            <a:pPr marL="343080" indent="-343080" algn="just">
               <a:lnSpc>
                 <a:spcPct val="100000"/>
               </a:lnSpc>
@@ -6857,14 +6726,33 @@
                 </a:solidFill>
                 <a:latin typeface="Arial"/>
               </a:rPr>
-              <a:t>C’est une variation spatiale volontaire de la dose à l'intérieur  d'un faisceau, au cours d'une même séance.</a:t>
+              <a:t>Si la position de la tumeur sous l’accélérateur ne   correspond pas à la position théorique définie lors   de la planification: la technique </a:t>
+            </a:r>
+            <a:r>
+              <a:rPr b="0" lang="fr-FR" sz="2800" spc="-1" strike="noStrike" u="sng">
+                <a:solidFill>
+                  <a:srgbClr val="000000"/>
+                </a:solidFill>
+                <a:uFillTx/>
+                <a:latin typeface="Arial"/>
+              </a:rPr>
+              <a:t>permet de changer</a:t>
+            </a:r>
+            <a:r>
+              <a:rPr b="0" lang="fr-FR" sz="2800" spc="-1" strike="noStrike">
+                <a:solidFill>
+                  <a:srgbClr val="000000"/>
+                </a:solidFill>
+                <a:latin typeface="Arial"/>
+              </a:rPr>
+              <a:t>   les directions des faisceaux d'irradiation.</a:t>
             </a:r>
             <a:endParaRPr b="0" lang="en-US" sz="2800" spc="-1" strike="noStrike">
               <a:latin typeface="Arial"/>
             </a:endParaRPr>
           </a:p>
           <a:p>
-            <a:pPr>
+            <a:pPr algn="just">
               <a:lnSpc>
                 <a:spcPct val="100000"/>
               </a:lnSpc>
@@ -6881,7 +6769,7 @@
             </a:endParaRPr>
           </a:p>
           <a:p>
-            <a:pPr>
+            <a:pPr algn="just">
               <a:lnSpc>
                 <a:spcPct val="100000"/>
               </a:lnSpc>
@@ -6898,7 +6786,7 @@
             </a:endParaRPr>
           </a:p>
           <a:p>
-            <a:pPr>
+            <a:pPr algn="just">
               <a:lnSpc>
                 <a:spcPct val="100000"/>
               </a:lnSpc>
@@ -6946,9 +6834,33 @@
           <a:chExt cx="0" cy="0"/>
         </a:xfrm>
       </p:grpSpPr>
+      <p:pic>
+        <p:nvPicPr>
+          <p:cNvPr id="143" name="Espace réservé du contenu 1" descr=""/>
+          <p:cNvPicPr/>
+          <p:nvPr/>
+        </p:nvPicPr>
+        <p:blipFill>
+          <a:blip r:embed="rId1"/>
+          <a:srcRect l="0" t="0" r="0" b="8528"/>
+          <a:stretch/>
+        </p:blipFill>
+        <p:spPr>
+          <a:xfrm>
+            <a:off x="1765800" y="2057400"/>
+            <a:ext cx="5365800" cy="4220640"/>
+          </a:xfrm>
+          <a:prstGeom prst="rect">
+            <a:avLst/>
+          </a:prstGeom>
+          <a:ln w="0">
+            <a:noFill/>
+          </a:ln>
+        </p:spPr>
+      </p:pic>
       <p:sp>
         <p:nvSpPr>
-          <p:cNvPr id="142" name="PlaceHolder 1"/>
+          <p:cNvPr id="144" name="PlaceHolder 1"/>
           <p:cNvSpPr>
             <a:spLocks noGrp="1"/>
           </p:cNvSpPr>
@@ -6958,8 +6870,8 @@
         </p:nvSpPr>
         <p:spPr>
           <a:xfrm>
-            <a:off x="457560" y="230040"/>
-            <a:ext cx="8913960" cy="6855480"/>
+            <a:off x="385200" y="230040"/>
+            <a:ext cx="8913240" cy="6854760"/>
           </a:xfrm>
           <a:prstGeom prst="rect">
             <a:avLst/>
@@ -6986,23 +6898,6 @@
                 <a:tab algn="l" pos="0"/>
               </a:tabLst>
             </a:pPr>
-            <a:endParaRPr b="0" lang="en-US" sz="3200" spc="-1" strike="noStrike">
-              <a:latin typeface="Arial"/>
-            </a:endParaRPr>
-          </a:p>
-          <a:p>
-            <a:pPr marL="355680" indent="-355680" algn="just">
-              <a:lnSpc>
-                <a:spcPct val="100000"/>
-              </a:lnSpc>
-              <a:spcBef>
-                <a:spcPts val="799"/>
-              </a:spcBef>
-              <a:buNone/>
-              <a:tabLst>
-                <a:tab algn="l" pos="0"/>
-              </a:tabLst>
-            </a:pPr>
             <a:r>
               <a:rPr b="1" lang="fr-MA" sz="2800" spc="-1" strike="noStrike">
                 <a:solidFill>
@@ -7010,7 +6905,7 @@
                 </a:solidFill>
                 <a:latin typeface="Arial"/>
               </a:rPr>
-              <a:t>IGMT:</a:t>
+              <a:t>VMAT:</a:t>
             </a:r>
             <a:endParaRPr b="0" lang="en-US" sz="2800" spc="-1" strike="noStrike">
               <a:latin typeface="Arial"/>
@@ -7040,16 +6935,16 @@
                 </a:solidFill>
                 <a:latin typeface="Arial"/>
               </a:rPr>
-              <a:t>Cette technique consiste a visualiser la tumeur au   moment de la séance d’irradiation, en prenant  compte de toutes variations anatomiques     (</a:t>
-            </a:r>
-            <a:r>
-              <a:rPr b="0" lang="fr-FR" sz="2600" spc="-1" strike="noStrike">
-                <a:solidFill>
-                  <a:srgbClr val="000000"/>
-                </a:solidFill>
-                <a:latin typeface="Arial"/>
-              </a:rPr>
-              <a:t>déplacements ou </a:t>
+              <a:t>Le </a:t>
+            </a:r>
+            <a:r>
+              <a:rPr b="1" lang="fr-FR" sz="2800" spc="-1" strike="noStrike">
+                <a:solidFill>
+                  <a:srgbClr val="000000"/>
+                </a:solidFill>
+                <a:latin typeface="Arial"/>
+              </a:rPr>
+              <a:t>VMAT</a:t>
             </a:r>
             <a:r>
               <a:rPr b="0" lang="fr-FR" sz="2800" spc="-1" strike="noStrike">
@@ -7058,106 +6953,134 @@
                 </a:solidFill>
                 <a:latin typeface="Arial"/>
               </a:rPr>
-              <a:t>déformations)  survenu entre les   séances ou pendant les séances d’irradiation</a:t>
+              <a:t> c’est une </a:t>
+            </a:r>
+            <a:r>
+              <a:rPr b="0" lang="fr-FR" sz="2800" spc="-1" strike="noStrike" u="sng">
+                <a:solidFill>
+                  <a:srgbClr val="000000"/>
+                </a:solidFill>
+                <a:uFillTx/>
+                <a:latin typeface="Arial"/>
+              </a:rPr>
+              <a:t>association</a:t>
+            </a:r>
+            <a:r>
+              <a:rPr b="0" lang="fr-FR" sz="2800" spc="-1" strike="noStrike">
+                <a:solidFill>
+                  <a:srgbClr val="000000"/>
+                </a:solidFill>
+                <a:latin typeface="Arial"/>
+              </a:rPr>
+              <a:t> de la </a:t>
+            </a:r>
+            <a:r>
+              <a:rPr b="1" lang="fr-FR" sz="2800" spc="-1" strike="noStrike">
+                <a:solidFill>
+                  <a:srgbClr val="000000"/>
+                </a:solidFill>
+                <a:latin typeface="Arial"/>
+              </a:rPr>
+              <a:t>RT    </a:t>
+            </a:r>
+            <a:r>
+              <a:rPr b="0" lang="fr-FR" sz="2800" spc="-1" strike="noStrike">
+                <a:solidFill>
+                  <a:srgbClr val="000000"/>
+                </a:solidFill>
+                <a:latin typeface="Arial"/>
+              </a:rPr>
+              <a:t> conformationnelle </a:t>
+            </a:r>
+            <a:r>
+              <a:rPr b="0" lang="fr-FR" sz="2800" spc="-1" strike="noStrike" u="sng">
+                <a:solidFill>
+                  <a:srgbClr val="000000"/>
+                </a:solidFill>
+                <a:uFillTx/>
+                <a:latin typeface="Arial"/>
+              </a:rPr>
+              <a:t>guidée par l’image</a:t>
+            </a:r>
+            <a:r>
+              <a:rPr b="0" lang="fr-FR" sz="2800" spc="-1" strike="noStrike">
+                <a:solidFill>
+                  <a:srgbClr val="000000"/>
+                </a:solidFill>
+                <a:latin typeface="Arial"/>
+              </a:rPr>
+              <a:t> (</a:t>
+            </a:r>
+            <a:r>
+              <a:rPr b="1" lang="fr-FR" sz="2800" spc="-1" strike="noStrike">
+                <a:solidFill>
+                  <a:srgbClr val="000000"/>
+                </a:solidFill>
+                <a:latin typeface="Arial"/>
+              </a:rPr>
+              <a:t>IGRT</a:t>
+            </a:r>
+            <a:r>
+              <a:rPr b="0" lang="fr-FR" sz="2800" spc="-1" strike="noStrike">
+                <a:solidFill>
+                  <a:srgbClr val="000000"/>
+                </a:solidFill>
+                <a:latin typeface="Arial"/>
+              </a:rPr>
+              <a:t>)     conjuguée à </a:t>
+            </a:r>
+            <a:r>
+              <a:rPr b="0" lang="fr-FR" sz="2800" spc="-1" strike="noStrike" u="sng">
+                <a:solidFill>
+                  <a:srgbClr val="000000"/>
+                </a:solidFill>
+                <a:uFillTx/>
+                <a:latin typeface="Arial"/>
+              </a:rPr>
+              <a:t>la modulation d’intensité</a:t>
+            </a:r>
+            <a:r>
+              <a:rPr b="0" lang="fr-FR" sz="2800" spc="-1" strike="noStrike">
+                <a:solidFill>
+                  <a:srgbClr val="000000"/>
+                </a:solidFill>
+                <a:latin typeface="Arial"/>
+              </a:rPr>
+              <a:t>(</a:t>
+            </a:r>
+            <a:r>
+              <a:rPr b="1" lang="fr-FR" sz="2800" spc="-1" strike="noStrike">
+                <a:solidFill>
+                  <a:srgbClr val="000000"/>
+                </a:solidFill>
+                <a:latin typeface="Arial"/>
+              </a:rPr>
+              <a:t>IMRT</a:t>
+            </a:r>
+            <a:r>
+              <a:rPr b="0" lang="fr-FR" sz="2800" spc="-1" strike="noStrike">
+                <a:solidFill>
+                  <a:srgbClr val="000000"/>
+                </a:solidFill>
+                <a:latin typeface="Arial"/>
+              </a:rPr>
+              <a:t>).</a:t>
             </a:r>
             <a:endParaRPr b="0" lang="en-US" sz="2800" spc="-1" strike="noStrike">
               <a:latin typeface="Arial"/>
             </a:endParaRPr>
           </a:p>
           <a:p>
-            <a:pPr marL="343080" indent="-343080" algn="just">
+            <a:pPr algn="just">
               <a:lnSpc>
                 <a:spcPct val="100000"/>
               </a:lnSpc>
               <a:spcBef>
                 <a:spcPts val="1199"/>
               </a:spcBef>
-              <a:buClr>
-                <a:srgbClr val="000000"/>
-              </a:buClr>
-              <a:buFont typeface="Wingdings 2" charset="2"/>
-              <a:buChar char=""/>
-              <a:tabLst>
-                <a:tab algn="l" pos="0"/>
-              </a:tabLst>
-            </a:pPr>
-            <a:r>
-              <a:rPr b="0" lang="fr-FR" sz="2800" spc="-1" strike="noStrike">
-                <a:solidFill>
-                  <a:srgbClr val="000000"/>
-                </a:solidFill>
-                <a:latin typeface="Arial"/>
-              </a:rPr>
-              <a:t>Si la position de la tumeur sous l’accélérateur ne   correspond pas à la position théorique définie lors   de la planification: la technique </a:t>
-            </a:r>
-            <a:r>
-              <a:rPr b="0" lang="fr-FR" sz="2800" spc="-1" strike="noStrike" u="sng">
-                <a:solidFill>
-                  <a:srgbClr val="000000"/>
-                </a:solidFill>
-                <a:uFillTx/>
-                <a:latin typeface="Arial"/>
-              </a:rPr>
-              <a:t>permet de changer</a:t>
-            </a:r>
-            <a:r>
-              <a:rPr b="0" lang="fr-FR" sz="2800" spc="-1" strike="noStrike">
-                <a:solidFill>
-                  <a:srgbClr val="000000"/>
-                </a:solidFill>
-                <a:latin typeface="Arial"/>
-              </a:rPr>
-              <a:t>   les directions des faisceaux d'irradiation.</a:t>
-            </a:r>
-            <a:endParaRPr b="0" lang="en-US" sz="2800" spc="-1" strike="noStrike">
-              <a:latin typeface="Arial"/>
-            </a:endParaRPr>
-          </a:p>
-          <a:p>
-            <a:pPr algn="just">
-              <a:lnSpc>
-                <a:spcPct val="100000"/>
-              </a:lnSpc>
-              <a:spcBef>
-                <a:spcPts val="1199"/>
-              </a:spcBef>
-              <a:buNone/>
-              <a:tabLst>
-                <a:tab algn="l" pos="0"/>
-              </a:tabLst>
-            </a:pPr>
-            <a:endParaRPr b="0" lang="en-US" sz="2800" spc="-1" strike="noStrike">
-              <a:latin typeface="Arial"/>
-            </a:endParaRPr>
-          </a:p>
-          <a:p>
-            <a:pPr algn="just">
-              <a:lnSpc>
-                <a:spcPct val="100000"/>
-              </a:lnSpc>
-              <a:spcBef>
-                <a:spcPts val="519"/>
-              </a:spcBef>
-              <a:buNone/>
-              <a:tabLst>
-                <a:tab algn="l" pos="0"/>
-              </a:tabLst>
-            </a:pPr>
-            <a:endParaRPr b="0" lang="en-US" sz="2800" spc="-1" strike="noStrike">
-              <a:latin typeface="Arial"/>
-            </a:endParaRPr>
-          </a:p>
-          <a:p>
-            <a:pPr algn="just">
-              <a:lnSpc>
-                <a:spcPct val="100000"/>
-              </a:lnSpc>
-              <a:spcBef>
-                <a:spcPts val="519"/>
-              </a:spcBef>
-              <a:buNone/>
-              <a:tabLst>
-                <a:tab algn="l" pos="0"/>
+              <a:buNone/>
+              <a:tabLst>
+                <a:tab algn="l" pos="234360"/>
               </a:tabLst>
             </a:pPr>
             <a:endParaRPr b="0" lang="en-US" sz="2800" spc="-1" strike="noStrike">
@@ -7196,33 +7119,9 @@
           <a:chExt cx="0" cy="0"/>
         </a:xfrm>
       </p:grpSpPr>
-      <p:pic>
-        <p:nvPicPr>
-          <p:cNvPr id="143" name="Espace réservé du contenu 1" descr=""/>
-          <p:cNvPicPr/>
-          <p:nvPr/>
-        </p:nvPicPr>
-        <p:blipFill>
-          <a:blip r:embed="rId1"/>
-          <a:srcRect l="0" t="0" r="0" b="8528"/>
-          <a:stretch/>
-        </p:blipFill>
-        <p:spPr>
-          <a:xfrm>
-            <a:off x="1765800" y="2057400"/>
-            <a:ext cx="5366520" cy="4221360"/>
-          </a:xfrm>
-          <a:prstGeom prst="rect">
-            <a:avLst/>
-          </a:prstGeom>
-          <a:ln w="0">
-            <a:noFill/>
-          </a:ln>
-        </p:spPr>
-      </p:pic>
       <p:sp>
         <p:nvSpPr>
-          <p:cNvPr id="144" name="PlaceHolder 1"/>
+          <p:cNvPr id="145" name="PlaceHolder 1"/>
           <p:cNvSpPr>
             <a:spLocks noGrp="1"/>
           </p:cNvSpPr>
@@ -7232,8 +7131,8 @@
         </p:nvSpPr>
         <p:spPr>
           <a:xfrm>
-            <a:off x="385200" y="230040"/>
-            <a:ext cx="8913960" cy="6855480"/>
+            <a:off x="229320" y="228600"/>
+            <a:ext cx="8912880" cy="6854760"/>
           </a:xfrm>
           <a:prstGeom prst="rect">
             <a:avLst/>
@@ -7260,16 +7159,7 @@
                 <a:tab algn="l" pos="0"/>
               </a:tabLst>
             </a:pPr>
-            <a:r>
-              <a:rPr b="1" lang="fr-MA" sz="2800" spc="-1" strike="noStrike">
-                <a:solidFill>
-                  <a:srgbClr val="008000"/>
-                </a:solidFill>
-                <a:latin typeface="Arial"/>
-              </a:rPr>
-              <a:t>VMAT:</a:t>
-            </a:r>
-            <a:endParaRPr b="0" lang="en-US" sz="2800" spc="-1" strike="noStrike">
+            <a:endParaRPr b="0" lang="en-US" sz="3200" spc="-1" strike="noStrike">
               <a:latin typeface="Arial"/>
             </a:endParaRPr>
           </a:p>
@@ -7296,8 +7186,9 @@
                   <a:srgbClr val="000000"/>
                 </a:solidFill>
                 <a:latin typeface="Arial"/>
-              </a:rPr>
-              <a:t>Le </a:t>
+                <a:ea typeface="DejaVu Sans"/>
+              </a:rPr>
+              <a:t>possibilité d’irradier la tumeur avec plus de précision  que la </a:t>
             </a:r>
             <a:r>
               <a:rPr b="1" lang="fr-FR" sz="2800" spc="-1" strike="noStrike">
@@ -7305,6 +7196,142 @@
                   <a:srgbClr val="000000"/>
                 </a:solidFill>
                 <a:latin typeface="Arial"/>
+                <a:ea typeface="DejaVu Sans"/>
+              </a:rPr>
+              <a:t>RT</a:t>
+            </a:r>
+            <a:r>
+              <a:rPr b="0" lang="fr-FR" sz="2800" spc="-1" strike="noStrike">
+                <a:solidFill>
+                  <a:srgbClr val="000000"/>
+                </a:solidFill>
+                <a:latin typeface="Arial"/>
+                <a:ea typeface="DejaVu Sans"/>
+              </a:rPr>
+              <a:t> conventionnelle grâce à une </a:t>
+            </a:r>
+            <a:r>
+              <a:rPr b="0" lang="fr-FR" sz="2800" spc="-1" strike="noStrike" u="sng">
+                <a:solidFill>
+                  <a:srgbClr val="000000"/>
+                </a:solidFill>
+                <a:uFillTx/>
+                <a:latin typeface="Arial"/>
+                <a:ea typeface="DejaVu Sans"/>
+              </a:rPr>
+              <a:t>modulation</a:t>
+            </a:r>
+            <a:r>
+              <a:rPr b="0" lang="fr-FR" sz="2800" spc="-1" strike="noStrike">
+                <a:solidFill>
+                  <a:srgbClr val="000000"/>
+                </a:solidFill>
+                <a:latin typeface="Arial"/>
+                <a:ea typeface="DejaVu Sans"/>
+              </a:rPr>
+              <a:t> (un contrôle) des faisceaux d’irradiation sur un arc   complet de 360°, par </a:t>
+            </a:r>
+            <a:r>
+              <a:rPr b="0" lang="fr-FR" sz="2800" spc="-1" strike="noStrike" u="sng">
+                <a:solidFill>
+                  <a:srgbClr val="000000"/>
+                </a:solidFill>
+                <a:uFillTx/>
+                <a:latin typeface="Arial"/>
+                <a:ea typeface="DejaVu Sans"/>
+              </a:rPr>
+              <a:t>modulation d'intensité</a:t>
+            </a:r>
+            <a:r>
+              <a:rPr b="0" lang="fr-FR" sz="2800" spc="-1" strike="noStrike">
+                <a:solidFill>
+                  <a:srgbClr val="000000"/>
+                </a:solidFill>
+                <a:latin typeface="Arial"/>
+                <a:ea typeface="DejaVu Sans"/>
+              </a:rPr>
+              <a:t> et le   </a:t>
+            </a:r>
+            <a:r>
+              <a:rPr b="0" lang="fr-FR" sz="2800" spc="-1" strike="noStrike" u="sng">
+                <a:solidFill>
+                  <a:srgbClr val="000000"/>
+                </a:solidFill>
+                <a:uFillTx/>
+                <a:latin typeface="Arial"/>
+                <a:ea typeface="DejaVu Sans"/>
+              </a:rPr>
+              <a:t>guidage par image</a:t>
+            </a:r>
+            <a:r>
+              <a:rPr b="0" lang="fr-FR" sz="2800" spc="-1" strike="noStrike">
+                <a:solidFill>
+                  <a:srgbClr val="000000"/>
+                </a:solidFill>
+                <a:latin typeface="Arial"/>
+                <a:ea typeface="DejaVu Sans"/>
+              </a:rPr>
+              <a:t>.</a:t>
+            </a:r>
+            <a:endParaRPr b="0" lang="en-US" sz="2800" spc="-1" strike="noStrike">
+              <a:latin typeface="Arial"/>
+            </a:endParaRPr>
+          </a:p>
+          <a:p>
+            <a:pPr marL="343080" indent="-343080" algn="just">
+              <a:lnSpc>
+                <a:spcPct val="100000"/>
+              </a:lnSpc>
+              <a:spcBef>
+                <a:spcPts val="1199"/>
+              </a:spcBef>
+              <a:buClr>
+                <a:srgbClr val="000000"/>
+              </a:buClr>
+              <a:buFont typeface="Wingdings 2" charset="2"/>
+              <a:buChar char=""/>
+              <a:tabLst>
+                <a:tab algn="l" pos="0"/>
+              </a:tabLst>
+            </a:pPr>
+            <a:r>
+              <a:rPr b="0" lang="fr-FR" sz="2800" spc="-1" strike="noStrike">
+                <a:solidFill>
+                  <a:srgbClr val="000000"/>
+                </a:solidFill>
+                <a:latin typeface="Arial"/>
+                <a:ea typeface="DejaVu Sans"/>
+              </a:rPr>
+              <a:t>Le processus pour </a:t>
+            </a:r>
+            <a:r>
+              <a:rPr b="0" lang="fr-FR" sz="2800" spc="-1" strike="noStrike" u="sng">
+                <a:solidFill>
+                  <a:srgbClr val="000000"/>
+                </a:solidFill>
+                <a:uFillTx/>
+                <a:latin typeface="Arial"/>
+                <a:ea typeface="DejaVu Sans"/>
+              </a:rPr>
+              <a:t>délivrer</a:t>
+            </a:r>
+            <a:r>
+              <a:rPr b="0" lang="fr-FR" sz="2800" spc="-1" strike="noStrike">
+                <a:solidFill>
+                  <a:srgbClr val="000000"/>
+                </a:solidFill>
+                <a:latin typeface="Arial"/>
+                <a:ea typeface="DejaVu Sans"/>
+              </a:rPr>
+              <a:t> des doses par technique </a:t>
+            </a:r>
+            <a:r>
+              <a:rPr b="1" lang="fr-FR" sz="2800" spc="-1" strike="noStrike">
+                <a:solidFill>
+                  <a:srgbClr val="000000"/>
+                </a:solidFill>
+                <a:latin typeface="Arial"/>
+                <a:ea typeface="DejaVu Sans"/>
               </a:rPr>
               <a:t>VMAT</a:t>
             </a:r>
@@ -7314,8 +7341,9 @@
                   <a:srgbClr val="000000"/>
                 </a:solidFill>
                 <a:latin typeface="Arial"/>
-              </a:rPr>
-              <a:t> c’est une </a:t>
+                <a:ea typeface="DejaVu Sans"/>
+              </a:rPr>
+              <a:t> est </a:t>
             </a:r>
             <a:r>
               <a:rPr b="0" lang="fr-FR" sz="2800" spc="-1" strike="noStrike" u="sng">
@@ -7324,8 +7352,9 @@
                 </a:solidFill>
                 <a:uFillTx/>
                 <a:latin typeface="Arial"/>
-              </a:rPr>
-              <a:t>association</a:t>
+                <a:ea typeface="DejaVu Sans"/>
+              </a:rPr>
+              <a:t>très complexe</a:t>
             </a:r>
             <a:r>
               <a:rPr b="0" lang="fr-FR" sz="2800" spc="-1" strike="noStrike">
@@ -7333,100 +7362,40 @@
                   <a:srgbClr val="000000"/>
                 </a:solidFill>
                 <a:latin typeface="Arial"/>
-              </a:rPr>
-              <a:t> de la </a:t>
-            </a:r>
-            <a:r>
-              <a:rPr b="1" lang="fr-FR" sz="2800" spc="-1" strike="noStrike">
-                <a:solidFill>
-                  <a:srgbClr val="000000"/>
-                </a:solidFill>
-                <a:latin typeface="Arial"/>
-              </a:rPr>
-              <a:t>RT    </a:t>
-            </a:r>
+                <a:ea typeface="DejaVu Sans"/>
+              </a:rPr>
+              <a:t>. Il nécessite des experts en radio physique et en dosimétrie.</a:t>
+            </a:r>
+            <a:endParaRPr b="0" lang="en-US" sz="2800" spc="-1" strike="noStrike">
+              <a:latin typeface="Arial"/>
+            </a:endParaRPr>
+          </a:p>
+          <a:p>
+            <a:pPr marL="343080" indent="-343080" algn="just">
+              <a:lnSpc>
+                <a:spcPct val="100000"/>
+              </a:lnSpc>
+              <a:spcBef>
+                <a:spcPts val="1199"/>
+              </a:spcBef>
+              <a:buClr>
+                <a:srgbClr val="000000"/>
+              </a:buClr>
+              <a:buFont typeface="Wingdings 2" charset="2"/>
+              <a:buChar char=""/>
+              <a:tabLst>
+                <a:tab algn="l" pos="0"/>
+              </a:tabLst>
+            </a:pPr>
             <a:r>
               <a:rPr b="0" lang="fr-FR" sz="2800" spc="-1" strike="noStrike">
                 <a:solidFill>
                   <a:srgbClr val="000000"/>
                 </a:solidFill>
                 <a:latin typeface="Arial"/>
-              </a:rPr>
-              <a:t> conformationnelle </a:t>
-            </a:r>
-            <a:r>
-              <a:rPr b="0" lang="fr-FR" sz="2800" spc="-1" strike="noStrike" u="sng">
-                <a:solidFill>
-                  <a:srgbClr val="000000"/>
-                </a:solidFill>
-                <a:uFillTx/>
-                <a:latin typeface="Arial"/>
-              </a:rPr>
-              <a:t>guidée par l’image</a:t>
-            </a:r>
-            <a:r>
-              <a:rPr b="0" lang="fr-FR" sz="2800" spc="-1" strike="noStrike">
-                <a:solidFill>
-                  <a:srgbClr val="000000"/>
-                </a:solidFill>
-                <a:latin typeface="Arial"/>
-              </a:rPr>
-              <a:t> (</a:t>
-            </a:r>
-            <a:r>
-              <a:rPr b="1" lang="fr-FR" sz="2800" spc="-1" strike="noStrike">
-                <a:solidFill>
-                  <a:srgbClr val="000000"/>
-                </a:solidFill>
-                <a:latin typeface="Arial"/>
-              </a:rPr>
-              <a:t>IGRT</a:t>
-            </a:r>
-            <a:r>
-              <a:rPr b="0" lang="fr-FR" sz="2800" spc="-1" strike="noStrike">
-                <a:solidFill>
-                  <a:srgbClr val="000000"/>
-                </a:solidFill>
-                <a:latin typeface="Arial"/>
-              </a:rPr>
-              <a:t>)     conjuguée à </a:t>
-            </a:r>
-            <a:r>
-              <a:rPr b="0" lang="fr-FR" sz="2800" spc="-1" strike="noStrike" u="sng">
-                <a:solidFill>
-                  <a:srgbClr val="000000"/>
-                </a:solidFill>
-                <a:uFillTx/>
-                <a:latin typeface="Arial"/>
-              </a:rPr>
-              <a:t>la modulation d’intensité</a:t>
-            </a:r>
-            <a:r>
-              <a:rPr b="0" lang="fr-FR" sz="2800" spc="-1" strike="noStrike">
-                <a:solidFill>
-                  <a:srgbClr val="000000"/>
-                </a:solidFill>
-                <a:latin typeface="Arial"/>
-              </a:rPr>
-              <a:t>(</a:t>
-            </a:r>
-            <a:r>
-              <a:rPr b="1" lang="fr-FR" sz="2800" spc="-1" strike="noStrike">
-                <a:solidFill>
-                  <a:srgbClr val="000000"/>
-                </a:solidFill>
-                <a:latin typeface="Arial"/>
-              </a:rPr>
-              <a:t>IMRT</a:t>
-            </a:r>
-            <a:r>
-              <a:rPr b="0" lang="fr-FR" sz="2800" spc="-1" strike="noStrike">
-                <a:solidFill>
-                  <a:srgbClr val="000000"/>
-                </a:solidFill>
-                <a:latin typeface="Arial"/>
-              </a:rPr>
-              <a:t>).</a:t>
+                <a:ea typeface="DejaVu Sans"/>
+              </a:rPr>
+              <a:t>Une assurance qualité est obligatoire à chaque étape du processus</a:t>
             </a:r>
             <a:endParaRPr b="0" lang="en-US" sz="2800" spc="-1" strike="noStrike">
               <a:latin typeface="Arial"/>
@@ -7442,7 +7411,41 @@
               </a:spcBef>
               <a:buNone/>
               <a:tabLst>
-                <a:tab algn="l" pos="234360"/>
+                <a:tab algn="l" pos="0"/>
+              </a:tabLst>
+            </a:pPr>
+            <a:endParaRPr b="0" lang="en-US" sz="2800" spc="-1" strike="noStrike">
+              <a:latin typeface="Arial"/>
+            </a:endParaRPr>
+          </a:p>
+          <a:p>
+            <a:pPr algn="just">
+              <a:lnSpc>
+                <a:spcPct val="100000"/>
+              </a:lnSpc>
+              <a:spcBef>
+                <a:spcPts val="519"/>
+              </a:spcBef>
+              <a:buNone/>
+              <a:tabLst>
+                <a:tab algn="l" pos="0"/>
+              </a:tabLst>
+            </a:pPr>
+            <a:endParaRPr b="0" lang="en-US" sz="2800" spc="-1" strike="noStrike">
+              <a:latin typeface="Arial"/>
+            </a:endParaRPr>
+          </a:p>
+          <a:p>
+            <a:pPr algn="just">
+              <a:lnSpc>
+                <a:spcPct val="100000"/>
+              </a:lnSpc>
+              <a:spcBef>
+                <a:spcPts val="519"/>
+              </a:spcBef>
+              <a:buNone/>
+              <a:tabLst>
+                <a:tab algn="l" pos="0"/>
               </a:tabLst>
             </a:pPr>
             <a:endParaRPr b="0" lang="en-US" sz="2800" spc="-1" strike="noStrike">
@@ -7481,9 +7484,337 @@
           <a:chExt cx="0" cy="0"/>
         </a:xfrm>
       </p:grpSpPr>
+      <p:pic>
+        <p:nvPicPr>
+          <p:cNvPr id="146" name="" descr=""/>
+          <p:cNvPicPr/>
+          <p:nvPr/>
+        </p:nvPicPr>
+        <p:blipFill>
+          <a:blip r:embed="rId1"/>
+          <a:srcRect l="0" t="0" r="10728" b="0"/>
+          <a:stretch/>
+        </p:blipFill>
+        <p:spPr>
+          <a:xfrm>
+            <a:off x="4800600" y="2286000"/>
+            <a:ext cx="4155480" cy="3683880"/>
+          </a:xfrm>
+          <a:prstGeom prst="rect">
+            <a:avLst/>
+          </a:prstGeom>
+          <a:ln w="0">
+            <a:noFill/>
+          </a:ln>
+        </p:spPr>
+      </p:pic>
       <p:sp>
         <p:nvSpPr>
-          <p:cNvPr id="145" name="PlaceHolder 1"/>
+          <p:cNvPr id="147" name="PlaceHolder 10"/>
+          <p:cNvSpPr/>
+          <p:nvPr/>
+        </p:nvSpPr>
+        <p:spPr>
+          <a:xfrm>
+            <a:off x="457200" y="2057400"/>
+            <a:ext cx="4570200" cy="3455280"/>
+          </a:xfrm>
+          <a:prstGeom prst="rect">
+            <a:avLst/>
+          </a:prstGeom>
+          <a:noFill/>
+          <a:ln w="0">
+            <a:noFill/>
+          </a:ln>
+        </p:spPr>
+        <p:style>
+          <a:lnRef idx="0"/>
+          <a:fillRef idx="0"/>
+          <a:effectRef idx="0"/>
+          <a:fontRef idx="minor"/>
+        </p:style>
+        <p:txBody>
+          <a:bodyPr numCol="1" spcCol="0" lIns="90000" rIns="90000" tIns="45000" bIns="45000" anchor="t">
+            <a:noAutofit/>
+          </a:bodyPr>
+          <a:p>
+            <a:pPr marL="355680" indent="-355680" algn="just">
+              <a:lnSpc>
+                <a:spcPct val="100000"/>
+              </a:lnSpc>
+              <a:spcBef>
+                <a:spcPts val="799"/>
+              </a:spcBef>
+              <a:buNone/>
+              <a:tabLst>
+                <a:tab algn="l" pos="0"/>
+              </a:tabLst>
+            </a:pPr>
+            <a:endParaRPr b="0" lang="en-US" sz="1800" spc="-1" strike="noStrike">
+              <a:latin typeface="Arial"/>
+            </a:endParaRPr>
+          </a:p>
+          <a:p>
+            <a:pPr marL="355680" indent="-355680" algn="just">
+              <a:lnSpc>
+                <a:spcPct val="100000"/>
+              </a:lnSpc>
+              <a:spcBef>
+                <a:spcPts val="799"/>
+              </a:spcBef>
+              <a:buNone/>
+              <a:tabLst>
+                <a:tab algn="l" pos="0"/>
+              </a:tabLst>
+            </a:pPr>
+            <a:endParaRPr b="0" lang="en-US" sz="1800" spc="-1" strike="noStrike">
+              <a:latin typeface="Arial"/>
+            </a:endParaRPr>
+          </a:p>
+          <a:p>
+            <a:pPr marL="355680" indent="-355680" algn="just">
+              <a:lnSpc>
+                <a:spcPct val="100000"/>
+              </a:lnSpc>
+              <a:spcBef>
+                <a:spcPts val="799"/>
+              </a:spcBef>
+              <a:buNone/>
+              <a:tabLst>
+                <a:tab algn="l" pos="0"/>
+              </a:tabLst>
+            </a:pPr>
+            <a:endParaRPr b="0" lang="en-US" sz="800" spc="-1" strike="noStrike">
+              <a:latin typeface="Arial"/>
+            </a:endParaRPr>
+          </a:p>
+          <a:p>
+            <a:pPr marL="343080" indent="-343080" algn="just">
+              <a:lnSpc>
+                <a:spcPct val="100000"/>
+              </a:lnSpc>
+              <a:spcBef>
+                <a:spcPts val="1199"/>
+              </a:spcBef>
+              <a:buClr>
+                <a:srgbClr val="000000"/>
+              </a:buClr>
+              <a:buFont typeface="Wingdings 2" charset="2"/>
+              <a:buChar char=""/>
+              <a:tabLst>
+                <a:tab algn="l" pos="0"/>
+              </a:tabLst>
+            </a:pPr>
+            <a:r>
+              <a:rPr b="0" lang="fr-FR" sz="2400" spc="-1" strike="noStrike">
+                <a:solidFill>
+                  <a:srgbClr val="000000"/>
+                </a:solidFill>
+                <a:latin typeface="Arial"/>
+                <a:ea typeface="DejaVu Sans"/>
+              </a:rPr>
+              <a:t>Un cancer de la </a:t>
+            </a:r>
+            <a:r>
+              <a:rPr b="1" lang="fr-FR" sz="2400" spc="-1" strike="noStrike">
+                <a:solidFill>
+                  <a:srgbClr val="000000"/>
+                </a:solidFill>
+                <a:latin typeface="Arial"/>
+                <a:ea typeface="DejaVu Sans"/>
+              </a:rPr>
+              <a:t>tête</a:t>
+            </a:r>
+            <a:r>
+              <a:rPr b="0" lang="fr-FR" sz="2400" spc="-1" strike="noStrike">
+                <a:solidFill>
+                  <a:srgbClr val="000000"/>
+                </a:solidFill>
+                <a:latin typeface="Arial"/>
+                <a:ea typeface="DejaVu Sans"/>
+              </a:rPr>
+              <a:t> et du </a:t>
+            </a:r>
+            <a:r>
+              <a:rPr b="1" lang="fr-FR" sz="2400" spc="-1" strike="noStrike">
+                <a:solidFill>
+                  <a:srgbClr val="000000"/>
+                </a:solidFill>
+                <a:latin typeface="Arial"/>
+                <a:ea typeface="DejaVu Sans"/>
+              </a:rPr>
+              <a:t>cou</a:t>
+            </a:r>
+            <a:r>
+              <a:rPr b="0" lang="fr-FR" sz="2400" spc="-1" strike="noStrike">
+                <a:solidFill>
+                  <a:srgbClr val="000000"/>
+                </a:solidFill>
+                <a:latin typeface="Arial"/>
+                <a:ea typeface="DejaVu Sans"/>
+              </a:rPr>
+              <a:t>, aussi appelé cancer des </a:t>
+            </a:r>
+            <a:r>
+              <a:rPr b="1" lang="fr-FR" sz="2400" spc="-1" strike="noStrike">
+                <a:solidFill>
+                  <a:srgbClr val="000000"/>
+                </a:solidFill>
+                <a:latin typeface="Arial"/>
+                <a:ea typeface="DejaVu Sans"/>
+              </a:rPr>
+              <a:t>voies aérodigestive      </a:t>
+            </a:r>
+            <a:r>
+              <a:rPr b="0" lang="fr-FR" sz="2400" spc="-1" strike="noStrike">
+                <a:solidFill>
+                  <a:srgbClr val="000000"/>
+                </a:solidFill>
+                <a:latin typeface="Arial"/>
+                <a:ea typeface="DejaVu Sans"/>
+              </a:rPr>
+              <a:t>supérieures ou cancer </a:t>
+            </a:r>
+            <a:r>
+              <a:rPr b="1" lang="fr-FR" sz="2400" spc="-1" strike="noStrike">
+                <a:solidFill>
+                  <a:srgbClr val="000000"/>
+                </a:solidFill>
+                <a:latin typeface="Arial"/>
+                <a:ea typeface="DejaVu Sans"/>
+              </a:rPr>
+              <a:t>ORL</a:t>
+            </a:r>
+            <a:r>
+              <a:rPr b="0" lang="fr-FR" sz="2400" spc="-1" strike="noStrike">
+                <a:solidFill>
+                  <a:srgbClr val="000000"/>
+                </a:solidFill>
+                <a:latin typeface="Arial"/>
+                <a:ea typeface="DejaVu Sans"/>
+              </a:rPr>
+              <a:t>, est un cancer qui touche toute la sphère </a:t>
+            </a:r>
+            <a:r>
+              <a:rPr b="1" lang="fr-FR" sz="2400" spc="-1" strike="noStrike">
+                <a:solidFill>
+                  <a:srgbClr val="000000"/>
+                </a:solidFill>
+                <a:latin typeface="Arial"/>
+                <a:ea typeface="DejaVu Sans"/>
+              </a:rPr>
+              <a:t>ORL</a:t>
+            </a:r>
+            <a:r>
+              <a:rPr b="0" lang="fr-FR" sz="2400" spc="-1" strike="noStrike">
+                <a:solidFill>
+                  <a:srgbClr val="000000"/>
+                </a:solidFill>
+                <a:latin typeface="Arial"/>
+                <a:ea typeface="DejaVu Sans"/>
+              </a:rPr>
+              <a:t>, allant de la base du </a:t>
+            </a:r>
+            <a:r>
+              <a:rPr b="1" lang="fr-FR" sz="2400" spc="-1" strike="noStrike">
+                <a:solidFill>
+                  <a:srgbClr val="000000"/>
+                </a:solidFill>
+                <a:latin typeface="Arial"/>
+                <a:ea typeface="DejaVu Sans"/>
+              </a:rPr>
+              <a:t>crâne</a:t>
+            </a:r>
+            <a:r>
+              <a:rPr b="0" lang="fr-FR" sz="2400" spc="-1" strike="noStrike">
+                <a:solidFill>
+                  <a:srgbClr val="000000"/>
+                </a:solidFill>
+                <a:latin typeface="Arial"/>
+                <a:ea typeface="DejaVu Sans"/>
+              </a:rPr>
+              <a:t> à la base du </a:t>
+            </a:r>
+            <a:r>
+              <a:rPr b="1" lang="fr-FR" sz="2400" spc="-1" strike="noStrike">
+                <a:solidFill>
+                  <a:srgbClr val="000000"/>
+                </a:solidFill>
+                <a:latin typeface="Arial"/>
+                <a:ea typeface="DejaVu Sans"/>
+              </a:rPr>
+              <a:t>cou</a:t>
+            </a:r>
+            <a:r>
+              <a:rPr b="0" lang="fr-FR" sz="2400" spc="-1" strike="noStrike">
+                <a:solidFill>
+                  <a:srgbClr val="000000"/>
+                </a:solidFill>
+                <a:latin typeface="Arial"/>
+                <a:ea typeface="DejaVu Sans"/>
+              </a:rPr>
+              <a:t>. </a:t>
+            </a:r>
+            <a:endParaRPr b="0" lang="en-US" sz="2400" spc="-1" strike="noStrike">
+              <a:latin typeface="Arial"/>
+            </a:endParaRPr>
+          </a:p>
+          <a:p>
+            <a:pPr>
+              <a:lnSpc>
+                <a:spcPct val="100000"/>
+              </a:lnSpc>
+              <a:spcBef>
+                <a:spcPts val="1199"/>
+              </a:spcBef>
+              <a:buNone/>
+              <a:tabLst>
+                <a:tab algn="l" pos="0"/>
+              </a:tabLst>
+            </a:pPr>
+            <a:endParaRPr b="0" lang="en-US" sz="2400" spc="-1" strike="noStrike">
+              <a:latin typeface="Arial"/>
+            </a:endParaRPr>
+          </a:p>
+          <a:p>
+            <a:pPr>
+              <a:lnSpc>
+                <a:spcPct val="100000"/>
+              </a:lnSpc>
+              <a:spcBef>
+                <a:spcPts val="519"/>
+              </a:spcBef>
+              <a:buNone/>
+              <a:tabLst>
+                <a:tab algn="l" pos="0"/>
+              </a:tabLst>
+            </a:pPr>
+            <a:endParaRPr b="0" lang="en-US" sz="2400" spc="-1" strike="noStrike">
+              <a:latin typeface="Arial"/>
+            </a:endParaRPr>
+          </a:p>
+          <a:p>
+            <a:pPr>
+              <a:lnSpc>
+                <a:spcPct val="100000"/>
+              </a:lnSpc>
+              <a:spcBef>
+                <a:spcPts val="519"/>
+              </a:spcBef>
+              <a:buNone/>
+              <a:tabLst>
+                <a:tab algn="l" pos="0"/>
+              </a:tabLst>
+            </a:pPr>
+            <a:endParaRPr b="0" lang="en-US" sz="2400" spc="-1" strike="noStrike">
+              <a:latin typeface="Arial"/>
+            </a:endParaRPr>
+          </a:p>
+        </p:txBody>
+      </p:sp>
+      <p:sp>
+        <p:nvSpPr>
+          <p:cNvPr id="148" name="PlaceHolder 1"/>
           <p:cNvSpPr>
             <a:spLocks noGrp="1"/>
           </p:cNvSpPr>
@@ -7493,8 +7824,8 @@
         </p:nvSpPr>
         <p:spPr>
           <a:xfrm>
-            <a:off x="229320" y="228600"/>
-            <a:ext cx="8913600" cy="6855480"/>
+            <a:off x="457200" y="228600"/>
+            <a:ext cx="8781840" cy="1598400"/>
           </a:xfrm>
           <a:prstGeom prst="rect">
             <a:avLst/>
@@ -7509,7 +7840,7 @@
             <a:noAutofit/>
           </a:bodyPr>
           <a:p>
-            <a:pPr marL="355680" indent="-355680" algn="just">
+            <a:pPr marL="355680" indent="-355680" algn="ctr">
               <a:lnSpc>
                 <a:spcPct val="100000"/>
               </a:lnSpc>
@@ -7521,295 +7852,93 @@
                 <a:tab algn="l" pos="0"/>
               </a:tabLst>
             </a:pPr>
-            <a:endParaRPr b="0" lang="en-US" sz="3200" spc="-1" strike="noStrike">
-              <a:latin typeface="Arial"/>
-            </a:endParaRPr>
-          </a:p>
-          <a:p>
-            <a:pPr marL="343080" indent="-343080" algn="just">
+            <a:r>
+              <a:rPr b="1" lang="fr-MA" sz="4000" spc="-1" strike="noStrike">
+                <a:solidFill>
+                  <a:srgbClr val="2d0cf4"/>
+                </a:solidFill>
+                <a:latin typeface="Arial"/>
+              </a:rPr>
+              <a:t>Le plan de traitement</a:t>
+            </a:r>
+            <a:endParaRPr b="0" lang="en-US" sz="4000" spc="-1" strike="noStrike">
+              <a:latin typeface="Arial"/>
+            </a:endParaRPr>
+          </a:p>
+          <a:p>
+            <a:pPr marL="355680" indent="-355680" algn="ctr">
+              <a:lnSpc>
+                <a:spcPct val="100000"/>
+              </a:lnSpc>
+              <a:spcBef>
+                <a:spcPts val="799"/>
+              </a:spcBef>
+              <a:buNone/>
+              <a:tabLst>
+                <a:tab algn="l" pos="0"/>
+              </a:tabLst>
+            </a:pPr>
+            <a:r>
+              <a:rPr b="1" lang="fr-MA" sz="4000" spc="-1" strike="noStrike">
+                <a:solidFill>
+                  <a:srgbClr val="2d0cf4"/>
+                </a:solidFill>
+                <a:latin typeface="Arial"/>
+              </a:rPr>
+              <a:t>de la tête et du cou</a:t>
+            </a:r>
+            <a:endParaRPr b="0" lang="en-US" sz="4000" spc="-1" strike="noStrike">
+              <a:latin typeface="Arial"/>
+            </a:endParaRPr>
+          </a:p>
+          <a:p>
+            <a:pPr marL="355680" indent="-355680" algn="ctr">
+              <a:lnSpc>
+                <a:spcPct val="100000"/>
+              </a:lnSpc>
+              <a:spcBef>
+                <a:spcPts val="400"/>
+              </a:spcBef>
+              <a:buNone/>
+              <a:tabLst>
+                <a:tab algn="l" pos="0"/>
+              </a:tabLst>
+            </a:pPr>
+            <a:endParaRPr b="0" lang="en-US" sz="4000" spc="-1" strike="noStrike">
+              <a:latin typeface="Arial"/>
+            </a:endParaRPr>
+          </a:p>
+          <a:p>
+            <a:pPr marL="355680" indent="-355680">
               <a:lnSpc>
                 <a:spcPct val="100000"/>
               </a:lnSpc>
               <a:spcBef>
                 <a:spcPts val="1199"/>
               </a:spcBef>
-              <a:buClr>
-                <a:srgbClr val="000000"/>
-              </a:buClr>
-              <a:buFont typeface="Wingdings 2" charset="2"/>
-              <a:buChar char=""/>
-              <a:tabLst>
-                <a:tab algn="l" pos="0"/>
-              </a:tabLst>
-            </a:pPr>
-            <a:r>
-              <a:rPr b="0" lang="fr-FR" sz="2800" spc="-1" strike="noStrike">
-                <a:solidFill>
-                  <a:srgbClr val="000000"/>
-                </a:solidFill>
-                <a:latin typeface="Arial"/>
-                <a:ea typeface="DejaVu Sans"/>
-              </a:rPr>
-              <a:t>possibilité d’irradier la tumeur avec plus de précision  que la </a:t>
-            </a:r>
-            <a:r>
-              <a:rPr b="1" lang="fr-FR" sz="2800" spc="-1" strike="noStrike">
-                <a:solidFill>
-                  <a:srgbClr val="000000"/>
-                </a:solidFill>
-                <a:latin typeface="Arial"/>
-                <a:ea typeface="DejaVu Sans"/>
-              </a:rPr>
-              <a:t>RT</a:t>
-            </a:r>
-            <a:r>
-              <a:rPr b="0" lang="fr-FR" sz="2800" spc="-1" strike="noStrike">
-                <a:solidFill>
-                  <a:srgbClr val="000000"/>
-                </a:solidFill>
-                <a:latin typeface="Arial"/>
-                <a:ea typeface="DejaVu Sans"/>
-              </a:rPr>
-              <a:t> conventionnelle grâce à une </a:t>
-            </a:r>
-            <a:r>
-              <a:rPr b="0" lang="fr-FR" sz="2800" spc="-1" strike="noStrike" u="sng">
-                <a:solidFill>
-                  <a:srgbClr val="000000"/>
-                </a:solidFill>
-                <a:uFillTx/>
-                <a:latin typeface="Arial"/>
-                <a:ea typeface="DejaVu Sans"/>
-              </a:rPr>
-              <a:t>modulation</a:t>
-            </a:r>
-            <a:r>
-              <a:rPr b="0" lang="fr-FR" sz="2800" spc="-1" strike="noStrike">
-                <a:solidFill>
-                  <a:srgbClr val="000000"/>
-                </a:solidFill>
-                <a:latin typeface="Arial"/>
-                <a:ea typeface="DejaVu Sans"/>
-              </a:rPr>
-              <a:t> (un contrôle) des faisceaux d’irradiation sur un arc   complet de 360°, par </a:t>
-            </a:r>
-            <a:r>
-              <a:rPr b="0" lang="fr-FR" sz="2800" spc="-1" strike="noStrike" u="sng">
-                <a:solidFill>
-                  <a:srgbClr val="000000"/>
-                </a:solidFill>
-                <a:uFillTx/>
-                <a:latin typeface="Arial"/>
-                <a:ea typeface="DejaVu Sans"/>
-              </a:rPr>
-              <a:t>modulation d'intensité</a:t>
-            </a:r>
-            <a:r>
-              <a:rPr b="0" lang="fr-FR" sz="2800" spc="-1" strike="noStrike">
-                <a:solidFill>
-                  <a:srgbClr val="000000"/>
-                </a:solidFill>
-                <a:latin typeface="Arial"/>
-                <a:ea typeface="DejaVu Sans"/>
-              </a:rPr>
-              <a:t> et le   </a:t>
-            </a:r>
-            <a:r>
-              <a:rPr b="0" lang="fr-FR" sz="2800" spc="-1" strike="noStrike" u="sng">
-                <a:solidFill>
-                  <a:srgbClr val="000000"/>
-                </a:solidFill>
-                <a:uFillTx/>
-                <a:latin typeface="Arial"/>
-                <a:ea typeface="DejaVu Sans"/>
-              </a:rPr>
-              <a:t>guidage par image</a:t>
-            </a:r>
-            <a:r>
-              <a:rPr b="0" lang="fr-FR" sz="2800" spc="-1" strike="noStrike">
-                <a:solidFill>
-                  <a:srgbClr val="000000"/>
-                </a:solidFill>
-                <a:latin typeface="Arial"/>
-                <a:ea typeface="DejaVu Sans"/>
-              </a:rPr>
-              <a:t>.</a:t>
-            </a:r>
-            <a:endParaRPr b="0" lang="en-US" sz="2800" spc="-1" strike="noStrike">
-              <a:latin typeface="Arial"/>
-            </a:endParaRPr>
-          </a:p>
-          <a:p>
-            <a:pPr marL="343080" indent="-343080" algn="just">
-              <a:lnSpc>
-                <a:spcPct val="100000"/>
-              </a:lnSpc>
-              <a:spcBef>
-                <a:spcPts val="1199"/>
-              </a:spcBef>
-              <a:buClr>
-                <a:srgbClr val="000000"/>
-              </a:buClr>
-              <a:buFont typeface="Wingdings 2" charset="2"/>
-              <a:buChar char=""/>
-              <a:tabLst>
-                <a:tab algn="l" pos="0"/>
-              </a:tabLst>
-            </a:pPr>
-            <a:r>
-              <a:rPr b="0" lang="fr-FR" sz="2800" spc="-1" strike="noStrike">
-                <a:solidFill>
-                  <a:srgbClr val="000000"/>
-                </a:solidFill>
-                <a:latin typeface="Arial"/>
-                <a:ea typeface="DejaVu Sans"/>
-              </a:rPr>
-              <a:t>Le processus pour </a:t>
-            </a:r>
-            <a:r>
-              <a:rPr b="0" lang="fr-FR" sz="2800" spc="-1" strike="noStrike" u="sng">
-                <a:solidFill>
-                  <a:srgbClr val="000000"/>
-                </a:solidFill>
-                <a:uFillTx/>
-                <a:latin typeface="Arial"/>
-                <a:ea typeface="DejaVu Sans"/>
-              </a:rPr>
-              <a:t>délivrer</a:t>
-            </a:r>
-            <a:r>
-              <a:rPr b="0" lang="fr-FR" sz="2800" spc="-1" strike="noStrike">
-                <a:solidFill>
-                  <a:srgbClr val="000000"/>
-                </a:solidFill>
-                <a:latin typeface="Arial"/>
-                <a:ea typeface="DejaVu Sans"/>
-              </a:rPr>
-              <a:t> des doses par technique </a:t>
-            </a:r>
-            <a:r>
-              <a:rPr b="1" lang="fr-FR" sz="2800" spc="-1" strike="noStrike">
-                <a:solidFill>
-                  <a:srgbClr val="000000"/>
-                </a:solidFill>
-                <a:latin typeface="Arial"/>
-                <a:ea typeface="DejaVu Sans"/>
-              </a:rPr>
-              <a:t>VMAT</a:t>
-            </a:r>
-            <a:r>
-              <a:rPr b="0" lang="fr-FR" sz="2800" spc="-1" strike="noStrike">
-                <a:solidFill>
-                  <a:srgbClr val="000000"/>
-                </a:solidFill>
-                <a:latin typeface="Arial"/>
-                <a:ea typeface="DejaVu Sans"/>
-              </a:rPr>
-              <a:t> est </a:t>
-            </a:r>
-            <a:r>
-              <a:rPr b="0" lang="fr-FR" sz="2800" spc="-1" strike="noStrike" u="sng">
-                <a:solidFill>
-                  <a:srgbClr val="000000"/>
-                </a:solidFill>
-                <a:uFillTx/>
-                <a:latin typeface="Arial"/>
-                <a:ea typeface="DejaVu Sans"/>
-              </a:rPr>
-              <a:t>très complexe</a:t>
-            </a:r>
-            <a:r>
-              <a:rPr b="0" lang="fr-FR" sz="2800" spc="-1" strike="noStrike">
-                <a:solidFill>
-                  <a:srgbClr val="000000"/>
-                </a:solidFill>
-                <a:latin typeface="Arial"/>
-                <a:ea typeface="DejaVu Sans"/>
-              </a:rPr>
-              <a:t>. Il nécessite des experts en radio physique et en dosimétrie.</a:t>
-            </a:r>
-            <a:endParaRPr b="0" lang="en-US" sz="2800" spc="-1" strike="noStrike">
-              <a:latin typeface="Arial"/>
-            </a:endParaRPr>
-          </a:p>
-          <a:p>
-            <a:pPr marL="343080" indent="-343080" algn="just">
-              <a:lnSpc>
-                <a:spcPct val="100000"/>
-              </a:lnSpc>
-              <a:spcBef>
-                <a:spcPts val="1199"/>
-              </a:spcBef>
-              <a:buClr>
-                <a:srgbClr val="000000"/>
-              </a:buClr>
-              <a:buFont typeface="Wingdings 2" charset="2"/>
-              <a:buChar char=""/>
-              <a:tabLst>
-                <a:tab algn="l" pos="0"/>
-              </a:tabLst>
-            </a:pPr>
-            <a:r>
-              <a:rPr b="0" lang="fr-FR" sz="2800" spc="-1" strike="noStrike">
-                <a:solidFill>
-                  <a:srgbClr val="000000"/>
-                </a:solidFill>
-                <a:latin typeface="Arial"/>
-                <a:ea typeface="DejaVu Sans"/>
-              </a:rPr>
-              <a:t>Une assurance qualité est obligatoire à chaque étape du processus</a:t>
-            </a:r>
-            <a:endParaRPr b="0" lang="en-US" sz="2800" spc="-1" strike="noStrike">
-              <a:latin typeface="Arial"/>
-            </a:endParaRPr>
-          </a:p>
-          <a:p>
-            <a:pPr algn="just">
-              <a:lnSpc>
-                <a:spcPct val="100000"/>
-              </a:lnSpc>
-              <a:spcBef>
-                <a:spcPts val="1199"/>
-              </a:spcBef>
-              <a:buNone/>
-              <a:tabLst>
-                <a:tab algn="l" pos="0"/>
-              </a:tabLst>
-            </a:pPr>
-            <a:endParaRPr b="0" lang="en-US" sz="2800" spc="-1" strike="noStrike">
-              <a:latin typeface="Arial"/>
-            </a:endParaRPr>
-          </a:p>
-          <a:p>
-            <a:pPr algn="just">
-              <a:lnSpc>
-                <a:spcPct val="100000"/>
-              </a:lnSpc>
-              <a:spcBef>
-                <a:spcPts val="519"/>
-              </a:spcBef>
-              <a:buNone/>
-              <a:tabLst>
-                <a:tab algn="l" pos="0"/>
-              </a:tabLst>
-            </a:pPr>
-            <a:endParaRPr b="0" lang="en-US" sz="2800" spc="-1" strike="noStrike">
-              <a:latin typeface="Arial"/>
-            </a:endParaRPr>
-          </a:p>
-          <a:p>
-            <a:pPr algn="just">
-              <a:lnSpc>
-                <a:spcPct val="100000"/>
-              </a:lnSpc>
-              <a:spcBef>
-                <a:spcPts val="519"/>
-              </a:spcBef>
-              <a:buNone/>
-              <a:tabLst>
-                <a:tab algn="l" pos="0"/>
-              </a:tabLst>
-            </a:pPr>
+              <a:buNone/>
+              <a:tabLst>
+                <a:tab algn="l" pos="0"/>
+              </a:tabLst>
+            </a:pPr>
+            <a:r>
+              <a:rPr b="1" lang="fr-MA" sz="3200" spc="-1" strike="noStrike">
+                <a:solidFill>
+                  <a:srgbClr val="c9211e"/>
+                </a:solidFill>
+                <a:latin typeface="Arial"/>
+              </a:rPr>
+              <a:t>Définition</a:t>
+            </a:r>
+            <a:r>
+              <a:rPr b="1" lang="fr-MA" sz="2800" spc="-1" strike="noStrike">
+                <a:solidFill>
+                  <a:srgbClr val="c9211e"/>
+                </a:solidFill>
+                <a:latin typeface="Arial"/>
+              </a:rPr>
+              <a:t>:</a:t>
+            </a:r>
             <a:endParaRPr b="0" lang="en-US" sz="2800" spc="-1" strike="noStrike">
               <a:latin typeface="Arial"/>
             </a:endParaRPr>
@@ -7848,7 +7977,7 @@
       </p:grpSpPr>
       <p:sp>
         <p:nvSpPr>
-          <p:cNvPr id="146" name="PlaceHolder 1"/>
+          <p:cNvPr id="149" name="PlaceHolder 1"/>
           <p:cNvSpPr>
             <a:spLocks noGrp="1"/>
           </p:cNvSpPr>
@@ -7858,8 +7987,8 @@
         </p:nvSpPr>
         <p:spPr>
           <a:xfrm>
-            <a:off x="228600" y="228600"/>
-            <a:ext cx="8782560" cy="6855480"/>
+            <a:off x="360360" y="685800"/>
+            <a:ext cx="8781840" cy="6854760"/>
           </a:xfrm>
           <a:prstGeom prst="rect">
             <a:avLst/>
@@ -7874,67 +8003,299 @@
             <a:noAutofit/>
           </a:bodyPr>
           <a:p>
-            <a:pPr marL="355680" indent="-355680" algn="ctr">
+            <a:pPr marL="343080" indent="-343080">
               <a:lnSpc>
                 <a:spcPct val="100000"/>
               </a:lnSpc>
               <a:spcBef>
                 <a:spcPts val="799"/>
               </a:spcBef>
-              <a:buNone/>
-              <a:tabLst>
-                <a:tab algn="l" pos="0"/>
-              </a:tabLst>
-            </a:pPr>
-            <a:endParaRPr b="0" lang="en-US" sz="3200" spc="-1" strike="noStrike">
-              <a:latin typeface="Arial"/>
-            </a:endParaRPr>
-          </a:p>
-          <a:p>
-            <a:pPr marL="355680" indent="-355680">
-              <a:lnSpc>
-                <a:spcPct val="100000"/>
-              </a:lnSpc>
-              <a:spcBef>
-                <a:spcPts val="799"/>
-              </a:spcBef>
-              <a:buNone/>
-              <a:tabLst>
-                <a:tab algn="l" pos="0"/>
-              </a:tabLst>
-            </a:pPr>
-            <a:r>
-              <a:rPr b="1" lang="fr-MA" sz="2800" spc="-1" strike="noStrike">
-                <a:solidFill>
-                  <a:srgbClr val="008000"/>
-                </a:solidFill>
-                <a:latin typeface="Arial"/>
-              </a:rPr>
-              <a:t>Comparaison des techniques du traitement:</a:t>
+              <a:buClr>
+                <a:srgbClr val="000000"/>
+              </a:buClr>
+              <a:buFont typeface="Wingdings 2" charset="2"/>
+              <a:buChar char=""/>
+            </a:pPr>
+            <a:r>
+              <a:rPr b="0" lang="fr-FR" sz="2800" spc="-1" strike="noStrike">
+                <a:solidFill>
+                  <a:srgbClr val="000000"/>
+                </a:solidFill>
+                <a:latin typeface="Arial"/>
+              </a:rPr>
+              <a:t>Le traitement de la </a:t>
+            </a:r>
+            <a:r>
+              <a:rPr b="1" lang="fr-FR" sz="2800" spc="-1" strike="noStrike">
+                <a:solidFill>
+                  <a:srgbClr val="000000"/>
+                </a:solidFill>
+                <a:latin typeface="Arial"/>
+              </a:rPr>
+              <a:t>tête</a:t>
+            </a:r>
+            <a:r>
+              <a:rPr b="0" lang="fr-FR" sz="2800" spc="-1" strike="noStrike">
+                <a:solidFill>
+                  <a:srgbClr val="000000"/>
+                </a:solidFill>
+                <a:latin typeface="Arial"/>
+              </a:rPr>
+              <a:t> et du </a:t>
+            </a:r>
+            <a:r>
+              <a:rPr b="1" lang="fr-FR" sz="2800" spc="-1" strike="noStrike">
+                <a:solidFill>
+                  <a:srgbClr val="000000"/>
+                </a:solidFill>
+                <a:latin typeface="Arial"/>
+              </a:rPr>
+              <a:t>cou</a:t>
+            </a:r>
+            <a:r>
+              <a:rPr b="0" lang="fr-FR" sz="2800" spc="-1" strike="noStrike">
+                <a:solidFill>
+                  <a:srgbClr val="000000"/>
+                </a:solidFill>
+                <a:latin typeface="Arial"/>
+              </a:rPr>
+              <a:t> est considéré comme l'un des plus </a:t>
+            </a:r>
+            <a:r>
+              <a:rPr b="0" lang="fr-FR" sz="2800" spc="-1" strike="noStrike" u="sng">
+                <a:solidFill>
+                  <a:srgbClr val="000000"/>
+                </a:solidFill>
+                <a:uFillTx/>
+                <a:latin typeface="Arial"/>
+              </a:rPr>
+              <a:t>difficiles</a:t>
+            </a:r>
+            <a:r>
+              <a:rPr b="0" lang="fr-FR" sz="2800" spc="-1" strike="noStrike">
+                <a:solidFill>
+                  <a:srgbClr val="000000"/>
+                </a:solidFill>
+                <a:latin typeface="Arial"/>
+              </a:rPr>
+              <a:t> à planifier en raison de l'anatomie complexe de la région de la </a:t>
+            </a:r>
+            <a:r>
+              <a:rPr b="1" lang="fr-FR" sz="2800" spc="-1" strike="noStrike">
+                <a:solidFill>
+                  <a:srgbClr val="000000"/>
+                </a:solidFill>
+                <a:latin typeface="Arial"/>
+              </a:rPr>
+              <a:t>tête</a:t>
+            </a:r>
+            <a:r>
+              <a:rPr b="0" lang="fr-FR" sz="2800" spc="-1" strike="noStrike">
+                <a:solidFill>
+                  <a:srgbClr val="000000"/>
+                </a:solidFill>
+                <a:latin typeface="Arial"/>
+              </a:rPr>
+              <a:t> et du </a:t>
+            </a:r>
+            <a:r>
+              <a:rPr b="1" lang="fr-FR" sz="2800" spc="-1" strike="noStrike">
+                <a:solidFill>
+                  <a:srgbClr val="000000"/>
+                </a:solidFill>
+                <a:latin typeface="Arial"/>
+              </a:rPr>
+              <a:t>cou</a:t>
+            </a:r>
+            <a:r>
+              <a:rPr b="0" lang="fr-FR" sz="2800" spc="-1" strike="noStrike">
+                <a:solidFill>
+                  <a:srgbClr val="000000"/>
+                </a:solidFill>
+                <a:latin typeface="Arial"/>
+              </a:rPr>
+              <a:t>, ces tumeurs étant souvent situées à proximité des </a:t>
+            </a:r>
+            <a:r>
+              <a:rPr b="1" lang="fr-FR" sz="2800" spc="-1" strike="noStrike">
+                <a:solidFill>
+                  <a:srgbClr val="000000"/>
+                </a:solidFill>
+                <a:latin typeface="Arial"/>
+              </a:rPr>
+              <a:t>organes à  risque</a:t>
+            </a:r>
+            <a:r>
+              <a:rPr b="0" lang="fr-FR" sz="2800" spc="-1" strike="noStrike">
+                <a:solidFill>
+                  <a:srgbClr val="000000"/>
+                </a:solidFill>
+                <a:latin typeface="Arial"/>
+              </a:rPr>
+              <a:t> qui peuvent limiter la dose de  rayonnement. .</a:t>
             </a:r>
             <a:endParaRPr b="0" lang="en-US" sz="2800" spc="-1" strike="noStrike">
               <a:latin typeface="Arial"/>
             </a:endParaRPr>
           </a:p>
           <a:p>
-            <a:pPr marL="355680" indent="-355680">
+            <a:pPr marL="343080" indent="-343080">
               <a:lnSpc>
                 <a:spcPct val="100000"/>
               </a:lnSpc>
               <a:spcBef>
                 <a:spcPts val="1199"/>
               </a:spcBef>
-              <a:buNone/>
-              <a:tabLst>
-                <a:tab algn="l" pos="0"/>
-              </a:tabLst>
-            </a:pPr>
+              <a:buClr>
+                <a:srgbClr val="000000"/>
+              </a:buClr>
+              <a:buFont typeface="Wingdings 2" charset="2"/>
+              <a:buChar char=""/>
+              <a:tabLst>
+                <a:tab algn="l" pos="0"/>
+              </a:tabLst>
+            </a:pPr>
+            <a:r>
+              <a:rPr b="0" lang="fr-FR" sz="2800" spc="-1" strike="noStrike">
+                <a:solidFill>
+                  <a:srgbClr val="000000"/>
+                </a:solidFill>
+                <a:latin typeface="Arial"/>
+              </a:rPr>
+              <a:t>Ces tumeurs présentent souvent un phénotype </a:t>
+            </a:r>
+            <a:r>
+              <a:rPr b="0" lang="fr-FR" sz="2800" spc="-1" strike="noStrike" u="sng">
+                <a:solidFill>
+                  <a:srgbClr val="000000"/>
+                </a:solidFill>
+                <a:uFillTx/>
+                <a:latin typeface="Arial"/>
+              </a:rPr>
+              <a:t>agressif</a:t>
+            </a:r>
+            <a:r>
+              <a:rPr b="0" lang="fr-FR" sz="2800" spc="-1" strike="noStrike">
+                <a:solidFill>
+                  <a:srgbClr val="000000"/>
+                </a:solidFill>
+                <a:latin typeface="Arial"/>
+              </a:rPr>
+              <a:t> et se développent souvent </a:t>
+            </a:r>
+            <a:r>
+              <a:rPr b="0" lang="fr-FR" sz="2800" spc="-1" strike="noStrike" u="sng">
+                <a:solidFill>
+                  <a:srgbClr val="000000"/>
+                </a:solidFill>
+                <a:uFillTx/>
+                <a:latin typeface="Arial"/>
+              </a:rPr>
+              <a:t>rapidement</a:t>
+            </a:r>
+            <a:r>
+              <a:rPr b="0" lang="fr-FR" sz="2800" spc="-1" strike="noStrike">
+                <a:solidFill>
+                  <a:srgbClr val="000000"/>
+                </a:solidFill>
+                <a:latin typeface="Arial"/>
+              </a:rPr>
+              <a:t> en raison de la richesse de l'apport </a:t>
+            </a:r>
+            <a:r>
+              <a:rPr b="1" lang="fr-FR" sz="2800" spc="-1" strike="noStrike">
+                <a:solidFill>
+                  <a:srgbClr val="000000"/>
+                </a:solidFill>
+                <a:latin typeface="Arial"/>
+              </a:rPr>
+              <a:t>lymphatique</a:t>
+            </a:r>
+            <a:r>
+              <a:rPr b="0" lang="fr-FR" sz="2800" spc="-1" strike="noStrike">
+                <a:solidFill>
+                  <a:srgbClr val="000000"/>
+                </a:solidFill>
+                <a:latin typeface="Arial"/>
+              </a:rPr>
+              <a:t> dans la région de la </a:t>
+            </a:r>
+            <a:r>
+              <a:rPr b="1" lang="fr-FR" sz="2800" spc="-1" strike="noStrike">
+                <a:solidFill>
+                  <a:srgbClr val="000000"/>
+                </a:solidFill>
+                <a:latin typeface="Arial"/>
+              </a:rPr>
+              <a:t>tête</a:t>
+            </a:r>
+            <a:r>
+              <a:rPr b="0" lang="fr-FR" sz="2800" spc="-1" strike="noStrike">
+                <a:solidFill>
+                  <a:srgbClr val="000000"/>
+                </a:solidFill>
+                <a:latin typeface="Arial"/>
+              </a:rPr>
+              <a:t> et du </a:t>
+            </a:r>
+            <a:r>
+              <a:rPr b="1" lang="fr-FR" sz="2800" spc="-1" strike="noStrike">
+                <a:solidFill>
+                  <a:srgbClr val="000000"/>
+                </a:solidFill>
+                <a:latin typeface="Arial"/>
+              </a:rPr>
+              <a:t>cou</a:t>
+            </a:r>
+            <a:r>
+              <a:rPr b="0" lang="fr-FR" sz="2800" spc="-1" strike="noStrike">
+                <a:solidFill>
+                  <a:srgbClr val="000000"/>
+                </a:solidFill>
+                <a:latin typeface="Arial"/>
+              </a:rPr>
+              <a:t>.</a:t>
+            </a:r>
             <a:endParaRPr b="0" lang="en-US" sz="2800" spc="-1" strike="noStrike">
               <a:latin typeface="Arial"/>
             </a:endParaRPr>
           </a:p>
           <a:p>
-            <a:pPr marL="355680" indent="-355680">
+            <a:pPr>
+              <a:lnSpc>
+                <a:spcPct val="100000"/>
+              </a:lnSpc>
+              <a:spcBef>
+                <a:spcPts val="1199"/>
+              </a:spcBef>
+              <a:buNone/>
+              <a:tabLst>
+                <a:tab algn="l" pos="0"/>
+              </a:tabLst>
+            </a:pPr>
+            <a:endParaRPr b="0" lang="en-US" sz="2800" spc="-1" strike="noStrike">
+              <a:latin typeface="Arial"/>
+            </a:endParaRPr>
+          </a:p>
+          <a:p>
+            <a:pPr>
+              <a:lnSpc>
+                <a:spcPct val="100000"/>
+              </a:lnSpc>
+              <a:spcBef>
+                <a:spcPts val="1199"/>
+              </a:spcBef>
+              <a:buNone/>
+              <a:tabLst>
+                <a:tab algn="l" pos="0"/>
+              </a:tabLst>
+            </a:pPr>
+            <a:endParaRPr b="0" lang="en-US" sz="2800" spc="-1" strike="noStrike">
+              <a:latin typeface="Arial"/>
+            </a:endParaRPr>
+          </a:p>
+          <a:p>
+            <a:pPr>
               <a:lnSpc>
                 <a:spcPct val="100000"/>
               </a:lnSpc>
@@ -7951,7 +8312,7 @@
             </a:endParaRPr>
           </a:p>
           <a:p>
-            <a:pPr marL="355680" indent="-355680">
+            <a:pPr>
               <a:lnSpc>
                 <a:spcPct val="100000"/>
               </a:lnSpc>
@@ -7969,30 +8330,6 @@
           </a:p>
         </p:txBody>
       </p:sp>
-      <p:pic>
-        <p:nvPicPr>
-          <p:cNvPr id="147" name="" descr=""/>
-          <p:cNvPicPr/>
-          <p:nvPr/>
-        </p:nvPicPr>
-        <p:blipFill>
-          <a:blip r:embed="rId1"/>
-          <a:srcRect l="12164" t="17542" r="11684" b="12196"/>
-          <a:stretch/>
-        </p:blipFill>
-        <p:spPr>
-          <a:xfrm>
-            <a:off x="2743200" y="1601280"/>
-            <a:ext cx="2969640" cy="2741040"/>
-          </a:xfrm>
-          <a:prstGeom prst="rect">
-            <a:avLst/>
-          </a:prstGeom>
-          <a:ln w="0">
-            <a:noFill/>
-          </a:ln>
-        </p:spPr>
-      </p:pic>
     </p:spTree>
   </p:cSld>
   <mc:AlternateContent>
@@ -8025,19 +8362,18 @@
       </p:grpSpPr>
       <p:pic>
         <p:nvPicPr>
-          <p:cNvPr id="148" name="" descr=""/>
+          <p:cNvPr id="150" name="" descr=""/>
           <p:cNvPicPr/>
           <p:nvPr/>
         </p:nvPicPr>
         <p:blipFill>
           <a:blip r:embed="rId1"/>
-          <a:srcRect l="0" t="0" r="10728" b="0"/>
           <a:stretch/>
         </p:blipFill>
         <p:spPr>
           <a:xfrm>
-            <a:off x="4800600" y="2286000"/>
-            <a:ext cx="4156200" cy="3684600"/>
+            <a:off x="2286000" y="2644560"/>
+            <a:ext cx="5027400" cy="3525840"/>
           </a:xfrm>
           <a:prstGeom prst="rect">
             <a:avLst/>
@@ -8049,311 +8385,7 @@
       </p:pic>
       <p:sp>
         <p:nvSpPr>
-          <p:cNvPr id="149" name="PlaceHolder 10"/>
-          <p:cNvSpPr/>
-          <p:nvPr/>
-        </p:nvSpPr>
-        <p:spPr>
-          <a:xfrm>
-            <a:off x="457200" y="2057400"/>
-            <a:ext cx="4570920" cy="3456000"/>
-          </a:xfrm>
-          <a:prstGeom prst="rect">
-            <a:avLst/>
-          </a:prstGeom>
-          <a:noFill/>
-          <a:ln w="0">
-            <a:noFill/>
-          </a:ln>
-        </p:spPr>
-        <p:style>
-          <a:lnRef idx="0"/>
-          <a:fillRef idx="0"/>
-          <a:effectRef idx="0"/>
-          <a:fontRef idx="minor"/>
-        </p:style>
-        <p:txBody>
-          <a:bodyPr numCol="1" spcCol="0" lIns="90000" rIns="90000" tIns="45000" bIns="45000" anchor="t">
-            <a:noAutofit/>
-          </a:bodyPr>
-          <a:p>
-            <a:pPr marL="355680" indent="-355680" algn="just">
-              <a:lnSpc>
-                <a:spcPct val="100000"/>
-              </a:lnSpc>
-              <a:spcBef>
-                <a:spcPts val="799"/>
-              </a:spcBef>
-              <a:buNone/>
-              <a:tabLst>
-                <a:tab algn="l" pos="0"/>
-              </a:tabLst>
-            </a:pPr>
-            <a:endParaRPr b="0" lang="en-US" sz="1800" spc="-1" strike="noStrike">
-              <a:latin typeface="Arial"/>
-            </a:endParaRPr>
-          </a:p>
-          <a:p>
-            <a:pPr marL="355680" indent="-355680" algn="just">
-              <a:lnSpc>
-                <a:spcPct val="100000"/>
-              </a:lnSpc>
-              <a:spcBef>
-                <a:spcPts val="799"/>
-              </a:spcBef>
-              <a:buNone/>
-              <a:tabLst>
-                <a:tab algn="l" pos="0"/>
-              </a:tabLst>
-            </a:pPr>
-            <a:endParaRPr b="0" lang="en-US" sz="1800" spc="-1" strike="noStrike">
-              <a:latin typeface="Arial"/>
-            </a:endParaRPr>
-          </a:p>
-          <a:p>
-            <a:pPr marL="355680" indent="-355680" algn="just">
-              <a:lnSpc>
-                <a:spcPct val="100000"/>
-              </a:lnSpc>
-              <a:spcBef>
-                <a:spcPts val="799"/>
-              </a:spcBef>
-              <a:buNone/>
-              <a:tabLst>
-                <a:tab algn="l" pos="0"/>
-              </a:tabLst>
-            </a:pPr>
-            <a:endParaRPr b="0" lang="en-US" sz="800" spc="-1" strike="noStrike">
-              <a:latin typeface="Arial"/>
-            </a:endParaRPr>
-          </a:p>
-          <a:p>
-            <a:pPr marL="343080" indent="-343080" algn="just">
-              <a:lnSpc>
-                <a:spcPct val="100000"/>
-              </a:lnSpc>
-              <a:spcBef>
-                <a:spcPts val="1199"/>
-              </a:spcBef>
-              <a:buClr>
-                <a:srgbClr val="000000"/>
-              </a:buClr>
-              <a:buFont typeface="Wingdings 2" charset="2"/>
-              <a:buChar char=""/>
-              <a:tabLst>
-                <a:tab algn="l" pos="0"/>
-              </a:tabLst>
-            </a:pPr>
-            <a:r>
-              <a:rPr b="0" lang="fr-FR" sz="2400" spc="-1" strike="noStrike">
-                <a:solidFill>
-                  <a:srgbClr val="000000"/>
-                </a:solidFill>
-                <a:latin typeface="Arial"/>
-                <a:ea typeface="DejaVu Sans"/>
-              </a:rPr>
-              <a:t>Un cancer de la </a:t>
-            </a:r>
-            <a:r>
-              <a:rPr b="1" lang="fr-FR" sz="2400" spc="-1" strike="noStrike">
-                <a:solidFill>
-                  <a:srgbClr val="000000"/>
-                </a:solidFill>
-                <a:latin typeface="Arial"/>
-                <a:ea typeface="DejaVu Sans"/>
-              </a:rPr>
-              <a:t>tête</a:t>
-            </a:r>
-            <a:r>
-              <a:rPr b="0" lang="fr-FR" sz="2400" spc="-1" strike="noStrike">
-                <a:solidFill>
-                  <a:srgbClr val="000000"/>
-                </a:solidFill>
-                <a:latin typeface="Arial"/>
-                <a:ea typeface="DejaVu Sans"/>
-              </a:rPr>
-              <a:t> et du </a:t>
-            </a:r>
-            <a:r>
-              <a:rPr b="1" lang="fr-FR" sz="2400" spc="-1" strike="noStrike">
-                <a:solidFill>
-                  <a:srgbClr val="000000"/>
-                </a:solidFill>
-                <a:latin typeface="Arial"/>
-                <a:ea typeface="DejaVu Sans"/>
-              </a:rPr>
-              <a:t>cou</a:t>
-            </a:r>
-            <a:r>
-              <a:rPr b="0" lang="fr-FR" sz="2400" spc="-1" strike="noStrike">
-                <a:solidFill>
-                  <a:srgbClr val="000000"/>
-                </a:solidFill>
-                <a:latin typeface="Arial"/>
-                <a:ea typeface="DejaVu Sans"/>
-              </a:rPr>
-              <a:t>, aussi appelé cancer des </a:t>
-            </a:r>
-            <a:r>
-              <a:rPr b="1" lang="fr-FR" sz="2400" spc="-1" strike="noStrike">
-                <a:solidFill>
-                  <a:srgbClr val="000000"/>
-                </a:solidFill>
-                <a:latin typeface="Arial"/>
-                <a:ea typeface="DejaVu Sans"/>
-              </a:rPr>
-              <a:t>voies aérodigestive      </a:t>
-            </a:r>
-            <a:r>
-              <a:rPr b="0" lang="fr-FR" sz="2400" spc="-1" strike="noStrike">
-                <a:solidFill>
-                  <a:srgbClr val="000000"/>
-                </a:solidFill>
-                <a:latin typeface="Arial"/>
-                <a:ea typeface="DejaVu Sans"/>
-              </a:rPr>
-              <a:t>supérieures ou cancer </a:t>
-            </a:r>
-            <a:r>
-              <a:rPr b="1" lang="fr-FR" sz="2400" spc="-1" strike="noStrike">
-                <a:solidFill>
-                  <a:srgbClr val="000000"/>
-                </a:solidFill>
-                <a:latin typeface="Arial"/>
-                <a:ea typeface="DejaVu Sans"/>
-              </a:rPr>
-              <a:t>ORL</a:t>
-            </a:r>
-            <a:r>
-              <a:rPr b="0" lang="fr-FR" sz="2400" spc="-1" strike="noStrike">
-                <a:solidFill>
-                  <a:srgbClr val="000000"/>
-                </a:solidFill>
-                <a:latin typeface="Arial"/>
-                <a:ea typeface="DejaVu Sans"/>
-              </a:rPr>
-              <a:t>, est un cancer qui touche toute la sphère </a:t>
-            </a:r>
-            <a:r>
-              <a:rPr b="1" lang="fr-FR" sz="2400" spc="-1" strike="noStrike">
-                <a:solidFill>
-                  <a:srgbClr val="000000"/>
-                </a:solidFill>
-                <a:latin typeface="Arial"/>
-                <a:ea typeface="DejaVu Sans"/>
-              </a:rPr>
-              <a:t>ORL</a:t>
-            </a:r>
-            <a:r>
-              <a:rPr b="0" lang="fr-FR" sz="2400" spc="-1" strike="noStrike">
-                <a:solidFill>
-                  <a:srgbClr val="000000"/>
-                </a:solidFill>
-                <a:latin typeface="Arial"/>
-                <a:ea typeface="DejaVu Sans"/>
-              </a:rPr>
-              <a:t>, allant de la base du </a:t>
-            </a:r>
-            <a:r>
-              <a:rPr b="1" lang="fr-FR" sz="2400" spc="-1" strike="noStrike">
-                <a:solidFill>
-                  <a:srgbClr val="000000"/>
-                </a:solidFill>
-                <a:latin typeface="Arial"/>
-                <a:ea typeface="DejaVu Sans"/>
-              </a:rPr>
-              <a:t>crâne</a:t>
-            </a:r>
-            <a:r>
-              <a:rPr b="0" lang="fr-FR" sz="2400" spc="-1" strike="noStrike">
-                <a:solidFill>
-                  <a:srgbClr val="000000"/>
-                </a:solidFill>
-                <a:latin typeface="Arial"/>
-                <a:ea typeface="DejaVu Sans"/>
-              </a:rPr>
-              <a:t> à la base du </a:t>
-            </a:r>
-            <a:r>
-              <a:rPr b="1" lang="fr-FR" sz="2400" spc="-1" strike="noStrike">
-                <a:solidFill>
-                  <a:srgbClr val="000000"/>
-                </a:solidFill>
-                <a:latin typeface="Arial"/>
-                <a:ea typeface="DejaVu Sans"/>
-              </a:rPr>
-              <a:t>cou</a:t>
-            </a:r>
-            <a:r>
-              <a:rPr b="0" lang="fr-FR" sz="2400" spc="-1" strike="noStrike">
-                <a:solidFill>
-                  <a:srgbClr val="000000"/>
-                </a:solidFill>
-                <a:latin typeface="Arial"/>
-                <a:ea typeface="DejaVu Sans"/>
-              </a:rPr>
-              <a:t>. </a:t>
-            </a:r>
-            <a:endParaRPr b="0" lang="en-US" sz="2400" spc="-1" strike="noStrike">
-              <a:latin typeface="Arial"/>
-            </a:endParaRPr>
-          </a:p>
-          <a:p>
-            <a:pPr>
-              <a:lnSpc>
-                <a:spcPct val="100000"/>
-              </a:lnSpc>
-              <a:spcBef>
-                <a:spcPts val="1199"/>
-              </a:spcBef>
-              <a:buNone/>
-              <a:tabLst>
-                <a:tab algn="l" pos="0"/>
-              </a:tabLst>
-            </a:pPr>
-            <a:endParaRPr b="0" lang="en-US" sz="2400" spc="-1" strike="noStrike">
-              <a:latin typeface="Arial"/>
-            </a:endParaRPr>
-          </a:p>
-          <a:p>
-            <a:pPr>
-              <a:lnSpc>
-                <a:spcPct val="100000"/>
-              </a:lnSpc>
-              <a:spcBef>
-                <a:spcPts val="519"/>
-              </a:spcBef>
-              <a:buNone/>
-              <a:tabLst>
-                <a:tab algn="l" pos="0"/>
-              </a:tabLst>
-            </a:pPr>
-            <a:endParaRPr b="0" lang="en-US" sz="2400" spc="-1" strike="noStrike">
-              <a:latin typeface="Arial"/>
-            </a:endParaRPr>
-          </a:p>
-          <a:p>
-            <a:pPr>
-              <a:lnSpc>
-                <a:spcPct val="100000"/>
-              </a:lnSpc>
-              <a:spcBef>
-                <a:spcPts val="519"/>
-              </a:spcBef>
-              <a:buNone/>
-              <a:tabLst>
-                <a:tab algn="l" pos="0"/>
-              </a:tabLst>
-            </a:pPr>
-            <a:endParaRPr b="0" lang="en-US" sz="2400" spc="-1" strike="noStrike">
-              <a:latin typeface="Arial"/>
-            </a:endParaRPr>
-          </a:p>
-        </p:txBody>
-      </p:sp>
-      <p:sp>
-        <p:nvSpPr>
-          <p:cNvPr id="150" name="PlaceHolder 1"/>
+          <p:cNvPr id="151" name="PlaceHolder 1"/>
           <p:cNvSpPr>
             <a:spLocks noGrp="1"/>
           </p:cNvSpPr>
@@ -8363,8 +8395,8 @@
         </p:nvSpPr>
         <p:spPr>
           <a:xfrm>
-            <a:off x="457200" y="228600"/>
-            <a:ext cx="8782560" cy="1599120"/>
+            <a:off x="228600" y="228600"/>
+            <a:ext cx="8781840" cy="6854760"/>
           </a:xfrm>
           <a:prstGeom prst="rect">
             <a:avLst/>
@@ -8391,21 +8423,12 @@
                 <a:tab algn="l" pos="0"/>
               </a:tabLst>
             </a:pPr>
-            <a:r>
-              <a:rPr b="1" lang="fr-MA" sz="4000" spc="-1" strike="noStrike">
-                <a:solidFill>
-                  <a:srgbClr val="2d0cf4"/>
-                </a:solidFill>
-                <a:latin typeface="Arial"/>
-              </a:rPr>
-              <a:t>Le plan de traitement</a:t>
-            </a:r>
-            <a:endParaRPr b="0" lang="en-US" sz="4000" spc="-1" strike="noStrike">
-              <a:latin typeface="Arial"/>
-            </a:endParaRPr>
-          </a:p>
-          <a:p>
-            <a:pPr marL="355680" indent="-355680" algn="ctr">
+            <a:endParaRPr b="0" lang="en-US" sz="3200" spc="-1" strike="noStrike">
+              <a:latin typeface="Arial"/>
+            </a:endParaRPr>
+          </a:p>
+          <a:p>
+            <a:pPr marL="355680" indent="-355680">
               <a:lnSpc>
                 <a:spcPct val="100000"/>
               </a:lnSpc>
@@ -8418,32 +8441,15 @@
               </a:tabLst>
             </a:pPr>
             <a:r>
-              <a:rPr b="1" lang="fr-MA" sz="4000" spc="-1" strike="noStrike">
-                <a:solidFill>
-                  <a:srgbClr val="2d0cf4"/>
-                </a:solidFill>
-                <a:latin typeface="Arial"/>
-              </a:rPr>
-              <a:t>de la tête et du cou</a:t>
-            </a:r>
-            <a:endParaRPr b="0" lang="en-US" sz="4000" spc="-1" strike="noStrike">
-              <a:latin typeface="Arial"/>
-            </a:endParaRPr>
-          </a:p>
-          <a:p>
-            <a:pPr marL="355680" indent="-355680" algn="ctr">
-              <a:lnSpc>
-                <a:spcPct val="100000"/>
-              </a:lnSpc>
-              <a:spcBef>
-                <a:spcPts val="400"/>
-              </a:spcBef>
-              <a:buNone/>
-              <a:tabLst>
-                <a:tab algn="l" pos="0"/>
-              </a:tabLst>
-            </a:pPr>
-            <a:endParaRPr b="0" lang="en-US" sz="4000" spc="-1" strike="noStrike">
+              <a:rPr b="1" lang="fr-MA" sz="2800" spc="-1" strike="noStrike">
+                <a:solidFill>
+                  <a:srgbClr val="008000"/>
+                </a:solidFill>
+                <a:latin typeface="Arial"/>
+              </a:rPr>
+              <a:t>Objectif du traitement:</a:t>
+            </a:r>
+            <a:endParaRPr b="0" lang="en-US" sz="2800" spc="-1" strike="noStrike">
               <a:latin typeface="Arial"/>
             </a:endParaRPr>
           </a:p>
@@ -8461,23 +8467,82 @@
               </a:tabLst>
             </a:pPr>
             <a:r>
-              <a:rPr b="1" lang="fr-MA" sz="3200" spc="-1" strike="noStrike">
-                <a:solidFill>
-                  <a:srgbClr val="c9211e"/>
-                </a:solidFill>
-                <a:latin typeface="Arial"/>
-              </a:rPr>
-              <a:t>Définition</a:t>
-            </a:r>
-            <a:r>
-              <a:rPr b="1" lang="fr-MA" sz="2800" spc="-1" strike="noStrike">
-                <a:solidFill>
-                  <a:srgbClr val="c9211e"/>
-                </a:solidFill>
-                <a:latin typeface="Arial"/>
-              </a:rPr>
-              <a:t>:</a:t>
-            </a:r>
+              <a:rPr b="0" lang="fr-FR" sz="2800" spc="-1" strike="noStrike">
+                <a:solidFill>
+                  <a:srgbClr val="000000"/>
+                </a:solidFill>
+                <a:latin typeface="Arial"/>
+              </a:rPr>
+              <a:t>Délivrer de manière homogène une dose prescrite dans un volume cible tout en protégeant les organes à risque et les tissus sains avoisinants.</a:t>
+            </a:r>
+            <a:endParaRPr b="0" lang="en-US" sz="2800" spc="-1" strike="noStrike">
+              <a:latin typeface="Arial"/>
+            </a:endParaRPr>
+          </a:p>
+          <a:p>
+            <a:pPr marL="355680" indent="-355680">
+              <a:lnSpc>
+                <a:spcPct val="100000"/>
+              </a:lnSpc>
+              <a:spcBef>
+                <a:spcPts val="1199"/>
+              </a:spcBef>
+              <a:buNone/>
+              <a:tabLst>
+                <a:tab algn="l" pos="0"/>
+              </a:tabLst>
+            </a:pPr>
+            <a:endParaRPr b="0" lang="en-US" sz="2800" spc="-1" strike="noStrike">
+              <a:latin typeface="Arial"/>
+            </a:endParaRPr>
+          </a:p>
+          <a:p>
+            <a:pPr marL="355680" indent="-355680">
+              <a:lnSpc>
+                <a:spcPct val="100000"/>
+              </a:lnSpc>
+              <a:spcBef>
+                <a:spcPts val="1199"/>
+              </a:spcBef>
+              <a:buNone/>
+              <a:tabLst>
+                <a:tab algn="l" pos="0"/>
+              </a:tabLst>
+            </a:pPr>
+            <a:endParaRPr b="0" lang="en-US" sz="2800" spc="-1" strike="noStrike">
+              <a:latin typeface="Arial"/>
+            </a:endParaRPr>
+          </a:p>
+          <a:p>
+            <a:pPr marL="355680" indent="-355680">
+              <a:lnSpc>
+                <a:spcPct val="100000"/>
+              </a:lnSpc>
+              <a:spcBef>
+                <a:spcPts val="519"/>
+              </a:spcBef>
+              <a:buNone/>
+              <a:tabLst>
+                <a:tab algn="l" pos="0"/>
+              </a:tabLst>
+            </a:pPr>
+            <a:endParaRPr b="0" lang="en-US" sz="2800" spc="-1" strike="noStrike">
+              <a:latin typeface="Arial"/>
+            </a:endParaRPr>
+          </a:p>
+          <a:p>
+            <a:pPr marL="355680" indent="-355680">
+              <a:lnSpc>
+                <a:spcPct val="100000"/>
+              </a:lnSpc>
+              <a:spcBef>
+                <a:spcPts val="519"/>
+              </a:spcBef>
+              <a:buNone/>
+              <a:tabLst>
+                <a:tab algn="l" pos="0"/>
+              </a:tabLst>
+            </a:pPr>
             <a:endParaRPr b="0" lang="en-US" sz="2800" spc="-1" strike="noStrike">
               <a:latin typeface="Arial"/>
             </a:endParaRPr>
@@ -8516,7 +8581,7 @@
       </p:grpSpPr>
       <p:sp>
         <p:nvSpPr>
-          <p:cNvPr id="151" name="PlaceHolder 1"/>
+          <p:cNvPr id="152" name="PlaceHolder 1"/>
           <p:cNvSpPr>
             <a:spLocks noGrp="1"/>
           </p:cNvSpPr>
@@ -8526,8 +8591,8 @@
         </p:nvSpPr>
         <p:spPr>
           <a:xfrm>
-            <a:off x="360360" y="685800"/>
-            <a:ext cx="8782560" cy="6855480"/>
+            <a:off x="685800" y="1440"/>
+            <a:ext cx="8781840" cy="6854760"/>
           </a:xfrm>
           <a:prstGeom prst="rect">
             <a:avLst/>
@@ -8542,19 +8607,145 @@
             <a:noAutofit/>
           </a:bodyPr>
           <a:p>
-            <a:pPr marL="343080" indent="-343080">
+            <a:pPr marL="355680" indent="-355680" algn="ctr">
               <a:lnSpc>
                 <a:spcPct val="100000"/>
               </a:lnSpc>
               <a:spcBef>
                 <a:spcPts val="799"/>
               </a:spcBef>
+              <a:buNone/>
+              <a:tabLst>
+                <a:tab algn="l" pos="0"/>
+              </a:tabLst>
+            </a:pPr>
+            <a:endParaRPr b="0" lang="en-US" sz="3200" spc="-1" strike="noStrike">
+              <a:latin typeface="Arial"/>
+            </a:endParaRPr>
+          </a:p>
+          <a:p>
+            <a:pPr marL="355680" indent="-355680">
+              <a:lnSpc>
+                <a:spcPct val="100000"/>
+              </a:lnSpc>
+              <a:buNone/>
+              <a:tabLst>
+                <a:tab algn="l" pos="0"/>
+              </a:tabLst>
+            </a:pPr>
+            <a:r>
+              <a:rPr b="1" lang="fr-MA" sz="3200" spc="-1" strike="noStrike">
+                <a:solidFill>
+                  <a:srgbClr val="c9211e"/>
+                </a:solidFill>
+                <a:latin typeface="Arial"/>
+              </a:rPr>
+              <a:t>Plan de traitement</a:t>
+            </a:r>
+            <a:endParaRPr b="0" lang="en-US" sz="3200" spc="-1" strike="noStrike">
+              <a:latin typeface="Arial"/>
+            </a:endParaRPr>
+          </a:p>
+          <a:p>
+            <a:pPr marL="355680" indent="-355680">
+              <a:lnSpc>
+                <a:spcPct val="100000"/>
+              </a:lnSpc>
+              <a:buNone/>
+              <a:tabLst>
+                <a:tab algn="l" pos="0"/>
+              </a:tabLst>
+            </a:pPr>
+            <a:endParaRPr b="0" lang="en-US" sz="3200" spc="-1" strike="noStrike">
+              <a:latin typeface="Arial"/>
+            </a:endParaRPr>
+          </a:p>
+          <a:p>
+            <a:pPr marL="355680" indent="-355680">
+              <a:lnSpc>
+                <a:spcPct val="100000"/>
+              </a:lnSpc>
+              <a:spcBef>
+                <a:spcPts val="799"/>
+              </a:spcBef>
               <a:buClr>
-                <a:srgbClr val="000000"/>
+                <a:srgbClr val="1a237e"/>
               </a:buClr>
-              <a:buFont typeface="Wingdings 2" charset="2"/>
-              <a:buChar char=""/>
-            </a:pPr>
+              <a:buFont typeface="Wingdings" charset="2"/>
+              <a:buChar char=""/>
+              <a:tabLst>
+                <a:tab algn="l" pos="0"/>
+              </a:tabLst>
+            </a:pPr>
+            <a:r>
+              <a:rPr b="1" lang="fr-MA" sz="2800" spc="-1" strike="noStrike">
+                <a:solidFill>
+                  <a:srgbClr val="000000"/>
+                </a:solidFill>
+                <a:latin typeface="Arial"/>
+              </a:rPr>
+              <a:t>Simulation</a:t>
+            </a:r>
+            <a:endParaRPr b="0" lang="en-US" sz="2800" spc="-1" strike="noStrike">
+              <a:latin typeface="Arial"/>
+            </a:endParaRPr>
+          </a:p>
+          <a:p>
+            <a:pPr marL="355680" indent="-355680">
+              <a:lnSpc>
+                <a:spcPct val="100000"/>
+              </a:lnSpc>
+              <a:spcBef>
+                <a:spcPts val="799"/>
+              </a:spcBef>
+              <a:buClr>
+                <a:srgbClr val="1a237e"/>
+              </a:buClr>
+              <a:buFont typeface="Wingdings" charset="2"/>
+              <a:buChar char=""/>
+              <a:tabLst>
+                <a:tab algn="l" pos="0"/>
+              </a:tabLst>
+            </a:pPr>
+            <a:r>
+              <a:rPr b="1" lang="fr-MA" sz="2800" spc="-1" strike="noStrike">
+                <a:solidFill>
+                  <a:srgbClr val="000000"/>
+                </a:solidFill>
+                <a:latin typeface="Arial"/>
+              </a:rPr>
+              <a:t>Dosimetier</a:t>
+            </a:r>
+            <a:endParaRPr b="0" lang="en-US" sz="2800" spc="-1" strike="noStrike">
+              <a:latin typeface="Arial"/>
+            </a:endParaRPr>
+          </a:p>
+          <a:p>
+            <a:pPr marL="355680" indent="-355680">
+              <a:lnSpc>
+                <a:spcPct val="100000"/>
+              </a:lnSpc>
+              <a:spcBef>
+                <a:spcPts val="799"/>
+              </a:spcBef>
+              <a:buClr>
+                <a:srgbClr val="1a237e"/>
+              </a:buClr>
+              <a:buFont typeface="Wingdings" charset="2"/>
+              <a:buChar char=""/>
+              <a:tabLst>
+                <a:tab algn="l" pos="0"/>
+              </a:tabLst>
+            </a:pPr>
+            <a:r>
+              <a:rPr b="1" lang="fr-MA" sz="2800" spc="-1" strike="noStrike">
+                <a:solidFill>
+                  <a:srgbClr val="000000"/>
+                </a:solidFill>
+                <a:latin typeface="Arial"/>
+              </a:rPr>
+              <a:t>taritememnt</a:t>
+            </a:r>
             <a:r>
               <a:rPr b="0" lang="fr-FR" sz="2800" spc="-1" strike="noStrike">
                 <a:solidFill>
@@ -8562,238 +8753,7 @@
                 </a:solidFill>
                 <a:latin typeface="Arial"/>
               </a:rPr>
-              <a:t>Le traitement de la </a:t>
-            </a:r>
-            <a:r>
-              <a:rPr b="1" lang="fr-FR" sz="2800" spc="-1" strike="noStrike">
-                <a:solidFill>
-                  <a:srgbClr val="000000"/>
-                </a:solidFill>
-                <a:latin typeface="Arial"/>
-              </a:rPr>
-              <a:t>tête</a:t>
-            </a:r>
-            <a:r>
-              <a:rPr b="0" lang="fr-FR" sz="2800" spc="-1" strike="noStrike">
-                <a:solidFill>
-                  <a:srgbClr val="000000"/>
-                </a:solidFill>
-                <a:latin typeface="Arial"/>
-              </a:rPr>
-              <a:t> et du </a:t>
-            </a:r>
-            <a:r>
-              <a:rPr b="1" lang="fr-FR" sz="2800" spc="-1" strike="noStrike">
-                <a:solidFill>
-                  <a:srgbClr val="000000"/>
-                </a:solidFill>
-                <a:latin typeface="Arial"/>
-              </a:rPr>
-              <a:t>cou</a:t>
-            </a:r>
-            <a:r>
-              <a:rPr b="0" lang="fr-FR" sz="2800" spc="-1" strike="noStrike">
-                <a:solidFill>
-                  <a:srgbClr val="000000"/>
-                </a:solidFill>
-                <a:latin typeface="Arial"/>
-              </a:rPr>
-              <a:t> est considéré comme l'un des plus </a:t>
-            </a:r>
-            <a:r>
-              <a:rPr b="0" lang="fr-FR" sz="2800" spc="-1" strike="noStrike" u="sng">
-                <a:solidFill>
-                  <a:srgbClr val="000000"/>
-                </a:solidFill>
-                <a:uFillTx/>
-                <a:latin typeface="Arial"/>
-              </a:rPr>
-              <a:t>difficiles</a:t>
-            </a:r>
-            <a:r>
-              <a:rPr b="0" lang="fr-FR" sz="2800" spc="-1" strike="noStrike">
-                <a:solidFill>
-                  <a:srgbClr val="000000"/>
-                </a:solidFill>
-                <a:latin typeface="Arial"/>
-              </a:rPr>
-              <a:t> à planifier en raison de l'anatomie complexe de la région de la </a:t>
-            </a:r>
-            <a:r>
-              <a:rPr b="1" lang="fr-FR" sz="2800" spc="-1" strike="noStrike">
-                <a:solidFill>
-                  <a:srgbClr val="000000"/>
-                </a:solidFill>
-                <a:latin typeface="Arial"/>
-              </a:rPr>
-              <a:t>tête</a:t>
-            </a:r>
-            <a:r>
-              <a:rPr b="0" lang="fr-FR" sz="2800" spc="-1" strike="noStrike">
-                <a:solidFill>
-                  <a:srgbClr val="000000"/>
-                </a:solidFill>
-                <a:latin typeface="Arial"/>
-              </a:rPr>
-              <a:t> et du </a:t>
-            </a:r>
-            <a:r>
-              <a:rPr b="1" lang="fr-FR" sz="2800" spc="-1" strike="noStrike">
-                <a:solidFill>
-                  <a:srgbClr val="000000"/>
-                </a:solidFill>
-                <a:latin typeface="Arial"/>
-              </a:rPr>
-              <a:t>cou</a:t>
-            </a:r>
-            <a:r>
-              <a:rPr b="0" lang="fr-FR" sz="2800" spc="-1" strike="noStrike">
-                <a:solidFill>
-                  <a:srgbClr val="000000"/>
-                </a:solidFill>
-                <a:latin typeface="Arial"/>
-              </a:rPr>
-              <a:t>, ces tumeurs étant souvent situées à proximité des </a:t>
-            </a:r>
-            <a:r>
-              <a:rPr b="1" lang="fr-FR" sz="2800" spc="-1" strike="noStrike">
-                <a:solidFill>
-                  <a:srgbClr val="000000"/>
-                </a:solidFill>
-                <a:latin typeface="Arial"/>
-              </a:rPr>
-              <a:t>organes à  risque</a:t>
-            </a:r>
-            <a:r>
-              <a:rPr b="0" lang="fr-FR" sz="2800" spc="-1" strike="noStrike">
-                <a:solidFill>
-                  <a:srgbClr val="000000"/>
-                </a:solidFill>
-                <a:latin typeface="Arial"/>
-              </a:rPr>
-              <a:t> qui peuvent limiter la dose de  rayonnement. .</a:t>
-            </a:r>
-            <a:endParaRPr b="0" lang="en-US" sz="2800" spc="-1" strike="noStrike">
-              <a:latin typeface="Arial"/>
-            </a:endParaRPr>
-          </a:p>
-          <a:p>
-            <a:pPr marL="343080" indent="-343080">
-              <a:lnSpc>
-                <a:spcPct val="100000"/>
-              </a:lnSpc>
-              <a:spcBef>
-                <a:spcPts val="1199"/>
-              </a:spcBef>
-              <a:buClr>
-                <a:srgbClr val="000000"/>
-              </a:buClr>
-              <a:buFont typeface="Wingdings 2" charset="2"/>
-              <a:buChar char=""/>
-              <a:tabLst>
-                <a:tab algn="l" pos="0"/>
-              </a:tabLst>
-            </a:pPr>
-            <a:r>
-              <a:rPr b="0" lang="fr-FR" sz="2800" spc="-1" strike="noStrike">
-                <a:solidFill>
-                  <a:srgbClr val="000000"/>
-                </a:solidFill>
-                <a:latin typeface="Arial"/>
-              </a:rPr>
-              <a:t>Ces tumeurs présentent souvent un phénotype </a:t>
-            </a:r>
-            <a:r>
-              <a:rPr b="0" lang="fr-FR" sz="2800" spc="-1" strike="noStrike" u="sng">
-                <a:solidFill>
-                  <a:srgbClr val="000000"/>
-                </a:solidFill>
-                <a:uFillTx/>
-                <a:latin typeface="Arial"/>
-              </a:rPr>
-              <a:t>agressif</a:t>
-            </a:r>
-            <a:r>
-              <a:rPr b="0" lang="fr-FR" sz="2800" spc="-1" strike="noStrike">
-                <a:solidFill>
-                  <a:srgbClr val="000000"/>
-                </a:solidFill>
-                <a:latin typeface="Arial"/>
-              </a:rPr>
-              <a:t> et se développent souvent </a:t>
-            </a:r>
-            <a:r>
-              <a:rPr b="0" lang="fr-FR" sz="2800" spc="-1" strike="noStrike" u="sng">
-                <a:solidFill>
-                  <a:srgbClr val="000000"/>
-                </a:solidFill>
-                <a:uFillTx/>
-                <a:latin typeface="Arial"/>
-              </a:rPr>
-              <a:t>rapidement</a:t>
-            </a:r>
-            <a:r>
-              <a:rPr b="0" lang="fr-FR" sz="2800" spc="-1" strike="noStrike">
-                <a:solidFill>
-                  <a:srgbClr val="000000"/>
-                </a:solidFill>
-                <a:latin typeface="Arial"/>
-              </a:rPr>
-              <a:t> en raison de la richesse de l'apport </a:t>
-            </a:r>
-            <a:r>
-              <a:rPr b="1" lang="fr-FR" sz="2800" spc="-1" strike="noStrike">
-                <a:solidFill>
-                  <a:srgbClr val="000000"/>
-                </a:solidFill>
-                <a:latin typeface="Arial"/>
-              </a:rPr>
-              <a:t>lymphatique</a:t>
-            </a:r>
-            <a:r>
-              <a:rPr b="0" lang="fr-FR" sz="2800" spc="-1" strike="noStrike">
-                <a:solidFill>
-                  <a:srgbClr val="000000"/>
-                </a:solidFill>
-                <a:latin typeface="Arial"/>
-              </a:rPr>
-              <a:t> dans la région de la </a:t>
-            </a:r>
-            <a:r>
-              <a:rPr b="1" lang="fr-FR" sz="2800" spc="-1" strike="noStrike">
-                <a:solidFill>
-                  <a:srgbClr val="000000"/>
-                </a:solidFill>
-                <a:latin typeface="Arial"/>
-              </a:rPr>
-              <a:t>tête</a:t>
-            </a:r>
-            <a:r>
-              <a:rPr b="0" lang="fr-FR" sz="2800" spc="-1" strike="noStrike">
-                <a:solidFill>
-                  <a:srgbClr val="000000"/>
-                </a:solidFill>
-                <a:latin typeface="Arial"/>
-              </a:rPr>
-              <a:t> et du </a:t>
-            </a:r>
-            <a:r>
-              <a:rPr b="1" lang="fr-FR" sz="2800" spc="-1" strike="noStrike">
-                <a:solidFill>
-                  <a:srgbClr val="000000"/>
-                </a:solidFill>
-                <a:latin typeface="Arial"/>
-              </a:rPr>
-              <a:t>cou</a:t>
-            </a:r>
-            <a:r>
-              <a:rPr b="0" lang="fr-FR" sz="2800" spc="-1" strike="noStrike">
-                <a:solidFill>
-                  <a:srgbClr val="000000"/>
-                </a:solidFill>
-                <a:latin typeface="Arial"/>
-              </a:rPr>
-              <a:t>.</a:t>
+              <a:t> </a:t>
             </a:r>
             <a:endParaRPr b="0" lang="en-US" sz="2800" spc="-1" strike="noStrike">
               <a:latin typeface="Arial"/>
@@ -8899,29 +8859,6 @@
           <a:chExt cx="0" cy="0"/>
         </a:xfrm>
       </p:grpSpPr>
-      <p:pic>
-        <p:nvPicPr>
-          <p:cNvPr id="152" name="" descr=""/>
-          <p:cNvPicPr/>
-          <p:nvPr/>
-        </p:nvPicPr>
-        <p:blipFill>
-          <a:blip r:embed="rId1"/>
-          <a:stretch/>
-        </p:blipFill>
-        <p:spPr>
-          <a:xfrm>
-            <a:off x="2286000" y="2644560"/>
-            <a:ext cx="5028120" cy="3526560"/>
-          </a:xfrm>
-          <a:prstGeom prst="rect">
-            <a:avLst/>
-          </a:prstGeom>
-          <a:ln w="0">
-            <a:noFill/>
-          </a:ln>
-        </p:spPr>
-      </p:pic>
       <p:sp>
         <p:nvSpPr>
           <p:cNvPr id="153" name="PlaceHolder 1"/>
@@ -8934,8 +8871,8 @@
         </p:nvSpPr>
         <p:spPr>
           <a:xfrm>
-            <a:off x="228600" y="228600"/>
-            <a:ext cx="8782560" cy="6855480"/>
+            <a:off x="0" y="914400"/>
+            <a:ext cx="9370440" cy="5941440"/>
           </a:xfrm>
           <a:prstGeom prst="rect">
             <a:avLst/>
@@ -8950,49 +8887,228 @@
             <a:noAutofit/>
           </a:bodyPr>
           <a:p>
-            <a:pPr marL="355680" indent="-355680" algn="ctr">
+            <a:pPr marL="343080" indent="-343080" algn="just">
               <a:lnSpc>
                 <a:spcPct val="100000"/>
               </a:lnSpc>
               <a:spcBef>
                 <a:spcPts val="799"/>
               </a:spcBef>
-              <a:buNone/>
-              <a:tabLst>
-                <a:tab algn="l" pos="0"/>
-              </a:tabLst>
-            </a:pPr>
-            <a:endParaRPr b="0" lang="en-US" sz="3200" spc="-1" strike="noStrike">
-              <a:latin typeface="Arial"/>
-            </a:endParaRPr>
-          </a:p>
-          <a:p>
-            <a:pPr marL="355680" indent="-355680">
+              <a:buClr>
+                <a:srgbClr val="000000"/>
+              </a:buClr>
+              <a:buFont typeface="Wingdings 2" charset="2"/>
+              <a:buChar char=""/>
+              <a:tabLst>
+                <a:tab algn="l" pos="-358920"/>
+              </a:tabLst>
+            </a:pPr>
+            <a:r>
+              <a:rPr b="0" lang="fr-FR" sz="2800" spc="-1" strike="sngStrike">
+                <a:solidFill>
+                  <a:srgbClr val="000000"/>
+                </a:solidFill>
+                <a:latin typeface="Arial"/>
+              </a:rPr>
+              <a:t>Le traitement par </a:t>
+            </a:r>
+            <a:r>
+              <a:rPr b="1" lang="fr-FR" sz="2800" spc="-1" strike="sngStrike">
+                <a:solidFill>
+                  <a:srgbClr val="000000"/>
+                </a:solidFill>
+                <a:latin typeface="Arial"/>
+              </a:rPr>
+              <a:t>RT</a:t>
+            </a:r>
+            <a:r>
+              <a:rPr b="0" lang="fr-FR" sz="2800" spc="-1" strike="sngStrike">
+                <a:solidFill>
+                  <a:srgbClr val="000000"/>
+                </a:solidFill>
+                <a:latin typeface="Arial"/>
+              </a:rPr>
+              <a:t> se déroule selon plusieurs   étapes : </a:t>
+            </a:r>
+            <a:endParaRPr b="0" lang="en-US" sz="2800" spc="-1" strike="noStrike">
+              <a:latin typeface="Arial"/>
+            </a:endParaRPr>
+          </a:p>
+          <a:p>
+            <a:pPr marL="628200" indent="-343080" algn="just">
               <a:lnSpc>
                 <a:spcPct val="100000"/>
               </a:lnSpc>
               <a:spcBef>
                 <a:spcPts val="799"/>
               </a:spcBef>
-              <a:buNone/>
-              <a:tabLst>
-                <a:tab algn="l" pos="0"/>
-              </a:tabLst>
-            </a:pPr>
-            <a:r>
-              <a:rPr b="1" lang="fr-MA" sz="2800" spc="-1" strike="noStrike">
-                <a:solidFill>
-                  <a:srgbClr val="008000"/>
-                </a:solidFill>
-                <a:latin typeface="Arial"/>
-              </a:rPr>
-              <a:t>Objectif du traitement:</a:t>
+              <a:buClr>
+                <a:srgbClr val="000000"/>
+              </a:buClr>
+              <a:buFont typeface="Source Serif Pro"/>
+              <a:buChar char=""/>
+              <a:tabLst>
+                <a:tab algn="l" pos="124200"/>
+              </a:tabLst>
+            </a:pPr>
+            <a:r>
+              <a:rPr b="0" lang="fr-FR" sz="2800" spc="-1" strike="sngStrike">
+                <a:solidFill>
+                  <a:srgbClr val="000000"/>
+                </a:solidFill>
+                <a:latin typeface="Arial"/>
+              </a:rPr>
+              <a:t> </a:t>
+            </a:r>
+            <a:r>
+              <a:rPr b="0" lang="fr-FR" sz="2800" spc="-1" strike="sngStrike">
+                <a:solidFill>
+                  <a:srgbClr val="000000"/>
+                </a:solidFill>
+                <a:latin typeface="Arial"/>
+              </a:rPr>
+              <a:t>Acquisition des données anatomiques du patient.</a:t>
             </a:r>
             <a:endParaRPr b="0" lang="en-US" sz="2800" spc="-1" strike="noStrike">
               <a:latin typeface="Arial"/>
             </a:endParaRPr>
           </a:p>
           <a:p>
+            <a:pPr marL="628200" indent="-343080" algn="just">
+              <a:lnSpc>
+                <a:spcPct val="100000"/>
+              </a:lnSpc>
+              <a:spcBef>
+                <a:spcPts val="799"/>
+              </a:spcBef>
+              <a:buClr>
+                <a:srgbClr val="000000"/>
+              </a:buClr>
+              <a:buFont typeface="Source Serif Pro"/>
+              <a:buChar char=""/>
+              <a:tabLst>
+                <a:tab algn="l" pos="124200"/>
+              </a:tabLst>
+            </a:pPr>
+            <a:r>
+              <a:rPr b="0" lang="fr-FR" sz="2800" spc="-1" strike="sngStrike">
+                <a:solidFill>
+                  <a:srgbClr val="000000"/>
+                </a:solidFill>
+                <a:latin typeface="Arial"/>
+              </a:rPr>
+              <a:t> </a:t>
+            </a:r>
+            <a:r>
+              <a:rPr b="0" lang="fr-FR" sz="2800" spc="-1" strike="sngStrike">
+                <a:solidFill>
+                  <a:srgbClr val="000000"/>
+                </a:solidFill>
+                <a:latin typeface="Arial"/>
+              </a:rPr>
+              <a:t>Définition des volumes cibles et </a:t>
+            </a:r>
+            <a:r>
+              <a:rPr b="1" lang="fr-FR" sz="2800" spc="-1" strike="sngStrike">
+                <a:solidFill>
+                  <a:srgbClr val="000000"/>
+                </a:solidFill>
+                <a:latin typeface="Arial"/>
+              </a:rPr>
+              <a:t>OAR</a:t>
+            </a:r>
+            <a:r>
+              <a:rPr b="0" lang="fr-FR" sz="2800" spc="-1" strike="sngStrike">
+                <a:solidFill>
+                  <a:srgbClr val="000000"/>
+                </a:solidFill>
+                <a:latin typeface="Arial"/>
+              </a:rPr>
+              <a:t>.</a:t>
+            </a:r>
+            <a:endParaRPr b="0" lang="en-US" sz="2800" spc="-1" strike="noStrike">
+              <a:latin typeface="Arial"/>
+            </a:endParaRPr>
+          </a:p>
+          <a:p>
+            <a:pPr marL="628200" indent="-343080" algn="just">
+              <a:lnSpc>
+                <a:spcPct val="100000"/>
+              </a:lnSpc>
+              <a:spcBef>
+                <a:spcPts val="799"/>
+              </a:spcBef>
+              <a:buClr>
+                <a:srgbClr val="000000"/>
+              </a:buClr>
+              <a:buFont typeface="Source Serif Pro"/>
+              <a:buChar char=""/>
+              <a:tabLst>
+                <a:tab algn="l" pos="124200"/>
+              </a:tabLst>
+            </a:pPr>
+            <a:r>
+              <a:rPr b="0" lang="fr-FR" sz="2800" spc="-1" strike="sngStrike">
+                <a:solidFill>
+                  <a:srgbClr val="000000"/>
+                </a:solidFill>
+                <a:latin typeface="Arial"/>
+              </a:rPr>
+              <a:t> </a:t>
+            </a:r>
+            <a:r>
+              <a:rPr b="0" lang="fr-FR" sz="2800" spc="-1" strike="sngStrike">
+                <a:solidFill>
+                  <a:srgbClr val="000000"/>
+                </a:solidFill>
+                <a:latin typeface="Arial"/>
+              </a:rPr>
+              <a:t>Délivrance de la dose.</a:t>
+            </a:r>
+            <a:endParaRPr b="0" lang="en-US" sz="2800" spc="-1" strike="noStrike">
+              <a:latin typeface="Arial"/>
+            </a:endParaRPr>
+          </a:p>
+          <a:p>
+            <a:pPr marL="628200" indent="-343080" algn="just">
+              <a:lnSpc>
+                <a:spcPct val="100000"/>
+              </a:lnSpc>
+              <a:spcBef>
+                <a:spcPts val="799"/>
+              </a:spcBef>
+              <a:buClr>
+                <a:srgbClr val="000000"/>
+              </a:buClr>
+              <a:buFont typeface="Source Serif Pro"/>
+              <a:buChar char=""/>
+              <a:tabLst>
+                <a:tab algn="l" pos="124200"/>
+              </a:tabLst>
+            </a:pPr>
+            <a:r>
+              <a:rPr b="0" lang="fr-FR" sz="2800" spc="-1" strike="sngStrike">
+                <a:solidFill>
+                  <a:srgbClr val="000000"/>
+                </a:solidFill>
+                <a:latin typeface="Arial"/>
+              </a:rPr>
+              <a:t> </a:t>
+            </a:r>
+            <a:r>
+              <a:rPr b="0" lang="fr-FR" sz="2800" spc="-1" strike="sngStrike">
+                <a:solidFill>
+                  <a:srgbClr val="000000"/>
+                </a:solidFill>
+                <a:latin typeface="Arial"/>
+              </a:rPr>
+              <a:t>Contrôle de la position géométrique du patient</a:t>
+            </a:r>
+            <a:endParaRPr b="0" lang="en-US" sz="2800" spc="-1" strike="noStrike">
+              <a:latin typeface="Arial"/>
+            </a:endParaRPr>
+          </a:p>
+          <a:p>
             <a:pPr>
               <a:lnSpc>
                 <a:spcPct val="100000"/>
@@ -9005,21 +9121,12 @@
                 <a:tab algn="l" pos="0"/>
               </a:tabLst>
             </a:pPr>
-            <a:r>
-              <a:rPr b="0" lang="fr-FR" sz="2800" spc="-1" strike="noStrike">
-                <a:solidFill>
-                  <a:srgbClr val="000000"/>
-                </a:solidFill>
-                <a:latin typeface="Arial"/>
-              </a:rPr>
-              <a:t>Délivrer de manière homogène une dose prescrite dans un volume cible tout en protégeant les organes à risque et les tissus sains avoisinants.</a:t>
-            </a:r>
             <a:endParaRPr b="0" lang="en-US" sz="2800" spc="-1" strike="noStrike">
               <a:latin typeface="Arial"/>
             </a:endParaRPr>
           </a:p>
           <a:p>
-            <a:pPr marL="355680" indent="-355680">
+            <a:pPr>
               <a:lnSpc>
                 <a:spcPct val="100000"/>
               </a:lnSpc>
@@ -9036,12 +9143,12 @@
             </a:endParaRPr>
           </a:p>
           <a:p>
-            <a:pPr marL="355680" indent="-355680">
-              <a:lnSpc>
-                <a:spcPct val="100000"/>
-              </a:lnSpc>
-              <a:spcBef>
-                <a:spcPts val="1199"/>
+            <a:pPr>
+              <a:lnSpc>
+                <a:spcPct val="100000"/>
+              </a:lnSpc>
+              <a:spcBef>
+                <a:spcPts val="519"/>
               </a:spcBef>
               <a:buNone/>
               <a:tabLst>
@@ -9053,24 +9160,7 @@
             </a:endParaRPr>
           </a:p>
           <a:p>
-            <a:pPr marL="355680" indent="-355680">
-              <a:lnSpc>
-                <a:spcPct val="100000"/>
-              </a:lnSpc>
-              <a:spcBef>
-                <a:spcPts val="519"/>
-              </a:spcBef>
-              <a:buNone/>
-              <a:tabLst>
-                <a:tab algn="l" pos="0"/>
-              </a:tabLst>
-            </a:pPr>
-            <a:endParaRPr b="0" lang="en-US" sz="2800" spc="-1" strike="noStrike">
-              <a:latin typeface="Arial"/>
-            </a:endParaRPr>
-          </a:p>
-          <a:p>
-            <a:pPr marL="355680" indent="-355680">
+            <a:pPr>
               <a:lnSpc>
                 <a:spcPct val="100000"/>
               </a:lnSpc>
@@ -9130,8 +9220,8 @@
         </p:nvSpPr>
         <p:spPr>
           <a:xfrm>
-            <a:off x="685800" y="1440"/>
-            <a:ext cx="8782560" cy="6855480"/>
+            <a:off x="228600" y="228600"/>
+            <a:ext cx="9371520" cy="6854760"/>
           </a:xfrm>
           <a:prstGeom prst="rect">
             <a:avLst/>
@@ -9167,257 +9257,244 @@
               <a:lnSpc>
                 <a:spcPct val="100000"/>
               </a:lnSpc>
-              <a:buNone/>
-              <a:tabLst>
-                <a:tab algn="l" pos="0"/>
-              </a:tabLst>
-            </a:pPr>
-            <a:r>
-              <a:rPr b="1" lang="fr-MA" sz="3200" spc="-1" strike="noStrike">
-                <a:solidFill>
-                  <a:srgbClr val="c9211e"/>
-                </a:solidFill>
-                <a:latin typeface="Arial"/>
-              </a:rPr>
-              <a:t>Plan de traitement</a:t>
-            </a:r>
-            <a:endParaRPr b="0" lang="en-US" sz="3200" spc="-1" strike="noStrike">
-              <a:latin typeface="Arial"/>
-            </a:endParaRPr>
-          </a:p>
-          <a:p>
-            <a:pPr marL="355680" indent="-355680">
-              <a:lnSpc>
-                <a:spcPct val="100000"/>
-              </a:lnSpc>
-              <a:buNone/>
-              <a:tabLst>
-                <a:tab algn="l" pos="0"/>
-              </a:tabLst>
-            </a:pPr>
-            <a:endParaRPr b="0" lang="en-US" sz="3200" spc="-1" strike="noStrike">
-              <a:latin typeface="Arial"/>
-            </a:endParaRPr>
-          </a:p>
-          <a:p>
-            <a:pPr marL="355680" indent="-355680">
-              <a:lnSpc>
-                <a:spcPct val="100000"/>
-              </a:lnSpc>
               <a:spcBef>
                 <a:spcPts val="799"/>
+              </a:spcBef>
+              <a:buNone/>
+              <a:tabLst>
+                <a:tab algn="l" pos="0"/>
+              </a:tabLst>
+            </a:pPr>
+            <a:r>
+              <a:rPr b="1" lang="fr-MA" sz="2800" spc="-1" strike="noStrike">
+                <a:solidFill>
+                  <a:srgbClr val="008000"/>
+                </a:solidFill>
+                <a:latin typeface="Arial"/>
+              </a:rPr>
+              <a:t>Simulation:</a:t>
+            </a:r>
+            <a:endParaRPr b="0" lang="en-US" sz="2800" spc="-1" strike="noStrike">
+              <a:latin typeface="Arial"/>
+            </a:endParaRPr>
+          </a:p>
+          <a:p>
+            <a:pPr marL="343080" indent="-343080" algn="just">
+              <a:lnSpc>
+                <a:spcPct val="100000"/>
+              </a:lnSpc>
+              <a:spcBef>
+                <a:spcPts val="1199"/>
               </a:spcBef>
               <a:buClr>
                 <a:srgbClr val="000000"/>
               </a:buClr>
-              <a:buFont typeface="OpenSymbol"/>
-              <a:buChar char="☛"/>
-              <a:tabLst>
-                <a:tab algn="l" pos="0"/>
-              </a:tabLst>
-            </a:pPr>
-            <a:r>
-              <a:rPr b="1" lang="fr-MA" sz="2800" spc="-1" strike="noStrike">
-                <a:solidFill>
-                  <a:srgbClr val="000000"/>
-                </a:solidFill>
-                <a:latin typeface="Arial"/>
-              </a:rPr>
-              <a:t>Bilan clinique: </a:t>
-            </a:r>
-            <a:r>
-              <a:rPr b="0" lang="fr-MA" sz="2800" spc="-1" strike="noStrike">
-                <a:solidFill>
-                  <a:srgbClr val="000000"/>
-                </a:solidFill>
-                <a:latin typeface="Arial"/>
-              </a:rPr>
-              <a:t>détermination</a:t>
-            </a:r>
-            <a:r>
-              <a:rPr b="1" lang="fr-MA" sz="2800" spc="-1" strike="noStrike">
-                <a:solidFill>
-                  <a:srgbClr val="000000"/>
-                </a:solidFill>
-                <a:latin typeface="Arial"/>
-              </a:rPr>
-              <a:t> </a:t>
-            </a:r>
-            <a:r>
-              <a:rPr b="0" lang="fr-MA" sz="2800" spc="-1" strike="noStrike">
-                <a:solidFill>
-                  <a:srgbClr val="000000"/>
-                </a:solidFill>
-                <a:latin typeface="Arial"/>
-              </a:rPr>
-              <a:t>du</a:t>
-            </a:r>
-            <a:r>
-              <a:rPr b="1" lang="fr-MA" sz="2800" spc="-1" strike="noStrike">
-                <a:solidFill>
-                  <a:srgbClr val="000000"/>
-                </a:solidFill>
-                <a:latin typeface="Arial"/>
-              </a:rPr>
-              <a:t> </a:t>
-            </a:r>
-            <a:r>
-              <a:rPr b="0" lang="fr-FR" sz="2800" spc="-1" strike="noStrike">
-                <a:solidFill>
-                  <a:srgbClr val="000000"/>
-                </a:solidFill>
-                <a:latin typeface="Arial"/>
-              </a:rPr>
-              <a:t>traitement</a:t>
-            </a:r>
-            <a:endParaRPr b="0" lang="en-US" sz="2800" spc="-1" strike="noStrike">
-              <a:latin typeface="Arial"/>
-            </a:endParaRPr>
-          </a:p>
-          <a:p>
-            <a:pPr marL="355680" indent="-355680">
-              <a:lnSpc>
-                <a:spcPct val="100000"/>
-              </a:lnSpc>
-              <a:spcBef>
-                <a:spcPts val="799"/>
+              <a:buFont typeface="Wingdings 2" charset="2"/>
+              <a:buChar char=""/>
+              <a:tabLst>
+                <a:tab algn="l" pos="0"/>
+              </a:tabLst>
+            </a:pPr>
+            <a:r>
+              <a:rPr b="1" lang="fr-FR" sz="2400" spc="-1" strike="noStrike">
+                <a:solidFill>
+                  <a:srgbClr val="000000"/>
+                </a:solidFill>
+                <a:latin typeface="Arial"/>
+              </a:rPr>
+              <a:t>L'oncologue radiothérapeute </a:t>
+            </a:r>
+            <a:r>
+              <a:rPr b="0" lang="fr-FR" sz="2400" spc="-1" strike="noStrike" u="sng">
+                <a:solidFill>
+                  <a:srgbClr val="000000"/>
+                </a:solidFill>
+                <a:uFillTx/>
+                <a:latin typeface="Arial"/>
+              </a:rPr>
+              <a:t>repère</a:t>
+            </a:r>
+            <a:r>
+              <a:rPr b="0" lang="fr-FR" sz="2400" spc="-1" strike="noStrike">
+                <a:solidFill>
+                  <a:srgbClr val="000000"/>
+                </a:solidFill>
+                <a:latin typeface="Arial"/>
+              </a:rPr>
+              <a:t> la cible sur laquelle les       rayons vont être dirigés et </a:t>
+            </a:r>
+            <a:r>
+              <a:rPr b="1" lang="fr-FR" sz="2400" spc="-1" strike="noStrike">
+                <a:solidFill>
+                  <a:srgbClr val="000000"/>
+                </a:solidFill>
+                <a:latin typeface="Arial"/>
+              </a:rPr>
+              <a:t>les organes à risque</a:t>
+            </a:r>
+            <a:r>
+              <a:rPr b="0" lang="fr-FR" sz="2400" spc="-1" strike="noStrike">
+                <a:solidFill>
+                  <a:srgbClr val="000000"/>
+                </a:solidFill>
+                <a:latin typeface="Arial"/>
+              </a:rPr>
+              <a:t> à protéger</a:t>
+            </a:r>
+            <a:endParaRPr b="0" lang="en-US" sz="2400" spc="-1" strike="noStrike">
+              <a:latin typeface="Arial"/>
+            </a:endParaRPr>
+          </a:p>
+          <a:p>
+            <a:pPr marL="343080" indent="-343080" algn="just">
+              <a:lnSpc>
+                <a:spcPct val="100000"/>
+              </a:lnSpc>
+              <a:spcBef>
+                <a:spcPts val="1199"/>
               </a:spcBef>
               <a:buClr>
                 <a:srgbClr val="000000"/>
               </a:buClr>
-              <a:buFont typeface="OpenSymbol"/>
-              <a:buChar char="☛"/>
-              <a:tabLst>
-                <a:tab algn="l" pos="0"/>
-              </a:tabLst>
-            </a:pPr>
-            <a:r>
-              <a:rPr b="1" lang="fr-MA" sz="2800" spc="-1" strike="noStrike">
-                <a:solidFill>
-                  <a:srgbClr val="000000"/>
-                </a:solidFill>
-                <a:latin typeface="Arial"/>
-              </a:rPr>
-              <a:t>Acquisition</a:t>
-            </a:r>
-            <a:r>
-              <a:rPr b="0" lang="fr-FR" sz="2800" spc="-1" strike="noStrike">
-                <a:solidFill>
-                  <a:srgbClr val="000000"/>
-                </a:solidFill>
-                <a:latin typeface="Arial"/>
-              </a:rPr>
-              <a:t> </a:t>
-            </a:r>
-            <a:r>
-              <a:rPr b="1" lang="fr-MA" sz="2800" spc="-1" strike="noStrike">
-                <a:solidFill>
-                  <a:srgbClr val="000000"/>
-                </a:solidFill>
-                <a:latin typeface="Arial"/>
-              </a:rPr>
-              <a:t>des données anatomiques</a:t>
-            </a:r>
-            <a:endParaRPr b="0" lang="en-US" sz="2800" spc="-1" strike="noStrike">
-              <a:latin typeface="Arial"/>
-            </a:endParaRPr>
-          </a:p>
-          <a:p>
-            <a:pPr marL="355680" indent="-355680">
-              <a:lnSpc>
-                <a:spcPct val="100000"/>
-              </a:lnSpc>
-              <a:spcBef>
-                <a:spcPts val="799"/>
+              <a:buFont typeface="Wingdings 2" charset="2"/>
+              <a:buChar char=""/>
+              <a:tabLst>
+                <a:tab algn="l" pos="0"/>
+              </a:tabLst>
+            </a:pPr>
+            <a:r>
+              <a:rPr b="0" lang="fr-FR" sz="2400" spc="-1" strike="noStrike">
+                <a:solidFill>
+                  <a:srgbClr val="000000"/>
+                </a:solidFill>
+                <a:latin typeface="Arial"/>
+              </a:rPr>
+              <a:t>Une </a:t>
+            </a:r>
+            <a:r>
+              <a:rPr b="1" lang="fr-FR" sz="2400" spc="-1" strike="noStrike">
+                <a:solidFill>
+                  <a:srgbClr val="000000"/>
+                </a:solidFill>
+                <a:latin typeface="Arial"/>
+              </a:rPr>
+              <a:t>TDM</a:t>
+            </a:r>
+            <a:r>
+              <a:rPr b="0" lang="fr-FR" sz="2400" spc="-1" strike="noStrike">
+                <a:solidFill>
+                  <a:srgbClr val="000000"/>
+                </a:solidFill>
+                <a:latin typeface="Arial"/>
+              </a:rPr>
+              <a:t> centrée sur la zone  à </a:t>
+            </a:r>
+            <a:r>
+              <a:rPr b="0" lang="fr-FR" sz="2400" spc="-1" strike="noStrike" u="sng">
+                <a:solidFill>
+                  <a:srgbClr val="000000"/>
+                </a:solidFill>
+                <a:uFillTx/>
+                <a:latin typeface="Arial"/>
+              </a:rPr>
+              <a:t>traiter</a:t>
+            </a:r>
+            <a:r>
+              <a:rPr b="0" lang="fr-FR" sz="2400" spc="-1" strike="noStrike">
+                <a:solidFill>
+                  <a:srgbClr val="000000"/>
+                </a:solidFill>
+                <a:latin typeface="Arial"/>
+              </a:rPr>
+              <a:t> est réalisée afin      d'obtenir une image en trois dimensions des ganglions     lymphatiques et des organes   voisins. </a:t>
+            </a:r>
+            <a:endParaRPr b="0" lang="en-US" sz="2400" spc="-1" strike="noStrike">
+              <a:latin typeface="Arial"/>
+            </a:endParaRPr>
+          </a:p>
+          <a:p>
+            <a:pPr marL="343080" indent="-343080" algn="just">
+              <a:lnSpc>
+                <a:spcPct val="100000"/>
+              </a:lnSpc>
+              <a:spcBef>
+                <a:spcPts val="1199"/>
               </a:spcBef>
               <a:buClr>
                 <a:srgbClr val="000000"/>
               </a:buClr>
-              <a:buFont typeface="OpenSymbol"/>
-              <a:buChar char="☛"/>
-              <a:tabLst>
-                <a:tab algn="l" pos="0"/>
-              </a:tabLst>
-            </a:pPr>
-            <a:r>
-              <a:rPr b="1" lang="fr-MA" sz="2800" spc="-1" strike="noStrike">
-                <a:solidFill>
-                  <a:srgbClr val="000000"/>
-                </a:solidFill>
-                <a:latin typeface="Arial"/>
-              </a:rPr>
-              <a:t>Simulation</a:t>
-            </a:r>
-            <a:endParaRPr b="0" lang="en-US" sz="2800" spc="-1" strike="noStrike">
-              <a:latin typeface="Arial"/>
-            </a:endParaRPr>
-          </a:p>
-          <a:p>
-            <a:pPr marL="355680" indent="-355680">
-              <a:lnSpc>
-                <a:spcPct val="100000"/>
-              </a:lnSpc>
-              <a:spcBef>
-                <a:spcPts val="799"/>
-              </a:spcBef>
-              <a:buClr>
-                <a:srgbClr val="000000"/>
-              </a:buClr>
-              <a:buFont typeface="OpenSymbol"/>
-              <a:buChar char="☛"/>
-              <a:tabLst>
-                <a:tab algn="l" pos="0"/>
-              </a:tabLst>
-            </a:pPr>
-            <a:r>
-              <a:rPr b="1" lang="fr-MA" sz="2800" spc="-1" strike="noStrike">
-                <a:solidFill>
-                  <a:srgbClr val="000000"/>
-                </a:solidFill>
-                <a:latin typeface="Arial"/>
-              </a:rPr>
-              <a:t>Dosimetier</a:t>
-            </a:r>
-            <a:endParaRPr b="0" lang="en-US" sz="2800" spc="-1" strike="noStrike">
-              <a:latin typeface="Arial"/>
-            </a:endParaRPr>
-          </a:p>
-          <a:p>
-            <a:pPr marL="355680" indent="-355680">
-              <a:lnSpc>
-                <a:spcPct val="100000"/>
-              </a:lnSpc>
-              <a:spcBef>
-                <a:spcPts val="799"/>
-              </a:spcBef>
-              <a:buClr>
-                <a:srgbClr val="000000"/>
-              </a:buClr>
-              <a:buFont typeface="OpenSymbol"/>
-              <a:buChar char="☛"/>
-              <a:tabLst>
-                <a:tab algn="l" pos="0"/>
-              </a:tabLst>
-            </a:pPr>
-            <a:r>
-              <a:rPr b="1" lang="fr-MA" sz="2800" spc="-1" strike="noStrike">
-                <a:solidFill>
-                  <a:srgbClr val="000000"/>
-                </a:solidFill>
-                <a:latin typeface="Arial"/>
-              </a:rPr>
-              <a:t>taritememnt</a:t>
-            </a:r>
-            <a:r>
-              <a:rPr b="0" lang="fr-FR" sz="2800" spc="-1" strike="noStrike">
-                <a:solidFill>
-                  <a:srgbClr val="000000"/>
-                </a:solidFill>
-                <a:latin typeface="Arial"/>
-              </a:rPr>
-              <a:t> </a:t>
-            </a:r>
-            <a:endParaRPr b="0" lang="en-US" sz="2800" spc="-1" strike="noStrike">
+              <a:buFont typeface="Wingdings 2" charset="2"/>
+              <a:buChar char=""/>
+              <a:tabLst>
+                <a:tab algn="l" pos="0"/>
+              </a:tabLst>
+            </a:pPr>
+            <a:r>
+              <a:rPr b="0" lang="fr-FR" sz="2400" spc="-1" strike="noStrike">
+                <a:solidFill>
+                  <a:srgbClr val="000000"/>
+                </a:solidFill>
+                <a:latin typeface="Arial"/>
+              </a:rPr>
+              <a:t>Le </a:t>
+            </a:r>
+            <a:r>
+              <a:rPr b="1" lang="fr-FR" sz="2400" spc="-1" strike="noStrike">
+                <a:solidFill>
+                  <a:srgbClr val="000000"/>
+                </a:solidFill>
+                <a:latin typeface="Arial"/>
+              </a:rPr>
+              <a:t>simulateur</a:t>
+            </a:r>
+            <a:r>
+              <a:rPr b="0" lang="fr-FR" sz="2400" spc="-1" strike="noStrike">
+                <a:solidFill>
+                  <a:srgbClr val="000000"/>
+                </a:solidFill>
+                <a:latin typeface="Arial"/>
+              </a:rPr>
+              <a:t> permet de </a:t>
+            </a:r>
+            <a:r>
+              <a:rPr b="0" lang="fr-FR" sz="2400" spc="-1" strike="noStrike" u="sng">
+                <a:solidFill>
+                  <a:srgbClr val="000000"/>
+                </a:solidFill>
+                <a:uFillTx/>
+                <a:latin typeface="Arial"/>
+              </a:rPr>
+              <a:t>définir</a:t>
+            </a:r>
+            <a:r>
+              <a:rPr b="0" lang="fr-FR" sz="2400" spc="-1" strike="noStrike">
+                <a:solidFill>
+                  <a:srgbClr val="000000"/>
+                </a:solidFill>
+                <a:latin typeface="Arial"/>
+              </a:rPr>
+              <a:t> et de </a:t>
+            </a:r>
+            <a:r>
+              <a:rPr b="0" lang="fr-FR" sz="2400" spc="-1" strike="noStrike" u="sng">
+                <a:solidFill>
+                  <a:srgbClr val="000000"/>
+                </a:solidFill>
+                <a:uFillTx/>
+                <a:latin typeface="Arial"/>
+              </a:rPr>
+              <a:t>visualiser</a:t>
+            </a:r>
+            <a:r>
+              <a:rPr b="0" lang="fr-FR" sz="2400" spc="-1" strike="noStrike">
+                <a:solidFill>
+                  <a:srgbClr val="000000"/>
+                </a:solidFill>
+                <a:latin typeface="Arial"/>
+              </a:rPr>
+              <a:t> sur des      images  radiologiques les faisceaux de rayons  adaptés  aux  volumes  cibles.  Similaire  du  point  de  vue  radiogène  aux  appareils  de  radiodiagnostic,  il  s'en  différencie  par  ses  caractéristiques  mécaniques  qui  sont  identiques  à  celles des appareils de radiothérapie.</a:t>
+            </a:r>
+            <a:endParaRPr b="0" lang="en-US" sz="2400" spc="-1" strike="noStrike">
               <a:latin typeface="Arial"/>
             </a:endParaRPr>
           </a:p>
@@ -9534,7 +9611,7 @@
         <p:spPr>
           <a:xfrm>
             <a:off x="611640" y="764640"/>
-            <a:ext cx="8529840" cy="6855480"/>
+            <a:ext cx="8529120" cy="6854760"/>
           </a:xfrm>
           <a:prstGeom prst="rect">
             <a:avLst/>
@@ -9592,7 +9669,7 @@
             </a:endParaRPr>
           </a:p>
           <a:p>
-            <a:pPr marL="343080" indent="-343080">
+            <a:pPr marL="343080" indent="-343080" algn="just">
               <a:lnSpc>
                 <a:spcPct val="100000"/>
               </a:lnSpc>
@@ -9621,7 +9698,44 @@
                 </a:solidFill>
                 <a:latin typeface="Arial"/>
               </a:rPr>
-              <a:t>l’</a:t>
+              <a:t>L’objectif de notre expose est de </a:t>
+            </a:r>
+            <a:r>
+              <a:rPr b="0" lang="fr-FR" sz="2800" spc="-1" strike="noStrike" u="sng">
+                <a:solidFill>
+                  <a:srgbClr val="000000"/>
+                </a:solidFill>
+                <a:uFillTx/>
+                <a:latin typeface="Arial"/>
+              </a:rPr>
+              <a:t>traiter</a:t>
+            </a:r>
+            <a:r>
+              <a:rPr b="0" lang="fr-FR" sz="2800" spc="-1" strike="noStrike">
+                <a:solidFill>
+                  <a:srgbClr val="000000"/>
+                </a:solidFill>
+                <a:latin typeface="Arial"/>
+              </a:rPr>
+              <a:t> le cancer   de la tête et du cou par les technique des  radiotherapie, d’une maniérer adéquate, et en  préservent le mieux possible </a:t>
+            </a:r>
+            <a:r>
+              <a:rPr b="1" lang="fr-FR" sz="2800" spc="-1" strike="noStrike">
+                <a:solidFill>
+                  <a:srgbClr val="000000"/>
+                </a:solidFill>
+                <a:latin typeface="Arial"/>
+              </a:rPr>
+              <a:t>les organes a   risque.</a:t>
+            </a:r>
+            <a:r>
+              <a:rPr b="0" lang="fr-FR" sz="2800" spc="-1" strike="noStrike">
+                <a:solidFill>
+                  <a:srgbClr val="000000"/>
+                </a:solidFill>
+                <a:latin typeface="Arial"/>
+              </a:rPr>
+              <a:t> </a:t>
             </a:r>
             <a:endParaRPr b="0" lang="en-US" sz="2800" spc="-1" strike="noStrike">
               <a:latin typeface="Arial"/>
@@ -9662,7 +9776,26 @@
                 </a:solidFill>
                 <a:latin typeface="Arial"/>
               </a:rPr>
-              <a:t>S</a:t>
+              <a:t>De distinguer entre les </a:t>
+            </a:r>
+            <a:r>
+              <a:rPr b="0" lang="fr-MA" sz="2800" spc="-1" strike="noStrike" u="sng">
+                <a:solidFill>
+                  <a:srgbClr val="000000"/>
+                </a:solidFill>
+                <a:uFillTx/>
+                <a:latin typeface="Arial"/>
+              </a:rPr>
+              <a:t>différents</a:t>
+            </a:r>
+            <a:r>
+              <a:rPr b="0" lang="fr-MA" sz="2800" spc="-1" strike="noStrike">
+                <a:solidFill>
+                  <a:srgbClr val="000000"/>
+                </a:solidFill>
+                <a:latin typeface="Arial"/>
+              </a:rPr>
+              <a:t> techniques de radiothérapie au court du traitement. </a:t>
             </a:r>
             <a:endParaRPr b="0" lang="en-US" sz="2800" spc="-1" strike="noStrike">
               <a:latin typeface="Arial"/>
@@ -9727,7 +9860,7 @@
         <p:spPr>
           <a:xfrm>
             <a:off x="228600" y="228600"/>
-            <a:ext cx="9469080" cy="6855480"/>
+            <a:ext cx="9468360" cy="6854760"/>
           </a:xfrm>
           <a:prstGeom prst="rect">
             <a:avLst/>
@@ -10140,7 +10273,7 @@
         <p:spPr>
           <a:xfrm>
             <a:off x="457200" y="1478160"/>
-            <a:ext cx="4192920" cy="2864160"/>
+            <a:ext cx="4192200" cy="2863440"/>
           </a:xfrm>
           <a:prstGeom prst="rect">
             <a:avLst/>
@@ -10163,7 +10296,7 @@
         <p:spPr>
           <a:xfrm>
             <a:off x="360360" y="228600"/>
-            <a:ext cx="8782560" cy="6855480"/>
+            <a:ext cx="8781840" cy="6854760"/>
           </a:xfrm>
           <a:prstGeom prst="rect">
             <a:avLst/>
@@ -10286,7 +10419,7 @@
         <p:spPr>
           <a:xfrm>
             <a:off x="5257800" y="2057760"/>
-            <a:ext cx="3580200" cy="3884760"/>
+            <a:ext cx="3579480" cy="3884040"/>
           </a:xfrm>
           <a:prstGeom prst="rect">
             <a:avLst/>
@@ -10309,7 +10442,7 @@
         <p:spPr>
           <a:xfrm>
             <a:off x="1143000" y="4356360"/>
-            <a:ext cx="3199320" cy="1814760"/>
+            <a:ext cx="3198600" cy="1814040"/>
           </a:xfrm>
           <a:prstGeom prst="rect">
             <a:avLst/>
@@ -10362,7 +10495,7 @@
         <p:spPr>
           <a:xfrm>
             <a:off x="228600" y="228600"/>
-            <a:ext cx="8782560" cy="6855480"/>
+            <a:ext cx="8781840" cy="6854760"/>
           </a:xfrm>
           <a:prstGeom prst="rect">
             <a:avLst/>
@@ -10509,7 +10642,7 @@
         <p:spPr>
           <a:xfrm>
             <a:off x="4668840" y="2058480"/>
-            <a:ext cx="4342320" cy="2970360"/>
+            <a:ext cx="4341600" cy="2969640"/>
           </a:xfrm>
           <a:prstGeom prst="rect">
             <a:avLst/>
@@ -10532,7 +10665,7 @@
         <p:spPr>
           <a:xfrm>
             <a:off x="228600" y="2059560"/>
-            <a:ext cx="4247640" cy="2933280"/>
+            <a:ext cx="4246920" cy="2932560"/>
           </a:xfrm>
           <a:prstGeom prst="rect">
             <a:avLst/>
@@ -10584,8 +10717,8 @@
         </p:nvSpPr>
         <p:spPr>
           <a:xfrm>
-            <a:off x="228600" y="228600"/>
-            <a:ext cx="9372240" cy="6855480"/>
+            <a:off x="228600" y="230040"/>
+            <a:ext cx="9142920" cy="6854760"/>
           </a:xfrm>
           <a:prstGeom prst="rect">
             <a:avLst/>
@@ -10636,7 +10769,7 @@
                 </a:solidFill>
                 <a:latin typeface="Arial"/>
               </a:rPr>
-              <a:t>Simulation:</a:t>
+              <a:t>Dosimétrie:</a:t>
             </a:r>
             <a:endParaRPr b="0" lang="en-US" sz="2800" spc="-1" strike="noStrike">
               <a:latin typeface="Arial"/>
@@ -10660,15 +10793,72 @@
               </a:tabLst>
             </a:pPr>
             <a:r>
-              <a:rPr b="0" lang="fr-FR" sz="2400" spc="-1" strike="noStrike">
-                <a:solidFill>
-                  <a:srgbClr val="000000"/>
-                </a:solidFill>
-                <a:latin typeface="Arial"/>
-              </a:rPr>
-              <a:t>La simulation est l’étape du traitement de radiothérapie     pendant laquelle est mis en place l’isocentre du traitement</a:t>
-            </a:r>
-            <a:endParaRPr b="0" lang="en-US" sz="2400" spc="-1" strike="noStrike">
+              <a:rPr b="0" lang="fr-FR" sz="2800" spc="-1" strike="noStrike">
+                <a:solidFill>
+                  <a:srgbClr val="000000"/>
+                </a:solidFill>
+                <a:latin typeface="Arial"/>
+              </a:rPr>
+              <a:t>La dosimétrie désigne </a:t>
+            </a:r>
+            <a:r>
+              <a:rPr b="0" lang="fr-FR" sz="2800" spc="-1" strike="noStrike" u="sng">
+                <a:solidFill>
+                  <a:srgbClr val="000000"/>
+                </a:solidFill>
+                <a:uFillTx/>
+                <a:latin typeface="Arial"/>
+              </a:rPr>
+              <a:t>le calcul de la répartition de</a:t>
+            </a:r>
+            <a:r>
+              <a:rPr b="0" lang="fr-FR" sz="2800" spc="-1" strike="noStrike">
+                <a:solidFill>
+                  <a:srgbClr val="000000"/>
+                </a:solidFill>
+                <a:latin typeface="Arial"/>
+              </a:rPr>
+              <a:t>    </a:t>
+            </a:r>
+            <a:r>
+              <a:rPr b="0" lang="fr-FR" sz="2800" spc="-1" strike="noStrike" u="sng">
+                <a:solidFill>
+                  <a:srgbClr val="000000"/>
+                </a:solidFill>
+                <a:uFillTx/>
+                <a:latin typeface="Arial"/>
+              </a:rPr>
+              <a:t> la </a:t>
+            </a:r>
+            <a:r>
+              <a:rPr b="0" lang="fr-FR" sz="2800" spc="-1" strike="noStrike" u="sng">
+                <a:solidFill>
+                  <a:srgbClr val="000000"/>
+                </a:solidFill>
+                <a:uFillTx/>
+                <a:latin typeface="Arial"/>
+              </a:rPr>
+              <a:t>dose dans l'organisme</a:t>
+            </a:r>
+            <a:r>
+              <a:rPr b="0" lang="fr-FR" sz="2800" spc="-1" strike="noStrike">
+                <a:solidFill>
+                  <a:srgbClr val="000000"/>
+                </a:solidFill>
+                <a:latin typeface="Arial"/>
+              </a:rPr>
+              <a:t>, en vue de déterminer la </a:t>
+            </a:r>
+            <a:r>
+              <a:rPr b="0" lang="fr-FR" sz="2800" spc="-1" strike="noStrike">
+                <a:solidFill>
+                  <a:srgbClr val="000000"/>
+                </a:solidFill>
+                <a:latin typeface="Arial"/>
+              </a:rPr>
+              <a:t>balistique optimale de traitement .</a:t>
+            </a:r>
+            <a:endParaRPr b="0" lang="en-US" sz="2800" spc="-1" strike="noStrike">
               <a:latin typeface="Arial"/>
             </a:endParaRPr>
           </a:p>
@@ -10685,11 +10875,209 @@
                 <a:tab algn="l" pos="0"/>
               </a:tabLst>
             </a:pPr>
+            <a:endParaRPr b="0" lang="en-US" sz="1200" spc="-1" strike="noStrike">
+              <a:latin typeface="Arial"/>
+            </a:endParaRPr>
+          </a:p>
+          <a:p>
+            <a:pPr marL="343080" indent="-343080">
+              <a:lnSpc>
+                <a:spcPct val="100000"/>
+              </a:lnSpc>
+              <a:spcBef>
+                <a:spcPts val="1199"/>
+              </a:spcBef>
+              <a:buClr>
+                <a:srgbClr val="000000"/>
+              </a:buClr>
+              <a:buFont typeface="Wingdings 2" charset="2"/>
+              <a:buChar char=""/>
+              <a:tabLst>
+                <a:tab algn="l" pos="0"/>
+              </a:tabLst>
+            </a:pPr>
+            <a:r>
+              <a:rPr b="0" lang="fr-FR" sz="2800" spc="-1" strike="noStrike">
+                <a:solidFill>
+                  <a:srgbClr val="000000"/>
+                </a:solidFill>
+                <a:latin typeface="Arial"/>
+              </a:rPr>
+              <a:t>Elle a pour objectif de :</a:t>
+            </a:r>
             <a:endParaRPr b="0" lang="en-US" sz="2800" spc="-1" strike="noStrike">
               <a:latin typeface="Arial"/>
             </a:endParaRPr>
           </a:p>
           <a:p>
+            <a:pPr marL="457200" indent="-343080">
+              <a:lnSpc>
+                <a:spcPct val="100000"/>
+              </a:lnSpc>
+              <a:spcBef>
+                <a:spcPts val="1199"/>
+              </a:spcBef>
+              <a:buClr>
+                <a:srgbClr val="000000"/>
+              </a:buClr>
+              <a:buFont typeface="Source Serif Pro"/>
+              <a:buChar char=""/>
+              <a:tabLst>
+                <a:tab algn="l" pos="0"/>
+              </a:tabLst>
+            </a:pPr>
+            <a:r>
+              <a:rPr b="0" lang="fr-FR" sz="2800" spc="-1" strike="noStrike">
+                <a:solidFill>
+                  <a:srgbClr val="000000"/>
+                </a:solidFill>
+                <a:latin typeface="Arial"/>
+              </a:rPr>
+              <a:t>Couvrir le </a:t>
+            </a:r>
+            <a:r>
+              <a:rPr b="1" lang="fr-FR" sz="2800" spc="-1" strike="noStrike">
+                <a:solidFill>
+                  <a:srgbClr val="000000"/>
+                </a:solidFill>
+                <a:latin typeface="Arial"/>
+              </a:rPr>
+              <a:t>volume cible</a:t>
+            </a:r>
+            <a:r>
+              <a:rPr b="0" lang="fr-FR" sz="2800" spc="-1" strike="noStrike">
+                <a:solidFill>
+                  <a:srgbClr val="000000"/>
+                </a:solidFill>
+                <a:latin typeface="Arial"/>
+              </a:rPr>
+              <a:t> par </a:t>
+            </a:r>
+            <a:r>
+              <a:rPr b="1" lang="fr-FR" sz="2800" spc="-1" strike="noStrike">
+                <a:solidFill>
+                  <a:srgbClr val="000000"/>
+                </a:solidFill>
+                <a:latin typeface="Arial"/>
+              </a:rPr>
+              <a:t>les isodoses         [</a:t>
+            </a:r>
+            <a:r>
+              <a:rPr b="0" lang="fr-FR" sz="2800" spc="-1" strike="noStrike">
+                <a:solidFill>
+                  <a:srgbClr val="000000"/>
+                </a:solidFill>
+                <a:latin typeface="Arial"/>
+              </a:rPr>
+              <a:t>95 % - </a:t>
+            </a:r>
+            <a:r>
+              <a:rPr b="0" lang="fr-FR" sz="2800" spc="-1" strike="noStrike">
+                <a:solidFill>
+                  <a:srgbClr val="000000"/>
+                </a:solidFill>
+                <a:latin typeface="Arial"/>
+              </a:rPr>
+              <a:t>107%] (dose  homogène).</a:t>
+            </a:r>
+            <a:endParaRPr b="0" lang="en-US" sz="2800" spc="-1" strike="noStrike">
+              <a:latin typeface="Arial"/>
+            </a:endParaRPr>
+          </a:p>
+          <a:p>
+            <a:pPr marL="457200" indent="-343080">
+              <a:lnSpc>
+                <a:spcPct val="100000"/>
+              </a:lnSpc>
+              <a:spcBef>
+                <a:spcPts val="1199"/>
+              </a:spcBef>
+              <a:buClr>
+                <a:srgbClr val="000000"/>
+              </a:buClr>
+              <a:buFont typeface="Source Serif Pro"/>
+              <a:buChar char=""/>
+              <a:tabLst>
+                <a:tab algn="l" pos="0"/>
+              </a:tabLst>
+            </a:pPr>
+            <a:r>
+              <a:rPr b="0" lang="fr-FR" sz="2800" spc="-1" strike="noStrike">
+                <a:solidFill>
+                  <a:srgbClr val="000000"/>
+                </a:solidFill>
+                <a:latin typeface="Arial"/>
+              </a:rPr>
+              <a:t>Ne pas dépasser les </a:t>
+            </a:r>
+            <a:r>
+              <a:rPr b="1" lang="fr-FR" sz="2800" spc="-1" strike="noStrike">
+                <a:solidFill>
+                  <a:srgbClr val="000000"/>
+                </a:solidFill>
+                <a:latin typeface="Arial"/>
+              </a:rPr>
+              <a:t>doses seuils</a:t>
+            </a:r>
+            <a:r>
+              <a:rPr b="0" lang="fr-FR" sz="2800" spc="-1" strike="noStrike">
+                <a:solidFill>
+                  <a:srgbClr val="000000"/>
+                </a:solidFill>
+                <a:latin typeface="Arial"/>
+              </a:rPr>
+              <a:t> pour                 </a:t>
+            </a:r>
+            <a:r>
+              <a:rPr b="1" lang="fr-FR" sz="2800" spc="-1" strike="noStrike">
+                <a:solidFill>
+                  <a:srgbClr val="000000"/>
+                </a:solidFill>
+                <a:latin typeface="Arial"/>
+              </a:rPr>
+              <a:t>les </a:t>
+            </a:r>
+            <a:r>
+              <a:rPr b="1" lang="fr-FR" sz="2800" spc="-1" strike="noStrike">
+                <a:solidFill>
+                  <a:srgbClr val="000000"/>
+                </a:solidFill>
+                <a:latin typeface="Arial"/>
+              </a:rPr>
+              <a:t>organes à risque</a:t>
+            </a:r>
+            <a:r>
+              <a:rPr b="0" lang="fr-FR" sz="2800" spc="-1" strike="noStrike">
+                <a:solidFill>
+                  <a:srgbClr val="000000"/>
+                </a:solidFill>
+                <a:latin typeface="Arial"/>
+              </a:rPr>
+              <a:t> (</a:t>
+            </a:r>
+            <a:r>
+              <a:rPr b="1" lang="fr-FR" sz="2800" spc="-1" strike="noStrike">
+                <a:solidFill>
+                  <a:srgbClr val="000000"/>
+                </a:solidFill>
+                <a:latin typeface="Arial"/>
+              </a:rPr>
+              <a:t>OAR)</a:t>
+            </a:r>
+            <a:r>
+              <a:rPr b="0" lang="fr-FR" sz="2800" spc="-1" strike="noStrike">
+                <a:solidFill>
+                  <a:srgbClr val="000000"/>
+                </a:solidFill>
+                <a:latin typeface="Arial"/>
+              </a:rPr>
+              <a:t> situés à proximité.</a:t>
+            </a:r>
+            <a:endParaRPr b="0" lang="en-US" sz="2800" spc="-1" strike="noStrike">
+              <a:latin typeface="Arial"/>
+            </a:endParaRPr>
+          </a:p>
+          <a:p>
             <a:pPr>
               <a:lnSpc>
                 <a:spcPct val="100000"/>
@@ -10737,105 +11125,6 @@
               </a:tabLst>
             </a:pPr>
             <a:endParaRPr b="0" lang="en-US" sz="2800" spc="-1" strike="noStrike">
-              <a:latin typeface="Arial"/>
-            </a:endParaRPr>
-          </a:p>
-        </p:txBody>
-      </p:sp>
-      <p:pic>
-        <p:nvPicPr>
-          <p:cNvPr id="164" name="" descr=""/>
-          <p:cNvPicPr/>
-          <p:nvPr/>
-        </p:nvPicPr>
-        <p:blipFill>
-          <a:blip r:embed="rId1"/>
-          <a:srcRect l="0" t="0" r="0" b="8245"/>
-          <a:stretch/>
-        </p:blipFill>
-        <p:spPr>
-          <a:xfrm>
-            <a:off x="766800" y="3200400"/>
-            <a:ext cx="3278880" cy="3091680"/>
-          </a:xfrm>
-          <a:prstGeom prst="rect">
-            <a:avLst/>
-          </a:prstGeom>
-          <a:ln w="0">
-            <a:noFill/>
-          </a:ln>
-        </p:spPr>
-      </p:pic>
-      <p:pic>
-        <p:nvPicPr>
-          <p:cNvPr id="165" name="" descr=""/>
-          <p:cNvPicPr/>
-          <p:nvPr/>
-        </p:nvPicPr>
-        <p:blipFill>
-          <a:blip r:embed="rId2"/>
-          <a:stretch/>
-        </p:blipFill>
-        <p:spPr>
-          <a:xfrm>
-            <a:off x="5508360" y="3115800"/>
-            <a:ext cx="3406680" cy="3200040"/>
-          </a:xfrm>
-          <a:prstGeom prst="rect">
-            <a:avLst/>
-          </a:prstGeom>
-          <a:ln w="0">
-            <a:noFill/>
-          </a:ln>
-        </p:spPr>
-      </p:pic>
-      <p:sp>
-        <p:nvSpPr>
-          <p:cNvPr id="166" name=""/>
-          <p:cNvSpPr/>
-          <p:nvPr/>
-        </p:nvSpPr>
-        <p:spPr>
-          <a:xfrm>
-            <a:off x="1371600" y="2598120"/>
-            <a:ext cx="7543440" cy="601920"/>
-          </a:xfrm>
-          <a:prstGeom prst="rect">
-            <a:avLst/>
-          </a:prstGeom>
-          <a:noFill/>
-          <a:ln w="0">
-            <a:noFill/>
-          </a:ln>
-        </p:spPr>
-        <p:style>
-          <a:lnRef idx="0"/>
-          <a:fillRef idx="0"/>
-          <a:effectRef idx="0"/>
-          <a:fontRef idx="minor"/>
-        </p:style>
-        <p:txBody>
-          <a:bodyPr lIns="90000" rIns="90000" tIns="45000" bIns="45000" anchor="t">
-            <a:noAutofit/>
-          </a:bodyPr>
-          <a:p>
-            <a:pPr>
-              <a:lnSpc>
-                <a:spcPct val="100000"/>
-              </a:lnSpc>
-              <a:buNone/>
-            </a:pPr>
-            <a:r>
-              <a:rPr b="0" lang="en-US" sz="1800" spc="-1" strike="noStrike">
-                <a:solidFill>
-                  <a:srgbClr val="000000"/>
-                </a:solidFill>
-                <a:latin typeface="Arial"/>
-                <a:ea typeface="DejaVu Sans"/>
-              </a:rPr>
-              <a:t>Simulation  classique                                        Simulation  virtuelle </a:t>
-            </a:r>
-            <a:endParaRPr b="0" lang="en-US" sz="1800" spc="-1" strike="noStrike">
               <a:latin typeface="Arial"/>
             </a:endParaRPr>
           </a:p>
@@ -10873,7 +11162,7 @@
       </p:grpSpPr>
       <p:sp>
         <p:nvSpPr>
-          <p:cNvPr id="167" name="PlaceHolder 1"/>
+          <p:cNvPr id="164" name="PlaceHolder 1"/>
           <p:cNvSpPr>
             <a:spLocks noGrp="1"/>
           </p:cNvSpPr>
@@ -10883,8 +11172,8 @@
         </p:nvSpPr>
         <p:spPr>
           <a:xfrm>
-            <a:off x="228600" y="230040"/>
-            <a:ext cx="9143640" cy="6855480"/>
+            <a:off x="228600" y="228600"/>
+            <a:ext cx="8781840" cy="6854760"/>
           </a:xfrm>
           <a:prstGeom prst="rect">
             <a:avLst/>
@@ -10942,18 +11231,14 @@
             </a:endParaRPr>
           </a:p>
           <a:p>
-            <a:pPr marL="343080" indent="-343080">
-              <a:lnSpc>
-                <a:spcPct val="100000"/>
-              </a:lnSpc>
-              <a:spcBef>
-                <a:spcPts val="1199"/>
-              </a:spcBef>
-              <a:buClr>
-                <a:srgbClr val="000000"/>
-              </a:buClr>
-              <a:buFont typeface="Wingdings 2" charset="2"/>
-              <a:buChar char=""/>
+            <a:pPr marL="355680" indent="-355680">
+              <a:lnSpc>
+                <a:spcPct val="100000"/>
+              </a:lnSpc>
+              <a:spcBef>
+                <a:spcPts val="799"/>
+              </a:spcBef>
+              <a:buNone/>
               <a:tabLst>
                 <a:tab algn="l" pos="0"/>
               </a:tabLst>
@@ -10965,80 +11250,31 @@
                 </a:solidFill>
                 <a:latin typeface="Arial"/>
               </a:rPr>
-              <a:t>La dosimétrie désigne </a:t>
-            </a:r>
-            <a:r>
-              <a:rPr b="0" lang="fr-FR" sz="2800" spc="-1" strike="noStrike" u="sng">
-                <a:solidFill>
-                  <a:srgbClr val="000000"/>
-                </a:solidFill>
-                <a:uFillTx/>
-                <a:latin typeface="Arial"/>
-              </a:rPr>
-              <a:t>le calcul de la répartition de la dose dans l'organisme</a:t>
-            </a:r>
-            <a:r>
-              <a:rPr b="0" lang="fr-FR" sz="2800" spc="-1" strike="noStrike">
-                <a:solidFill>
-                  <a:srgbClr val="000000"/>
-                </a:solidFill>
-                <a:latin typeface="Arial"/>
-              </a:rPr>
-              <a:t>, en vue de déterminer la balistique optimale de traitement .</a:t>
+              <a:t>La dosimétrie permet d’agir sur le:</a:t>
             </a:r>
             <a:endParaRPr b="0" lang="en-US" sz="2800" spc="-1" strike="noStrike">
               <a:latin typeface="Arial"/>
             </a:endParaRPr>
           </a:p>
           <a:p>
-            <a:pPr>
-              <a:lnSpc>
-                <a:spcPct val="100000"/>
-              </a:lnSpc>
-              <a:spcBef>
-                <a:spcPts val="1199"/>
-              </a:spcBef>
-              <a:buNone/>
-              <a:tabLst>
-                <a:tab algn="l" pos="0"/>
-              </a:tabLst>
-            </a:pPr>
-            <a:endParaRPr b="0" lang="en-US" sz="1200" spc="-1" strike="noStrike">
-              <a:latin typeface="Arial"/>
-            </a:endParaRPr>
-          </a:p>
-          <a:p>
-            <a:pPr marL="343080" indent="-343080">
-              <a:lnSpc>
-                <a:spcPct val="100000"/>
-              </a:lnSpc>
-              <a:spcBef>
-                <a:spcPts val="1199"/>
-              </a:spcBef>
-              <a:buClr>
-                <a:srgbClr val="000000"/>
-              </a:buClr>
-              <a:buFont typeface="Wingdings 2" charset="2"/>
-              <a:buChar char=""/>
-              <a:tabLst>
-                <a:tab algn="l" pos="0"/>
-              </a:tabLst>
-            </a:pPr>
-            <a:r>
-              <a:rPr b="0" lang="fr-FR" sz="2800" spc="-1" strike="noStrike">
-                <a:solidFill>
-                  <a:srgbClr val="000000"/>
-                </a:solidFill>
-                <a:latin typeface="Arial"/>
-              </a:rPr>
-              <a:t>Elle a pour objectif de :</a:t>
-            </a:r>
-            <a:endParaRPr b="0" lang="en-US" sz="2800" spc="-1" strike="noStrike">
-              <a:latin typeface="Arial"/>
-            </a:endParaRPr>
-          </a:p>
-          <a:p>
-            <a:pPr marL="513720">
+            <a:pPr marL="355680" indent="-355680">
+              <a:lnSpc>
+                <a:spcPct val="100000"/>
+              </a:lnSpc>
+              <a:spcBef>
+                <a:spcPts val="799"/>
+              </a:spcBef>
+              <a:buNone/>
+              <a:tabLst>
+                <a:tab algn="l" pos="0"/>
+              </a:tabLst>
+            </a:pPr>
+            <a:endParaRPr b="0" lang="en-US" sz="800" spc="-1" strike="noStrike">
+              <a:latin typeface="Arial"/>
+            </a:endParaRPr>
+          </a:p>
+          <a:p>
+            <a:pPr marL="970920" indent="-324000">
               <a:lnSpc>
                 <a:spcPct val="100000"/>
               </a:lnSpc>
@@ -11061,7 +11297,16 @@
                 </a:solidFill>
                 <a:latin typeface="Arial"/>
               </a:rPr>
-              <a:t>Couvrir le </a:t>
+              <a:t> </a:t>
+            </a:r>
+            <a:r>
+              <a:rPr b="0" lang="fr-FR" sz="2800" spc="-1" strike="noStrike">
+                <a:solidFill>
+                  <a:srgbClr val="000000"/>
+                </a:solidFill>
+                <a:latin typeface="Arial"/>
+              </a:rPr>
+              <a:t>Choix de l'isocentre (≈ </a:t>
             </a:r>
             <a:r>
               <a:rPr b="1" lang="fr-FR" sz="2800" spc="-1" strike="noStrike">
@@ -11070,7 +11315,7 @@
                 </a:solidFill>
                 <a:latin typeface="Arial"/>
               </a:rPr>
-              <a:t>volume cible</a:t>
+              <a:t>simulation</a:t>
             </a:r>
             <a:r>
               <a:rPr b="0" lang="fr-FR" sz="2800" spc="-1" strike="noStrike">
@@ -11079,23 +11324,14 @@
                 </a:solidFill>
                 <a:latin typeface="Arial"/>
               </a:rPr>
-              <a:t> par </a:t>
-            </a:r>
-            <a:r>
-              <a:rPr b="1" lang="fr-FR" sz="2800" spc="-1" strike="noStrike">
-                <a:solidFill>
-                  <a:srgbClr val="000000"/>
-                </a:solidFill>
-                <a:latin typeface="Arial"/>
-              </a:rPr>
-              <a:t>les isodoses </a:t>
+              <a:t>)</a:t>
             </a:r>
             <a:endParaRPr b="0" lang="en-US" sz="2800" spc="-1" strike="noStrike">
               <a:latin typeface="Arial"/>
             </a:endParaRPr>
           </a:p>
           <a:p>
-            <a:pPr marL="513720">
+            <a:pPr marL="970920" indent="-324000">
               <a:lnSpc>
                 <a:spcPct val="100000"/>
               </a:lnSpc>
@@ -11118,31 +11354,23 @@
                 </a:solidFill>
                 <a:latin typeface="Arial"/>
               </a:rPr>
-              <a:t>95-107 % (dose  homogène).</a:t>
+              <a:t> </a:t>
+            </a:r>
+            <a:r>
+              <a:rPr b="0" lang="fr-FR" sz="2800" spc="-1" strike="noStrike">
+                <a:solidFill>
+                  <a:srgbClr val="000000"/>
+                </a:solidFill>
+                <a:latin typeface="Arial"/>
+              </a:rPr>
+              <a:t>Nombre de faisceaux,</a:t>
             </a:r>
             <a:endParaRPr b="0" lang="en-US" sz="2800" spc="-1" strike="noStrike">
               <a:latin typeface="Arial"/>
             </a:endParaRPr>
           </a:p>
           <a:p>
-            <a:pPr marL="513720">
-              <a:lnSpc>
-                <a:spcPct val="100000"/>
-              </a:lnSpc>
-              <a:spcBef>
-                <a:spcPts val="1199"/>
-              </a:spcBef>
-              <a:buNone/>
-              <a:tabLst>
-                <a:tab algn="l" pos="0"/>
-              </a:tabLst>
-            </a:pPr>
-            <a:endParaRPr b="0" lang="en-US" sz="800" spc="-1" strike="noStrike">
-              <a:latin typeface="Arial"/>
-            </a:endParaRPr>
-          </a:p>
-          <a:p>
-            <a:pPr marL="513720">
+            <a:pPr marL="970920" indent="-324000">
               <a:lnSpc>
                 <a:spcPct val="100000"/>
               </a:lnSpc>
@@ -11165,16 +11393,7 @@
                 </a:solidFill>
                 <a:latin typeface="Arial"/>
               </a:rPr>
-              <a:t>Ne pas dépasser les </a:t>
-            </a:r>
-            <a:r>
-              <a:rPr b="1" lang="fr-FR" sz="2800" spc="-1" strike="noStrike">
-                <a:solidFill>
-                  <a:srgbClr val="000000"/>
-                </a:solidFill>
-                <a:latin typeface="Arial"/>
-              </a:rPr>
-              <a:t>doses seuils</a:t>
+              <a:t> </a:t>
             </a:r>
             <a:r>
               <a:rPr b="0" lang="fr-FR" sz="2800" spc="-1" strike="noStrike">
@@ -11183,43 +11402,7 @@
                 </a:solidFill>
                 <a:latin typeface="Arial"/>
               </a:rPr>
-              <a:t> pour </a:t>
-            </a:r>
-            <a:r>
-              <a:rPr b="1" lang="fr-FR" sz="2800" spc="-1" strike="noStrike">
-                <a:solidFill>
-                  <a:srgbClr val="000000"/>
-                </a:solidFill>
-                <a:latin typeface="Arial"/>
-              </a:rPr>
-              <a:t>les organes à risque</a:t>
-            </a:r>
-            <a:r>
-              <a:rPr b="0" lang="fr-FR" sz="2800" spc="-1" strike="noStrike">
-                <a:solidFill>
-                  <a:srgbClr val="000000"/>
-                </a:solidFill>
-                <a:latin typeface="Arial"/>
-              </a:rPr>
-              <a:t> (</a:t>
-            </a:r>
-            <a:r>
-              <a:rPr b="1" lang="fr-FR" sz="2800" spc="-1" strike="noStrike">
-                <a:solidFill>
-                  <a:srgbClr val="000000"/>
-                </a:solidFill>
-                <a:latin typeface="Arial"/>
-              </a:rPr>
-              <a:t>OAR)</a:t>
-            </a:r>
-            <a:r>
-              <a:rPr b="0" lang="fr-FR" sz="2800" spc="-1" strike="noStrike">
-                <a:solidFill>
-                  <a:srgbClr val="000000"/>
-                </a:solidFill>
-                <a:latin typeface="Arial"/>
-              </a:rPr>
-              <a:t> situés à proximité .</a:t>
+              <a:t>Type et énergie de rayonnement.</a:t>
             </a:r>
             <a:endParaRPr b="0" lang="en-US" sz="2800" spc="-1" strike="noStrike">
               <a:latin typeface="Arial"/>
@@ -11238,7 +11421,7 @@
                 <a:tab algn="l" pos="0"/>
               </a:tabLst>
             </a:pPr>
-            <a:endParaRPr b="0" lang="en-US" sz="2800" spc="-1" strike="noStrike">
+            <a:endParaRPr b="0" lang="en-US" sz="1400" spc="-1" strike="noStrike">
               <a:latin typeface="Arial"/>
             </a:endParaRPr>
           </a:p>
@@ -11255,7 +11438,7 @@
                 <a:tab algn="l" pos="0"/>
               </a:tabLst>
             </a:pPr>
-            <a:endParaRPr b="0" lang="en-US" sz="2800" spc="-1" strike="noStrike">
+            <a:endParaRPr b="0" lang="en-US" sz="1400" spc="-1" strike="noStrike">
               <a:latin typeface="Arial"/>
             </a:endParaRPr>
           </a:p>
@@ -11272,7 +11455,7 @@
                 <a:tab algn="l" pos="0"/>
               </a:tabLst>
             </a:pPr>
-            <a:endParaRPr b="0" lang="en-US" sz="2800" spc="-1" strike="noStrike">
+            <a:endParaRPr b="0" lang="en-US" sz="1400" spc="-1" strike="noStrike">
               <a:latin typeface="Arial"/>
             </a:endParaRPr>
           </a:p>
@@ -11310,7 +11493,7 @@
       </p:grpSpPr>
       <p:sp>
         <p:nvSpPr>
-          <p:cNvPr id="168" name="PlaceHolder 1"/>
+          <p:cNvPr id="165" name="PlaceHolder 1"/>
           <p:cNvSpPr>
             <a:spLocks noGrp="1"/>
           </p:cNvSpPr>
@@ -11321,7 +11504,7 @@
         <p:spPr>
           <a:xfrm>
             <a:off x="228600" y="228600"/>
-            <a:ext cx="8782560" cy="6855480"/>
+            <a:ext cx="8781840" cy="6854760"/>
           </a:xfrm>
           <a:prstGeom prst="rect">
             <a:avLst/>
@@ -11372,25 +11555,47 @@
                 </a:solidFill>
                 <a:latin typeface="Arial"/>
               </a:rPr>
-              <a:t>Dosimétrie:</a:t>
+              <a:t>TPS (Treatment Planning System):</a:t>
             </a:r>
             <a:endParaRPr b="0" lang="en-US" sz="2800" spc="-1" strike="noStrike">
               <a:latin typeface="Arial"/>
             </a:endParaRPr>
           </a:p>
           <a:p>
-            <a:pPr marL="355680" indent="-355680">
+            <a:pPr marL="228600" indent="-324000">
               <a:lnSpc>
                 <a:spcPct val="100000"/>
               </a:lnSpc>
               <a:spcBef>
                 <a:spcPts val="799"/>
               </a:spcBef>
-              <a:buNone/>
-              <a:tabLst>
-                <a:tab algn="l" pos="0"/>
-              </a:tabLst>
-            </a:pPr>
+              <a:buClr>
+                <a:srgbClr val="000000"/>
+              </a:buClr>
+              <a:buFont typeface="Wingdings 2" charset="2"/>
+              <a:buChar char=""/>
+              <a:tabLst>
+                <a:tab algn="l" pos="0"/>
+              </a:tabLst>
+            </a:pPr>
+            <a:r>
+              <a:rPr b="1" lang="fr-FR" sz="2800" spc="-1" strike="noStrike">
+                <a:solidFill>
+                  <a:srgbClr val="000000"/>
+                </a:solidFill>
+                <a:latin typeface="Arial"/>
+              </a:rPr>
+              <a:t> </a:t>
+            </a:r>
+            <a:r>
+              <a:rPr b="1" lang="fr-FR" sz="2800" spc="-1" strike="noStrike">
+                <a:solidFill>
+                  <a:srgbClr val="000000"/>
+                </a:solidFill>
+                <a:latin typeface="Arial"/>
+              </a:rPr>
+              <a:t>Logiciels</a:t>
+            </a:r>
             <a:r>
               <a:rPr b="0" lang="fr-FR" sz="2800" spc="-1" strike="noStrike">
                 <a:solidFill>
@@ -11398,36 +11603,58 @@
                 </a:solidFill>
                 <a:latin typeface="Arial"/>
               </a:rPr>
-              <a:t>La dosimétrie permet d’agir sur le:</a:t>
+              <a:t> dédiés à la préparation des plans de traitement de radiothérapie </a:t>
             </a:r>
             <a:endParaRPr b="0" lang="en-US" sz="2800" spc="-1" strike="noStrike">
               <a:latin typeface="Arial"/>
             </a:endParaRPr>
           </a:p>
           <a:p>
-            <a:pPr marL="355680" indent="-355680">
+            <a:pPr marL="228600" indent="-324000">
               <a:lnSpc>
                 <a:spcPct val="100000"/>
               </a:lnSpc>
               <a:spcBef>
                 <a:spcPts val="799"/>
               </a:spcBef>
-              <a:buNone/>
-              <a:tabLst>
-                <a:tab algn="l" pos="0"/>
-              </a:tabLst>
-            </a:pPr>
-            <a:endParaRPr b="0" lang="en-US" sz="800" spc="-1" strike="noStrike">
-              <a:latin typeface="Arial"/>
-            </a:endParaRPr>
-          </a:p>
-          <a:p>
-            <a:pPr marL="970920">
-              <a:lnSpc>
-                <a:spcPct val="100000"/>
-              </a:lnSpc>
-              <a:spcBef>
-                <a:spcPts val="1199"/>
+              <a:buClr>
+                <a:srgbClr val="000000"/>
+              </a:buClr>
+              <a:buFont typeface="Wingdings 2" charset="2"/>
+              <a:buChar char=""/>
+              <a:tabLst>
+                <a:tab algn="l" pos="0"/>
+              </a:tabLst>
+            </a:pPr>
+            <a:r>
+              <a:rPr b="0" lang="fr-FR" sz="2800" spc="-1" strike="noStrike">
+                <a:solidFill>
+                  <a:srgbClr val="000000"/>
+                </a:solidFill>
+                <a:latin typeface="Arial"/>
+              </a:rPr>
+              <a:t> </a:t>
+            </a:r>
+            <a:r>
+              <a:rPr b="0" lang="fr-FR" sz="2800" spc="-1" strike="noStrike">
+                <a:solidFill>
+                  <a:srgbClr val="000000"/>
+                </a:solidFill>
+                <a:latin typeface="Arial"/>
+              </a:rPr>
+              <a:t>Permet de calculer la distribution de dose dans le patient, pour les faisceaux du centre dans lequel le patient est traité</a:t>
+            </a:r>
+            <a:endParaRPr b="0" lang="en-US" sz="2800" spc="-1" strike="noStrike">
+              <a:latin typeface="Arial"/>
+            </a:endParaRPr>
+          </a:p>
+          <a:p>
+            <a:pPr marL="513720" indent="-324000">
+              <a:lnSpc>
+                <a:spcPct val="100000"/>
+              </a:lnSpc>
+              <a:spcBef>
+                <a:spcPts val="799"/>
               </a:spcBef>
               <a:buClr>
                 <a:srgbClr val="000000"/>
@@ -11454,37 +11681,19 @@
                 </a:solidFill>
                 <a:latin typeface="Arial"/>
               </a:rPr>
-              <a:t>Choix de l'isocentre (≈ </a:t>
-            </a:r>
-            <a:r>
-              <a:rPr b="1" lang="fr-FR" sz="2800" spc="-1" strike="noStrike">
-                <a:solidFill>
-                  <a:srgbClr val="000000"/>
-                </a:solidFill>
-                <a:latin typeface="Arial"/>
-              </a:rPr>
-              <a:t>simulation</a:t>
-            </a:r>
-            <a:r>
-              <a:rPr b="0" lang="fr-FR" sz="2800" spc="-1" strike="noStrike">
-                <a:solidFill>
-                  <a:srgbClr val="000000"/>
-                </a:solidFill>
-                <a:latin typeface="Arial"/>
-              </a:rPr>
-              <a:t>)</a:t>
+              <a:t>Création de faisceaux</a:t>
             </a:r>
             <a:endParaRPr b="0" lang="en-US" sz="2800" spc="-1" strike="noStrike">
               <a:latin typeface="Arial"/>
             </a:endParaRPr>
           </a:p>
           <a:p>
-            <a:pPr marL="970920">
-              <a:lnSpc>
-                <a:spcPct val="100000"/>
-              </a:lnSpc>
-              <a:spcBef>
-                <a:spcPts val="1199"/>
+            <a:pPr marL="513720" indent="-324000">
+              <a:lnSpc>
+                <a:spcPct val="100000"/>
+              </a:lnSpc>
+              <a:spcBef>
+                <a:spcPts val="799"/>
               </a:spcBef>
               <a:buClr>
                 <a:srgbClr val="000000"/>
@@ -11511,19 +11720,19 @@
                 </a:solidFill>
                 <a:latin typeface="Arial"/>
               </a:rPr>
-              <a:t>Nombre de faisceaux,</a:t>
+              <a:t>Contrôle leur taille</a:t>
             </a:r>
             <a:endParaRPr b="0" lang="en-US" sz="2800" spc="-1" strike="noStrike">
               <a:latin typeface="Arial"/>
             </a:endParaRPr>
           </a:p>
           <a:p>
-            <a:pPr marL="970920">
-              <a:lnSpc>
-                <a:spcPct val="100000"/>
-              </a:lnSpc>
-              <a:spcBef>
-                <a:spcPts val="1199"/>
+            <a:pPr marL="513720" indent="-324000">
+              <a:lnSpc>
+                <a:spcPct val="100000"/>
+              </a:lnSpc>
+              <a:spcBef>
+                <a:spcPts val="799"/>
               </a:spcBef>
               <a:buClr>
                 <a:srgbClr val="000000"/>
@@ -11550,65 +11759,115 @@
                 </a:solidFill>
                 <a:latin typeface="Arial"/>
               </a:rPr>
-              <a:t>Type et énergie de rayonnement.</a:t>
+              <a:t>L’angle du bras</a:t>
             </a:r>
             <a:endParaRPr b="0" lang="en-US" sz="2800" spc="-1" strike="noStrike">
               <a:latin typeface="Arial"/>
             </a:endParaRPr>
           </a:p>
           <a:p>
-            <a:pPr>
-              <a:lnSpc>
-                <a:spcPct val="100000"/>
-              </a:lnSpc>
-              <a:spcBef>
-                <a:spcPts val="1199"/>
-              </a:spcBef>
-              <a:buNone/>
-              <a:tabLst>
-                <a:tab algn="l" pos="0"/>
-              </a:tabLst>
-            </a:pPr>
-            <a:endParaRPr b="0" lang="en-US" sz="1400" spc="-1" strike="noStrike">
-              <a:latin typeface="Arial"/>
-            </a:endParaRPr>
-          </a:p>
-          <a:p>
-            <a:pPr>
-              <a:lnSpc>
-                <a:spcPct val="100000"/>
-              </a:lnSpc>
-              <a:spcBef>
-                <a:spcPts val="519"/>
-              </a:spcBef>
-              <a:buNone/>
-              <a:tabLst>
-                <a:tab algn="l" pos="0"/>
-              </a:tabLst>
-            </a:pPr>
-            <a:endParaRPr b="0" lang="en-US" sz="1400" spc="-1" strike="noStrike">
-              <a:latin typeface="Arial"/>
-            </a:endParaRPr>
-          </a:p>
-          <a:p>
-            <a:pPr>
-              <a:lnSpc>
-                <a:spcPct val="100000"/>
-              </a:lnSpc>
-              <a:spcBef>
-                <a:spcPts val="519"/>
-              </a:spcBef>
-              <a:buNone/>
-              <a:tabLst>
-                <a:tab algn="l" pos="0"/>
-              </a:tabLst>
-            </a:pPr>
-            <a:endParaRPr b="0" lang="en-US" sz="1400" spc="-1" strike="noStrike">
+            <a:pPr marL="513720" indent="-324000">
+              <a:lnSpc>
+                <a:spcPct val="100000"/>
+              </a:lnSpc>
+              <a:spcBef>
+                <a:spcPts val="799"/>
+              </a:spcBef>
+              <a:buClr>
+                <a:srgbClr val="000000"/>
+              </a:buClr>
+              <a:buFont typeface="Source Serif Pro"/>
+              <a:buChar char=""/>
+              <a:tabLst>
+                <a:tab algn="l" pos="0"/>
+              </a:tabLst>
+            </a:pPr>
+            <a:r>
+              <a:rPr b="0" lang="fr-FR" sz="2800" spc="-1" strike="noStrike">
+                <a:solidFill>
+                  <a:srgbClr val="000000"/>
+                </a:solidFill>
+                <a:latin typeface="Arial"/>
+              </a:rPr>
+              <a:t> </a:t>
+            </a:r>
+            <a:r>
+              <a:rPr b="0" lang="fr-FR" sz="2800" spc="-1" strike="noStrike">
+                <a:solidFill>
+                  <a:srgbClr val="000000"/>
+                </a:solidFill>
+                <a:latin typeface="Arial"/>
+              </a:rPr>
+              <a:t>Création de filtres</a:t>
+            </a:r>
+            <a:endParaRPr b="0" lang="en-US" sz="2800" spc="-1" strike="noStrike">
+              <a:latin typeface="Arial"/>
+            </a:endParaRPr>
+          </a:p>
+          <a:p>
+            <a:pPr marL="513720" indent="-324000">
+              <a:lnSpc>
+                <a:spcPct val="100000"/>
+              </a:lnSpc>
+              <a:spcBef>
+                <a:spcPts val="799"/>
+              </a:spcBef>
+              <a:buClr>
+                <a:srgbClr val="000000"/>
+              </a:buClr>
+              <a:buFont typeface="Source Serif Pro"/>
+              <a:buChar char=""/>
+              <a:tabLst>
+                <a:tab algn="l" pos="0"/>
+              </a:tabLst>
+            </a:pPr>
+            <a:r>
+              <a:rPr b="0" lang="fr-FR" sz="2800" spc="-1" strike="noStrike">
+                <a:solidFill>
+                  <a:srgbClr val="000000"/>
+                </a:solidFill>
+                <a:latin typeface="Arial"/>
+              </a:rPr>
+              <a:t> </a:t>
+            </a:r>
+            <a:r>
+              <a:rPr b="0" lang="fr-FR" sz="2800" spc="-1" strike="noStrike">
+                <a:solidFill>
+                  <a:srgbClr val="000000"/>
+                </a:solidFill>
+                <a:latin typeface="Arial"/>
+              </a:rPr>
+              <a:t>Calcul de la dose</a:t>
+            </a:r>
+            <a:endParaRPr b="0" lang="en-US" sz="2800" spc="-1" strike="noStrike">
               <a:latin typeface="Arial"/>
             </a:endParaRPr>
           </a:p>
         </p:txBody>
       </p:sp>
+      <p:pic>
+        <p:nvPicPr>
+          <p:cNvPr id="166" name="" descr=""/>
+          <p:cNvPicPr/>
+          <p:nvPr/>
+        </p:nvPicPr>
+        <p:blipFill>
+          <a:blip r:embed="rId1"/>
+          <a:stretch/>
+        </p:blipFill>
+        <p:spPr>
+          <a:xfrm>
+            <a:off x="5411880" y="3282840"/>
+            <a:ext cx="3598560" cy="2960280"/>
+          </a:xfrm>
+          <a:prstGeom prst="rect">
+            <a:avLst/>
+          </a:prstGeom>
+          <a:ln w="0">
+            <a:noFill/>
+          </a:ln>
+        </p:spPr>
+      </p:pic>
     </p:spTree>
   </p:cSld>
   <mc:AlternateContent>
@@ -11641,7 +11900,7 @@
       </p:grpSpPr>
       <p:sp>
         <p:nvSpPr>
-          <p:cNvPr id="169" name="PlaceHolder 1"/>
+          <p:cNvPr id="167" name="PlaceHolder 1"/>
           <p:cNvSpPr>
             <a:spLocks noGrp="1"/>
           </p:cNvSpPr>
@@ -11652,7 +11911,7 @@
         <p:spPr>
           <a:xfrm>
             <a:off x="228600" y="228600"/>
-            <a:ext cx="8782560" cy="6855480"/>
+            <a:ext cx="9142920" cy="6854760"/>
           </a:xfrm>
           <a:prstGeom prst="rect">
             <a:avLst/>
@@ -11703,19 +11962,19 @@
                 </a:solidFill>
                 <a:latin typeface="Arial"/>
               </a:rPr>
-              <a:t>TPS (Treatment Planning System):</a:t>
+              <a:t>Traitement:</a:t>
             </a:r>
             <a:endParaRPr b="0" lang="en-US" sz="2800" spc="-1" strike="noStrike">
               <a:latin typeface="Arial"/>
             </a:endParaRPr>
           </a:p>
           <a:p>
-            <a:pPr marL="228600" indent="-324000">
-              <a:lnSpc>
-                <a:spcPct val="100000"/>
-              </a:lnSpc>
-              <a:spcBef>
-                <a:spcPts val="799"/>
+            <a:pPr marL="343080" indent="-343080">
+              <a:lnSpc>
+                <a:spcPct val="100000"/>
+              </a:lnSpc>
+              <a:spcBef>
+                <a:spcPts val="1199"/>
               </a:spcBef>
               <a:buClr>
                 <a:srgbClr val="000000"/>
@@ -11727,22 +11986,14 @@
               </a:tabLst>
             </a:pPr>
             <a:r>
-              <a:rPr b="1" lang="fr-FR" sz="2800" spc="-1" strike="noStrike">
-                <a:solidFill>
-                  <a:srgbClr val="000000"/>
-                </a:solidFill>
-                <a:latin typeface="Arial"/>
-              </a:rPr>
-              <a:t> </a:t>
-            </a:r>
-            <a:r>
-              <a:rPr b="1" lang="fr-FR" sz="2800" spc="-1" strike="noStrike">
-                <a:solidFill>
-                  <a:srgbClr val="000000"/>
-                </a:solidFill>
-                <a:latin typeface="Arial"/>
-              </a:rPr>
-              <a:t>Logiciels</a:t>
+              <a:rPr b="0" lang="fr-FR" sz="2800" spc="-1" strike="noStrike" u="sng">
+                <a:solidFill>
+                  <a:srgbClr val="000000"/>
+                </a:solidFill>
+                <a:uFillTx/>
+                <a:latin typeface="Arial"/>
+              </a:rPr>
+              <a:t>Transfert</a:t>
             </a:r>
             <a:r>
               <a:rPr b="0" lang="fr-FR" sz="2800" spc="-1" strike="noStrike">
@@ -11751,28 +12002,19 @@
                 </a:solidFill>
                 <a:latin typeface="Arial"/>
               </a:rPr>
-              <a:t> dédiés à la préparation des plans de </a:t>
-            </a:r>
-            <a:r>
-              <a:rPr b="0" lang="fr-FR" sz="2800" spc="-1" strike="noStrike">
-                <a:solidFill>
-                  <a:srgbClr val="000000"/>
-                </a:solidFill>
-                <a:latin typeface="Arial"/>
-              </a:rPr>
-              <a:t>traitement de radiothérapie </a:t>
+              <a:t> des données de la dosimétrie vers le poste de traitement.</a:t>
             </a:r>
             <a:endParaRPr b="0" lang="en-US" sz="2800" spc="-1" strike="noStrike">
               <a:latin typeface="Arial"/>
             </a:endParaRPr>
           </a:p>
           <a:p>
-            <a:pPr marL="228600" indent="-324000">
-              <a:lnSpc>
-                <a:spcPct val="100000"/>
-              </a:lnSpc>
-              <a:spcBef>
-                <a:spcPts val="799"/>
+            <a:pPr marL="343080" indent="-343080">
+              <a:lnSpc>
+                <a:spcPct val="100000"/>
+              </a:lnSpc>
+              <a:spcBef>
+                <a:spcPts val="1199"/>
               </a:spcBef>
               <a:buClr>
                 <a:srgbClr val="000000"/>
@@ -11790,52 +12032,25 @@
                 </a:solidFill>
                 <a:latin typeface="Arial"/>
               </a:rPr>
-              <a:t> </a:t>
-            </a:r>
-            <a:r>
-              <a:rPr b="0" lang="fr-FR" sz="2800" spc="-1" strike="noStrike">
-                <a:solidFill>
-                  <a:srgbClr val="000000"/>
-                </a:solidFill>
-                <a:latin typeface="Arial"/>
-              </a:rPr>
-              <a:t>Permet de calculer la distribution de dose dans le </a:t>
-            </a:r>
-            <a:r>
-              <a:rPr b="0" lang="fr-FR" sz="2800" spc="-1" strike="noStrike">
-                <a:solidFill>
-                  <a:srgbClr val="000000"/>
-                </a:solidFill>
-                <a:latin typeface="Arial"/>
-              </a:rPr>
-              <a:t>patient, pour les faisceaux du centre dans lequel le </a:t>
-            </a:r>
-            <a:r>
-              <a:rPr b="0" lang="fr-FR" sz="2800" spc="-1" strike="noStrike">
-                <a:solidFill>
-                  <a:srgbClr val="000000"/>
-                </a:solidFill>
-                <a:latin typeface="Arial"/>
-              </a:rPr>
-              <a:t>patient est traité</a:t>
+              <a:t>vmat/imrt ???</a:t>
             </a:r>
             <a:endParaRPr b="0" lang="en-US" sz="2800" spc="-1" strike="noStrike">
               <a:latin typeface="Arial"/>
             </a:endParaRPr>
           </a:p>
           <a:p>
-            <a:pPr marL="399600">
-              <a:lnSpc>
-                <a:spcPct val="100000"/>
-              </a:lnSpc>
-              <a:spcBef>
-                <a:spcPts val="799"/>
+            <a:pPr marL="343080" indent="-343080" algn="just">
+              <a:lnSpc>
+                <a:spcPct val="100000"/>
+              </a:lnSpc>
+              <a:spcBef>
+                <a:spcPts val="1199"/>
               </a:spcBef>
               <a:buClr>
                 <a:srgbClr val="000000"/>
               </a:buClr>
-              <a:buFont typeface="Source Serif Pro"/>
-              <a:buChar char=""/>
+              <a:buFont typeface="Wingdings 2" charset="2"/>
+              <a:buChar char=""/>
               <a:tabLst>
                 <a:tab algn="l" pos="0"/>
               </a:tabLst>
@@ -11847,7 +12062,17 @@
                 </a:solidFill>
                 <a:latin typeface="Arial"/>
               </a:rPr>
-              <a:t> </a:t>
+              <a:t>Il fournit d'une manière </a:t>
+            </a:r>
+            <a:r>
+              <a:rPr b="0" lang="fr-FR" sz="2800" spc="-1" strike="noStrike" u="sng">
+                <a:solidFill>
+                  <a:srgbClr val="000000"/>
+                </a:solidFill>
+                <a:uFillTx/>
+                <a:latin typeface="Arial"/>
+              </a:rPr>
+              <a:t>sécurisée</a:t>
             </a:r>
             <a:r>
               <a:rPr b="0" lang="fr-FR" sz="2800" spc="-1" strike="noStrike">
@@ -11856,193 +12081,101 @@
                 </a:solidFill>
                 <a:latin typeface="Arial"/>
               </a:rPr>
-              <a:t>Création de faisceaux</a:t>
+              <a:t> à chaque étape de    l'organisation et de la mise en œuvre de la   radiothérapie </a:t>
+            </a:r>
+            <a:r>
+              <a:rPr b="0" lang="fr-FR" sz="2800" spc="-1" strike="noStrike" u="sng">
+                <a:solidFill>
+                  <a:srgbClr val="000000"/>
+                </a:solidFill>
+                <a:uFillTx/>
+                <a:latin typeface="Arial"/>
+              </a:rPr>
+              <a:t>toutes les informations nécessaires</a:t>
+            </a:r>
+            <a:r>
+              <a:rPr b="0" lang="fr-FR" sz="2800" spc="-1" strike="noStrike">
+                <a:solidFill>
+                  <a:srgbClr val="000000"/>
+                </a:solidFill>
+                <a:latin typeface="Arial"/>
+              </a:rPr>
+              <a:t> au   bon fonctionnement de chaque fonction. </a:t>
             </a:r>
             <a:endParaRPr b="0" lang="en-US" sz="2800" spc="-1" strike="noStrike">
               <a:latin typeface="Arial"/>
             </a:endParaRPr>
           </a:p>
           <a:p>
-            <a:pPr marL="399600">
-              <a:lnSpc>
-                <a:spcPct val="100000"/>
-              </a:lnSpc>
-              <a:spcBef>
-                <a:spcPts val="799"/>
-              </a:spcBef>
-              <a:buClr>
-                <a:srgbClr val="000000"/>
-              </a:buClr>
-              <a:buFont typeface="Source Serif Pro"/>
-              <a:buChar char=""/>
-              <a:tabLst>
-                <a:tab algn="l" pos="0"/>
-              </a:tabLst>
-            </a:pPr>
-            <a:r>
-              <a:rPr b="0" lang="fr-FR" sz="2800" spc="-1" strike="noStrike">
-                <a:solidFill>
-                  <a:srgbClr val="000000"/>
-                </a:solidFill>
-                <a:latin typeface="Arial"/>
-              </a:rPr>
-              <a:t> </a:t>
-            </a:r>
-            <a:r>
-              <a:rPr b="0" lang="fr-FR" sz="2800" spc="-1" strike="noStrike">
-                <a:solidFill>
-                  <a:srgbClr val="000000"/>
-                </a:solidFill>
-                <a:latin typeface="Arial"/>
-              </a:rPr>
-              <a:t>Contrôle leur taille</a:t>
-            </a:r>
-            <a:endParaRPr b="0" lang="en-US" sz="2800" spc="-1" strike="noStrike">
-              <a:latin typeface="Arial"/>
-            </a:endParaRPr>
-          </a:p>
-          <a:p>
-            <a:pPr marL="399600">
-              <a:lnSpc>
-                <a:spcPct val="100000"/>
-              </a:lnSpc>
-              <a:spcBef>
-                <a:spcPts val="799"/>
-              </a:spcBef>
-              <a:buClr>
-                <a:srgbClr val="000000"/>
-              </a:buClr>
-              <a:buFont typeface="Source Serif Pro"/>
-              <a:buChar char=""/>
-              <a:tabLst>
-                <a:tab algn="l" pos="0"/>
-              </a:tabLst>
-            </a:pPr>
-            <a:r>
-              <a:rPr b="0" lang="fr-FR" sz="2800" spc="-1" strike="noStrike">
-                <a:solidFill>
-                  <a:srgbClr val="000000"/>
-                </a:solidFill>
-                <a:latin typeface="Arial"/>
-              </a:rPr>
-              <a:t> </a:t>
-            </a:r>
-            <a:r>
-              <a:rPr b="0" lang="fr-FR" sz="2800" spc="-1" strike="noStrike">
-                <a:solidFill>
-                  <a:srgbClr val="000000"/>
-                </a:solidFill>
-                <a:latin typeface="Arial"/>
-              </a:rPr>
-              <a:t>L’angle du bras</a:t>
-            </a:r>
-            <a:endParaRPr b="0" lang="en-US" sz="2800" spc="-1" strike="noStrike">
-              <a:latin typeface="Arial"/>
-            </a:endParaRPr>
-          </a:p>
-          <a:p>
-            <a:pPr marL="399600">
-              <a:lnSpc>
-                <a:spcPct val="100000"/>
-              </a:lnSpc>
-              <a:spcBef>
-                <a:spcPts val="799"/>
-              </a:spcBef>
-              <a:buClr>
-                <a:srgbClr val="000000"/>
-              </a:buClr>
-              <a:buFont typeface="Source Serif Pro"/>
-              <a:buChar char=""/>
-              <a:tabLst>
-                <a:tab algn="l" pos="0"/>
-              </a:tabLst>
-            </a:pPr>
-            <a:r>
-              <a:rPr b="0" lang="fr-FR" sz="2800" spc="-1" strike="noStrike">
-                <a:solidFill>
-                  <a:srgbClr val="000000"/>
-                </a:solidFill>
-                <a:latin typeface="Arial"/>
-              </a:rPr>
-              <a:t> </a:t>
-            </a:r>
-            <a:r>
-              <a:rPr b="0" lang="fr-FR" sz="2800" spc="-1" strike="noStrike">
-                <a:solidFill>
-                  <a:srgbClr val="000000"/>
-                </a:solidFill>
-                <a:latin typeface="Arial"/>
-              </a:rPr>
-              <a:t>Création de filtres</a:t>
-            </a:r>
-            <a:endParaRPr b="0" lang="en-US" sz="2800" spc="-1" strike="noStrike">
-              <a:latin typeface="Arial"/>
-            </a:endParaRPr>
-          </a:p>
-          <a:p>
-            <a:pPr marL="399600">
-              <a:lnSpc>
-                <a:spcPct val="100000"/>
-              </a:lnSpc>
-              <a:spcBef>
-                <a:spcPts val="799"/>
-              </a:spcBef>
-              <a:buClr>
-                <a:srgbClr val="000000"/>
-              </a:buClr>
-              <a:buFont typeface="Source Serif Pro"/>
-              <a:buChar char=""/>
-              <a:tabLst>
-                <a:tab algn="l" pos="0"/>
-              </a:tabLst>
-            </a:pPr>
-            <a:r>
-              <a:rPr b="0" lang="fr-FR" sz="2800" spc="-1" strike="noStrike">
-                <a:solidFill>
-                  <a:srgbClr val="000000"/>
-                </a:solidFill>
-                <a:latin typeface="Arial"/>
-              </a:rPr>
-              <a:t> </a:t>
-            </a:r>
-            <a:r>
-              <a:rPr b="0" lang="fr-FR" sz="2800" spc="-1" strike="noStrike">
-                <a:solidFill>
-                  <a:srgbClr val="000000"/>
-                </a:solidFill>
-                <a:latin typeface="Arial"/>
-              </a:rPr>
-              <a:t>Calcul de la dose</a:t>
-            </a:r>
-            <a:endParaRPr b="0" lang="en-US" sz="2800" spc="-1" strike="noStrike">
+            <a:pPr>
+              <a:lnSpc>
+                <a:spcPct val="100000"/>
+              </a:lnSpc>
+              <a:spcBef>
+                <a:spcPts val="1199"/>
+              </a:spcBef>
+              <a:buNone/>
+              <a:tabLst>
+                <a:tab algn="l" pos="0"/>
+              </a:tabLst>
+            </a:pPr>
+            <a:endParaRPr b="0" lang="en-US" sz="1400" spc="-1" strike="noStrike">
+              <a:latin typeface="Arial"/>
+            </a:endParaRPr>
+          </a:p>
+          <a:p>
+            <a:pPr>
+              <a:lnSpc>
+                <a:spcPct val="100000"/>
+              </a:lnSpc>
+              <a:spcBef>
+                <a:spcPts val="1199"/>
+              </a:spcBef>
+              <a:buNone/>
+              <a:tabLst>
+                <a:tab algn="l" pos="0"/>
+              </a:tabLst>
+            </a:pPr>
+            <a:endParaRPr b="0" lang="en-US" sz="1400" spc="-1" strike="noStrike">
+              <a:latin typeface="Arial"/>
+            </a:endParaRPr>
+          </a:p>
+          <a:p>
+            <a:pPr>
+              <a:lnSpc>
+                <a:spcPct val="100000"/>
+              </a:lnSpc>
+              <a:spcBef>
+                <a:spcPts val="519"/>
+              </a:spcBef>
+              <a:buNone/>
+              <a:tabLst>
+                <a:tab algn="l" pos="0"/>
+              </a:tabLst>
+            </a:pPr>
+            <a:endParaRPr b="0" lang="en-US" sz="1400" spc="-1" strike="noStrike">
+              <a:latin typeface="Arial"/>
+            </a:endParaRPr>
+          </a:p>
+          <a:p>
+            <a:pPr>
+              <a:lnSpc>
+                <a:spcPct val="100000"/>
+              </a:lnSpc>
+              <a:spcBef>
+                <a:spcPts val="519"/>
+              </a:spcBef>
+              <a:buNone/>
+              <a:tabLst>
+                <a:tab algn="l" pos="0"/>
+              </a:tabLst>
+            </a:pPr>
+            <a:endParaRPr b="0" lang="en-US" sz="1400" spc="-1" strike="noStrike">
               <a:latin typeface="Arial"/>
             </a:endParaRPr>
           </a:p>
         </p:txBody>
       </p:sp>
-      <p:pic>
-        <p:nvPicPr>
-          <p:cNvPr id="170" name="" descr=""/>
-          <p:cNvPicPr/>
-          <p:nvPr/>
-        </p:nvPicPr>
-        <p:blipFill>
-          <a:blip r:embed="rId1"/>
-          <a:stretch/>
-        </p:blipFill>
-        <p:spPr>
-          <a:xfrm>
-            <a:off x="5411880" y="3282840"/>
-            <a:ext cx="3599280" cy="2961000"/>
-          </a:xfrm>
-          <a:prstGeom prst="rect">
-            <a:avLst/>
-          </a:prstGeom>
-          <a:ln w="0">
-            <a:noFill/>
-          </a:ln>
-        </p:spPr>
-      </p:pic>
     </p:spTree>
   </p:cSld>
   <mc:AlternateContent>
@@ -12075,7 +12208,7 @@
       </p:grpSpPr>
       <p:sp>
         <p:nvSpPr>
-          <p:cNvPr id="171" name="PlaceHolder 1"/>
+          <p:cNvPr id="168" name="PlaceHolder 1"/>
           <p:cNvSpPr>
             <a:spLocks noGrp="1"/>
           </p:cNvSpPr>
@@ -12085,8 +12218,8 @@
         </p:nvSpPr>
         <p:spPr>
           <a:xfrm>
-            <a:off x="228600" y="228600"/>
-            <a:ext cx="9143640" cy="6855480"/>
+            <a:off x="611640" y="764640"/>
+            <a:ext cx="8529120" cy="6854760"/>
           </a:xfrm>
           <a:prstGeom prst="rect">
             <a:avLst/>
@@ -12101,7 +12234,7 @@
             <a:noAutofit/>
           </a:bodyPr>
           <a:p>
-            <a:pPr marL="355680" indent="-355680" algn="ctr">
+            <a:pPr marL="343080" indent="-343080" algn="ctr">
               <a:lnSpc>
                 <a:spcPct val="100000"/>
               </a:lnSpc>
@@ -12113,33 +12246,33 @@
                 <a:tab algn="l" pos="0"/>
               </a:tabLst>
             </a:pPr>
-            <a:endParaRPr b="0" lang="en-US" sz="3200" spc="-1" strike="noStrike">
-              <a:latin typeface="Arial"/>
-            </a:endParaRPr>
-          </a:p>
-          <a:p>
-            <a:pPr marL="355680" indent="-355680">
-              <a:lnSpc>
-                <a:spcPct val="100000"/>
-              </a:lnSpc>
-              <a:spcBef>
-                <a:spcPts val="799"/>
-              </a:spcBef>
-              <a:buNone/>
-              <a:tabLst>
-                <a:tab algn="l" pos="0"/>
-              </a:tabLst>
-            </a:pPr>
-            <a:r>
-              <a:rPr b="1" lang="fr-MA" sz="2800" spc="-1" strike="noStrike">
-                <a:solidFill>
-                  <a:srgbClr val="008000"/>
-                </a:solidFill>
-                <a:latin typeface="Arial"/>
-              </a:rPr>
-              <a:t>Traitement:</a:t>
-            </a:r>
-            <a:endParaRPr b="0" lang="en-US" sz="2800" spc="-1" strike="noStrike">
+            <a:r>
+              <a:rPr b="1" lang="fr-MA" sz="4000" spc="-1" strike="noStrike">
+                <a:solidFill>
+                  <a:srgbClr val="2d0cf4"/>
+                </a:solidFill>
+                <a:latin typeface="Arial"/>
+              </a:rPr>
+              <a:t>Conclusion</a:t>
+            </a:r>
+            <a:endParaRPr b="0" lang="en-US" sz="4000" spc="-1" strike="noStrike">
+              <a:latin typeface="Arial"/>
+            </a:endParaRPr>
+          </a:p>
+          <a:p>
+            <a:pPr marL="343080" indent="-343080" algn="ctr">
+              <a:lnSpc>
+                <a:spcPct val="100000"/>
+              </a:lnSpc>
+              <a:spcBef>
+                <a:spcPts val="720"/>
+              </a:spcBef>
+              <a:buNone/>
+              <a:tabLst>
+                <a:tab algn="l" pos="0"/>
+              </a:tabLst>
+            </a:pPr>
+            <a:endParaRPr b="0" lang="en-US" sz="4000" spc="-1" strike="noStrike">
               <a:latin typeface="Arial"/>
             </a:endParaRPr>
           </a:p>
@@ -12148,9 +12281,6 @@
               <a:lnSpc>
                 <a:spcPct val="100000"/>
               </a:lnSpc>
-              <a:spcBef>
-                <a:spcPts val="1199"/>
-              </a:spcBef>
               <a:buClr>
                 <a:srgbClr val="000000"/>
               </a:buClr>
@@ -12161,32 +12291,13 @@
               </a:tabLst>
             </a:pPr>
             <a:r>
-              <a:rPr b="0" lang="fr-FR" sz="2800" spc="-1" strike="noStrike" u="sng">
-                <a:solidFill>
-                  <a:srgbClr val="000000"/>
-                </a:solidFill>
-                <a:uFillTx/>
-                <a:latin typeface="Arial"/>
-              </a:rPr>
-              <a:t>Transfert</a:t>
-            </a:r>
-            <a:r>
               <a:rPr b="0" lang="fr-FR" sz="2800" spc="-1" strike="noStrike">
                 <a:solidFill>
                   <a:srgbClr val="000000"/>
                 </a:solidFill>
                 <a:latin typeface="Arial"/>
               </a:rPr>
-              <a:t> des données de la dosimétrie vers le poste de traitement : </a:t>
-            </a:r>
-            <a:r>
-              <a:rPr b="0" lang="en-US" sz="2800" spc="-1" strike="noStrike">
-                <a:solidFill>
-                  <a:srgbClr val="000000"/>
-                </a:solidFill>
-                <a:latin typeface="Arial"/>
-              </a:rPr>
-              <a:t>Network</a:t>
+              <a:t> </a:t>
             </a:r>
             <a:r>
               <a:rPr b="0" lang="fr-FR" sz="2800" spc="-1" strike="noStrike">
@@ -12195,56 +12306,31 @@
                 </a:solidFill>
                 <a:latin typeface="Arial"/>
               </a:rPr>
-              <a:t> Record &amp; </a:t>
-            </a:r>
-            <a:r>
-              <a:rPr b="0" lang="en-US" sz="2800" spc="-1" strike="noStrike">
-                <a:solidFill>
-                  <a:srgbClr val="000000"/>
-                </a:solidFill>
-                <a:latin typeface="Arial"/>
-              </a:rPr>
-              <a:t>Verify</a:t>
-            </a:r>
-            <a:r>
-              <a:rPr b="0" lang="fr-FR" sz="2800" spc="-1" strike="noStrike">
-                <a:solidFill>
-                  <a:srgbClr val="000000"/>
-                </a:solidFill>
-                <a:latin typeface="Arial"/>
-              </a:rPr>
-              <a:t> (</a:t>
-            </a:r>
-            <a:r>
-              <a:rPr b="1" lang="fr-FR" sz="2800" spc="-1" strike="noStrike">
-                <a:solidFill>
-                  <a:srgbClr val="000000"/>
-                </a:solidFill>
-                <a:latin typeface="Arial"/>
-              </a:rPr>
-              <a:t>R&amp;V</a:t>
-            </a:r>
-            <a:r>
-              <a:rPr b="0" lang="fr-FR" sz="2800" spc="-1" strike="noStrike">
-                <a:solidFill>
-                  <a:srgbClr val="000000"/>
-                </a:solidFill>
-                <a:latin typeface="Arial"/>
-              </a:rPr>
-              <a:t>)</a:t>
+              <a:t>Le VMAT </a:t>
             </a:r>
             <a:endParaRPr b="0" lang="en-US" sz="2800" spc="-1" strike="noStrike">
               <a:latin typeface="Arial"/>
             </a:endParaRPr>
           </a:p>
           <a:p>
+            <a:pPr>
+              <a:lnSpc>
+                <a:spcPct val="100000"/>
+              </a:lnSpc>
+              <a:buNone/>
+              <a:tabLst>
+                <a:tab algn="l" pos="0"/>
+              </a:tabLst>
+            </a:pPr>
+            <a:endParaRPr b="0" lang="en-US" sz="2800" spc="-1" strike="noStrike">
+              <a:latin typeface="Arial"/>
+            </a:endParaRPr>
+          </a:p>
+          <a:p>
             <a:pPr marL="343080" indent="-343080">
               <a:lnSpc>
                 <a:spcPct val="100000"/>
               </a:lnSpc>
-              <a:spcBef>
-                <a:spcPts val="1199"/>
-              </a:spcBef>
               <a:buClr>
                 <a:srgbClr val="000000"/>
               </a:buClr>
@@ -12255,160 +12341,29 @@
               </a:tabLst>
             </a:pPr>
             <a:r>
-              <a:rPr b="1" lang="fr-FR" sz="2800" spc="-1" strike="noStrike">
-                <a:solidFill>
-                  <a:srgbClr val="000000"/>
-                </a:solidFill>
-                <a:latin typeface="Arial"/>
-              </a:rPr>
-              <a:t>R&amp;V : </a:t>
-            </a:r>
-            <a:r>
-              <a:rPr b="0" lang="fr-FR" sz="2800" spc="-1" strike="noStrike">
-                <a:solidFill>
-                  <a:srgbClr val="000000"/>
-                </a:solidFill>
-                <a:latin typeface="Arial"/>
-              </a:rPr>
-              <a:t>système informatique (réseau + logiciel) dédié à la radiothérapie.</a:t>
+              <a:rPr b="0" lang="fr-MA" sz="2800" spc="-1" strike="noStrike">
+                <a:solidFill>
+                  <a:srgbClr val="000000"/>
+                </a:solidFill>
+                <a:latin typeface="Arial"/>
+              </a:rPr>
+              <a:t>S</a:t>
             </a:r>
             <a:endParaRPr b="0" lang="en-US" sz="2800" spc="-1" strike="noStrike">
               <a:latin typeface="Arial"/>
             </a:endParaRPr>
           </a:p>
           <a:p>
-            <a:pPr marL="343080" indent="-343080" algn="just">
-              <a:lnSpc>
-                <a:spcPct val="100000"/>
-              </a:lnSpc>
-              <a:spcBef>
-                <a:spcPts val="1199"/>
-              </a:spcBef>
-              <a:buClr>
-                <a:srgbClr val="000000"/>
-              </a:buClr>
-              <a:buFont typeface="Wingdings 2" charset="2"/>
-              <a:buChar char=""/>
-              <a:tabLst>
-                <a:tab algn="l" pos="0"/>
-              </a:tabLst>
-            </a:pPr>
-            <a:r>
-              <a:rPr b="0" lang="fr-FR" sz="2800" spc="-1" strike="noStrike">
-                <a:solidFill>
-                  <a:srgbClr val="000000"/>
-                </a:solidFill>
-                <a:latin typeface="Arial"/>
-              </a:rPr>
-              <a:t>Il fournit d'une manière </a:t>
-            </a:r>
-            <a:r>
-              <a:rPr b="0" lang="fr-FR" sz="2800" spc="-1" strike="noStrike" u="sng">
-                <a:solidFill>
-                  <a:srgbClr val="000000"/>
-                </a:solidFill>
-                <a:uFillTx/>
-                <a:latin typeface="Arial"/>
-              </a:rPr>
-              <a:t>sécurisée</a:t>
-            </a:r>
-            <a:r>
-              <a:rPr b="0" lang="fr-FR" sz="2800" spc="-1" strike="noStrike">
-                <a:solidFill>
-                  <a:srgbClr val="000000"/>
-                </a:solidFill>
-                <a:latin typeface="Arial"/>
-              </a:rPr>
-              <a:t> à chaque étape de    l'organisation et de la mise en œuvre de la   radiothérapie </a:t>
-            </a:r>
-            <a:r>
-              <a:rPr b="0" lang="fr-FR" sz="2800" spc="-1" strike="noStrike" u="sng">
-                <a:solidFill>
-                  <a:srgbClr val="000000"/>
-                </a:solidFill>
-                <a:uFillTx/>
-                <a:latin typeface="Arial"/>
-              </a:rPr>
-              <a:t>toutes les informations nécessaires</a:t>
-            </a:r>
-            <a:r>
-              <a:rPr b="0" lang="fr-FR" sz="2800" spc="-1" strike="noStrike">
-                <a:solidFill>
-                  <a:srgbClr val="000000"/>
-                </a:solidFill>
-                <a:latin typeface="Arial"/>
-              </a:rPr>
-              <a:t> au   bon fonctionnement de chaque fonction. </a:t>
-            </a:r>
+            <a:pPr rtl="1">
+              <a:lnSpc>
+                <a:spcPct val="100000"/>
+              </a:lnSpc>
+              <a:buNone/>
+              <a:tabLst>
+                <a:tab algn="l" pos="0"/>
+              </a:tabLst>
+            </a:pPr>
             <a:endParaRPr b="0" lang="en-US" sz="2800" spc="-1" strike="noStrike">
-              <a:latin typeface="Arial"/>
-            </a:endParaRPr>
-          </a:p>
-          <a:p>
-            <a:pPr>
-              <a:lnSpc>
-                <a:spcPct val="100000"/>
-              </a:lnSpc>
-              <a:spcBef>
-                <a:spcPts val="1199"/>
-              </a:spcBef>
-              <a:buNone/>
-              <a:tabLst>
-                <a:tab algn="l" pos="0"/>
-              </a:tabLst>
-            </a:pPr>
-            <a:endParaRPr b="0" lang="en-US" sz="1400" spc="-1" strike="noStrike">
-              <a:latin typeface="Arial"/>
-            </a:endParaRPr>
-          </a:p>
-          <a:p>
-            <a:pPr>
-              <a:lnSpc>
-                <a:spcPct val="100000"/>
-              </a:lnSpc>
-              <a:spcBef>
-                <a:spcPts val="1199"/>
-              </a:spcBef>
-              <a:buNone/>
-              <a:tabLst>
-                <a:tab algn="l" pos="0"/>
-              </a:tabLst>
-            </a:pPr>
-            <a:endParaRPr b="0" lang="en-US" sz="1400" spc="-1" strike="noStrike">
-              <a:latin typeface="Arial"/>
-            </a:endParaRPr>
-          </a:p>
-          <a:p>
-            <a:pPr>
-              <a:lnSpc>
-                <a:spcPct val="100000"/>
-              </a:lnSpc>
-              <a:spcBef>
-                <a:spcPts val="519"/>
-              </a:spcBef>
-              <a:buNone/>
-              <a:tabLst>
-                <a:tab algn="l" pos="0"/>
-              </a:tabLst>
-            </a:pPr>
-            <a:endParaRPr b="0" lang="en-US" sz="1400" spc="-1" strike="noStrike">
-              <a:latin typeface="Arial"/>
-            </a:endParaRPr>
-          </a:p>
-          <a:p>
-            <a:pPr>
-              <a:lnSpc>
-                <a:spcPct val="100000"/>
-              </a:lnSpc>
-              <a:spcBef>
-                <a:spcPts val="519"/>
-              </a:spcBef>
-              <a:buNone/>
-              <a:tabLst>
-                <a:tab algn="l" pos="0"/>
-              </a:tabLst>
-            </a:pPr>
-            <a:endParaRPr b="0" lang="en-US" sz="1400" spc="-1" strike="noStrike">
               <a:latin typeface="Arial"/>
             </a:endParaRPr>
           </a:p>
@@ -12446,7 +12401,7 @@
       </p:grpSpPr>
       <p:sp>
         <p:nvSpPr>
-          <p:cNvPr id="172" name="PlaceHolder 1"/>
+          <p:cNvPr id="169" name="PlaceHolder 1"/>
           <p:cNvSpPr>
             <a:spLocks noGrp="1"/>
           </p:cNvSpPr>
@@ -12456,8 +12411,8 @@
         </p:nvSpPr>
         <p:spPr>
           <a:xfrm>
-            <a:off x="611640" y="764640"/>
-            <a:ext cx="8529840" cy="6855480"/>
+            <a:off x="179280" y="44280"/>
+            <a:ext cx="8564400" cy="6497640"/>
           </a:xfrm>
           <a:prstGeom prst="rect">
             <a:avLst/>
@@ -12472,199 +12427,6 @@
             <a:noAutofit/>
           </a:bodyPr>
           <a:p>
-            <a:pPr marL="343080" indent="-343080" algn="ctr">
-              <a:lnSpc>
-                <a:spcPct val="100000"/>
-              </a:lnSpc>
-              <a:spcBef>
-                <a:spcPts val="799"/>
-              </a:spcBef>
-              <a:buNone/>
-              <a:tabLst>
-                <a:tab algn="l" pos="0"/>
-              </a:tabLst>
-            </a:pPr>
-            <a:r>
-              <a:rPr b="1" lang="fr-MA" sz="4000" spc="-1" strike="noStrike">
-                <a:solidFill>
-                  <a:srgbClr val="2d0cf4"/>
-                </a:solidFill>
-                <a:latin typeface="Arial"/>
-              </a:rPr>
-              <a:t>Conclusion</a:t>
-            </a:r>
-            <a:endParaRPr b="0" lang="en-US" sz="4000" spc="-1" strike="noStrike">
-              <a:latin typeface="Arial"/>
-            </a:endParaRPr>
-          </a:p>
-          <a:p>
-            <a:pPr marL="343080" indent="-343080" algn="ctr">
-              <a:lnSpc>
-                <a:spcPct val="100000"/>
-              </a:lnSpc>
-              <a:spcBef>
-                <a:spcPts val="720"/>
-              </a:spcBef>
-              <a:buNone/>
-              <a:tabLst>
-                <a:tab algn="l" pos="0"/>
-              </a:tabLst>
-            </a:pPr>
-            <a:endParaRPr b="0" lang="en-US" sz="4000" spc="-1" strike="noStrike">
-              <a:latin typeface="Arial"/>
-            </a:endParaRPr>
-          </a:p>
-          <a:p>
-            <a:pPr marL="343080" indent="-343080">
-              <a:lnSpc>
-                <a:spcPct val="100000"/>
-              </a:lnSpc>
-              <a:buClr>
-                <a:srgbClr val="000000"/>
-              </a:buClr>
-              <a:buFont typeface="Wingdings 2" charset="2"/>
-              <a:buChar char=""/>
-              <a:tabLst>
-                <a:tab algn="l" pos="0"/>
-              </a:tabLst>
-            </a:pPr>
-            <a:r>
-              <a:rPr b="0" lang="fr-FR" sz="2800" spc="-1" strike="noStrike">
-                <a:solidFill>
-                  <a:srgbClr val="000000"/>
-                </a:solidFill>
-                <a:latin typeface="Arial"/>
-              </a:rPr>
-              <a:t> </a:t>
-            </a:r>
-            <a:r>
-              <a:rPr b="0" lang="fr-FR" sz="2800" spc="-1" strike="noStrike">
-                <a:solidFill>
-                  <a:srgbClr val="000000"/>
-                </a:solidFill>
-                <a:latin typeface="Arial"/>
-              </a:rPr>
-              <a:t>l’</a:t>
-            </a:r>
-            <a:endParaRPr b="0" lang="en-US" sz="2800" spc="-1" strike="noStrike">
-              <a:latin typeface="Arial"/>
-            </a:endParaRPr>
-          </a:p>
-          <a:p>
-            <a:pPr>
-              <a:lnSpc>
-                <a:spcPct val="100000"/>
-              </a:lnSpc>
-              <a:buNone/>
-              <a:tabLst>
-                <a:tab algn="l" pos="0"/>
-              </a:tabLst>
-            </a:pPr>
-            <a:endParaRPr b="0" lang="en-US" sz="2800" spc="-1" strike="noStrike">
-              <a:latin typeface="Arial"/>
-            </a:endParaRPr>
-          </a:p>
-          <a:p>
-            <a:pPr marL="343080" indent="-343080">
-              <a:lnSpc>
-                <a:spcPct val="100000"/>
-              </a:lnSpc>
-              <a:buClr>
-                <a:srgbClr val="000000"/>
-              </a:buClr>
-              <a:buFont typeface="Wingdings 2" charset="2"/>
-              <a:buChar char=""/>
-              <a:tabLst>
-                <a:tab algn="l" pos="0"/>
-              </a:tabLst>
-            </a:pPr>
-            <a:r>
-              <a:rPr b="0" lang="fr-MA" sz="2800" spc="-1" strike="noStrike">
-                <a:solidFill>
-                  <a:srgbClr val="000000"/>
-                </a:solidFill>
-                <a:latin typeface="Arial"/>
-              </a:rPr>
-              <a:t>S</a:t>
-            </a:r>
-            <a:endParaRPr b="0" lang="en-US" sz="2800" spc="-1" strike="noStrike">
-              <a:latin typeface="Arial"/>
-            </a:endParaRPr>
-          </a:p>
-          <a:p>
-            <a:pPr rtl="1">
-              <a:lnSpc>
-                <a:spcPct val="100000"/>
-              </a:lnSpc>
-              <a:buNone/>
-              <a:tabLst>
-                <a:tab algn="l" pos="0"/>
-              </a:tabLst>
-            </a:pPr>
-            <a:endParaRPr b="0" lang="en-US" sz="2800" spc="-1" strike="noStrike">
-              <a:latin typeface="Arial"/>
-            </a:endParaRPr>
-          </a:p>
-        </p:txBody>
-      </p:sp>
-    </p:spTree>
-  </p:cSld>
-  <mc:AlternateContent>
-    <mc:Choice Requires="p14">
-      <p:transition spd="slow" p14:dur="2000"/>
-    </mc:Choice>
-    <mc:Fallback>
-      <p:transition spd="slow"/>
-    </mc:Fallback>
-  </mc:AlternateContent>
-</p:sld>
-</file>
-
-<file path=ppt/slides/slide29.xml><?xml version="1.0" encoding="utf-8"?>
-<p:sld xmlns:a="http://schemas.openxmlformats.org/drawingml/2006/main" xmlns:p="http://schemas.openxmlformats.org/presentationml/2006/main" xmlns:r="http://schemas.openxmlformats.org/officeDocument/2006/relationships" xmlns:p14="http://schemas.microsoft.com/office/powerpoint/2010/main" xmlns:p15="http://schemas.microsoft.com/office/powerpoint/2012/main" xmlns:mc="http://schemas.openxmlformats.org/markup-compatibility/2006">
-  <p:cSld>
-    <p:spTree>
-      <p:nvGrpSpPr>
-        <p:cNvPr id="1" name=""/>
-        <p:cNvGrpSpPr/>
-        <p:nvPr/>
-      </p:nvGrpSpPr>
-      <p:grpSpPr>
-        <a:xfrm>
-          <a:off x="0" y="0"/>
-          <a:ext cx="0" cy="0"/>
-          <a:chOff x="0" y="0"/>
-          <a:chExt cx="0" cy="0"/>
-        </a:xfrm>
-      </p:grpSpPr>
-      <p:sp>
-        <p:nvSpPr>
-          <p:cNvPr id="173" name="PlaceHolder 1"/>
-          <p:cNvSpPr>
-            <a:spLocks noGrp="1"/>
-          </p:cNvSpPr>
-          <p:nvPr>
-            <p:ph/>
-          </p:nvPr>
-        </p:nvSpPr>
-        <p:spPr>
-          <a:xfrm>
-            <a:off x="179280" y="44280"/>
-            <a:ext cx="8565120" cy="6498360"/>
-          </a:xfrm>
-          <a:prstGeom prst="rect">
-            <a:avLst/>
-          </a:prstGeom>
-          <a:noFill/>
-          <a:ln w="0">
-            <a:noFill/>
-          </a:ln>
-        </p:spPr>
-        <p:txBody>
-          <a:bodyPr numCol="1" spcCol="0" lIns="90000" rIns="90000" tIns="45000" bIns="45000" anchor="t">
-            <a:noAutofit/>
-          </a:bodyPr>
-          <a:p>
             <a:pPr algn="just">
               <a:lnSpc>
                 <a:spcPct val="100000"/>
@@ -12830,7 +12592,7 @@
       </p:sp>
       <p:sp>
         <p:nvSpPr>
-          <p:cNvPr id="174" name="PlaceHolder 2"/>
+          <p:cNvPr id="170" name="PlaceHolder 2"/>
           <p:cNvSpPr>
             <a:spLocks noGrp="1"/>
           </p:cNvSpPr>
@@ -12841,7 +12603,7 @@
         <p:spPr>
           <a:xfrm>
             <a:off x="3124080" y="6356520"/>
-            <a:ext cx="2892960" cy="362520"/>
+            <a:ext cx="2892240" cy="361800"/>
           </a:xfrm>
           <a:prstGeom prst="rect">
             <a:avLst/>
@@ -12934,7 +12696,7 @@
         <p:spPr>
           <a:xfrm>
             <a:off x="323280" y="379800"/>
-            <a:ext cx="8566920" cy="5790240"/>
+            <a:ext cx="8566200" cy="5789520"/>
           </a:xfrm>
           <a:prstGeom prst="rect">
             <a:avLst/>
@@ -13207,7 +12969,7 @@
         <p:spPr>
           <a:xfrm>
             <a:off x="179280" y="27000"/>
-            <a:ext cx="9192240" cy="6855480"/>
+            <a:ext cx="9191520" cy="6854760"/>
           </a:xfrm>
           <a:prstGeom prst="rect">
             <a:avLst/>
@@ -13333,25 +13095,7 @@
                 </a:solidFill>
                 <a:latin typeface="Arial"/>
               </a:rPr>
-              <a:t> des   </a:t>
-            </a:r>
-            <a:r>
-              <a:rPr b="0" lang="fr-FR" sz="2800" spc="-1" strike="noStrike">
-                <a:solidFill>
-                  <a:srgbClr val="000000"/>
-                </a:solidFill>
-                <a:latin typeface="Arial"/>
-              </a:rPr>
-              <a:t>cancers, elle consiste à utiliser des rayonnements   </a:t>
-            </a:r>
-            <a:r>
-              <a:rPr b="0" lang="fr-FR" sz="2800" spc="-1" strike="noStrike">
-                <a:solidFill>
-                  <a:srgbClr val="000000"/>
-                </a:solidFill>
-                <a:latin typeface="Arial"/>
-              </a:rPr>
-              <a:t>pour détruire les cellules cancéreuses.</a:t>
+              <a:t> des   cancers, elle consiste à utiliser des rayonnements   pour détruire les cellules cancéreuses.</a:t>
             </a:r>
             <a:endParaRPr b="0" lang="en-US" sz="2800" spc="-1" strike="noStrike">
               <a:latin typeface="Arial"/>
@@ -13417,25 +13161,7 @@
                 </a:solidFill>
                 <a:latin typeface="Arial"/>
               </a:rPr>
-              <a:t> les cellules   </a:t>
-            </a:r>
-            <a:r>
-              <a:rPr b="0" lang="fr-FR" sz="2800" spc="-1" strike="noStrike">
-                <a:solidFill>
-                  <a:srgbClr val="000000"/>
-                </a:solidFill>
-                <a:latin typeface="Arial"/>
-              </a:rPr>
-              <a:t>cancéreuses tout en préservant le mieux possible les   </a:t>
-            </a:r>
-            <a:r>
-              <a:rPr b="0" lang="fr-FR" sz="2800" spc="-1" strike="noStrike">
-                <a:solidFill>
-                  <a:srgbClr val="000000"/>
-                </a:solidFill>
-                <a:latin typeface="Arial"/>
-              </a:rPr>
-              <a:t>tissus sains et les organes avoisinants.</a:t>
+              <a:t> les cellules   cancéreuses tout en préservant le mieux possible les   tissus sains et les organes avoisinants.</a:t>
             </a:r>
             <a:endParaRPr b="0" lang="en-US" sz="2800" spc="-1" strike="noStrike">
               <a:latin typeface="Arial"/>
@@ -13550,7 +13276,7 @@
         <p:spPr>
           <a:xfrm>
             <a:off x="0" y="228600"/>
-            <a:ext cx="9142200" cy="6170400"/>
+            <a:ext cx="9141480" cy="6169680"/>
           </a:xfrm>
           <a:prstGeom prst="rect">
             <a:avLst/>
@@ -13715,7 +13441,28 @@
                 <a:latin typeface="Arial"/>
                 <a:ea typeface="DejaVu Sans"/>
               </a:rPr>
-              <a:t>:  les rayons sont  émis en faisceau par une machine située à  </a:t>
+              <a:t>:  les rayons sont  </a:t>
+            </a:r>
+            <a:r>
+              <a:rPr b="0" lang="fr-FR" sz="2800" spc="-1" strike="noStrike" u="sng">
+                <a:solidFill>
+                  <a:srgbClr val="000000"/>
+                </a:solidFill>
+                <a:uFillTx/>
+                <a:latin typeface="Arial"/>
+                <a:ea typeface="DejaVu Sans"/>
+              </a:rPr>
+              <a:t>émis</a:t>
+            </a:r>
+            <a:r>
+              <a:rPr b="0" lang="fr-FR" sz="2800" spc="-1" strike="noStrike">
+                <a:solidFill>
+                  <a:srgbClr val="000000"/>
+                </a:solidFill>
+                <a:latin typeface="Arial"/>
+                <a:ea typeface="DejaVu Sans"/>
+              </a:rPr>
+              <a:t> en faisceau par une machine située à  </a:t>
             </a:r>
             <a:r>
               <a:rPr b="0" lang="fr-FR" sz="2800" spc="-1" strike="noStrike" u="sng">
@@ -13917,7 +13664,7 @@
         <p:spPr>
           <a:xfrm>
             <a:off x="179280" y="228600"/>
-            <a:ext cx="8782560" cy="6855480"/>
+            <a:ext cx="8781840" cy="6854760"/>
           </a:xfrm>
           <a:prstGeom prst="rect">
             <a:avLst/>
@@ -13949,31 +13696,40 @@
               </a:tabLst>
             </a:pPr>
             <a:r>
+              <a:rPr b="0" lang="fr-FR" sz="2800" spc="-1" strike="sngStrike">
+                <a:solidFill>
+                  <a:srgbClr val="000000"/>
+                </a:solidFill>
+                <a:latin typeface="Arial"/>
+              </a:rPr>
+              <a:t>Aujourd’hui, la </a:t>
+            </a:r>
+            <a:r>
+              <a:rPr b="1" lang="fr-FR" sz="2800" spc="-1" strike="sngStrike">
+                <a:solidFill>
+                  <a:srgbClr val="000000"/>
+                </a:solidFill>
+                <a:latin typeface="Arial"/>
+              </a:rPr>
+              <a:t>RT</a:t>
+            </a:r>
+            <a:r>
+              <a:rPr b="0" lang="fr-FR" sz="2800" spc="-1" strike="sngStrike">
+                <a:solidFill>
+                  <a:srgbClr val="000000"/>
+                </a:solidFill>
+                <a:latin typeface="Arial"/>
+              </a:rPr>
+              <a:t> classique utilise des faisceaux de photons et/ou électrons. </a:t>
+            </a:r>
+            <a:r>
               <a:rPr b="0" lang="fr-FR" sz="2800" spc="-1" strike="noStrike">
                 <a:solidFill>
                   <a:srgbClr val="000000"/>
                 </a:solidFill>
                 <a:latin typeface="Arial"/>
               </a:rPr>
-              <a:t>Aujourd’hui, la </a:t>
-            </a:r>
-            <a:r>
-              <a:rPr b="1" lang="fr-FR" sz="2800" spc="-1" strike="noStrike">
-                <a:solidFill>
-                  <a:srgbClr val="000000"/>
-                </a:solidFill>
-                <a:latin typeface="Arial"/>
-              </a:rPr>
-              <a:t>RT</a:t>
-            </a:r>
-            <a:r>
-              <a:rPr b="0" lang="fr-FR" sz="2800" spc="-1" strike="noStrike">
-                <a:solidFill>
-                  <a:srgbClr val="000000"/>
-                </a:solidFill>
-                <a:latin typeface="Arial"/>
-              </a:rPr>
-              <a:t> classique utilise des faisceaux de photons et/ou électrons.         </a:t>
+              <a:t>        </a:t>
             </a:r>
             <a:endParaRPr b="0" lang="en-US" sz="2800" spc="-1" strike="noStrike">
               <a:latin typeface="Arial"/>
@@ -14093,13 +13849,22 @@
               </a:tabLst>
             </a:pPr>
             <a:r>
+              <a:rPr b="0" lang="fr-FR" sz="2800" spc="-1" strike="sngStrike">
+                <a:solidFill>
+                  <a:srgbClr val="000000"/>
+                </a:solidFill>
+                <a:latin typeface="Arial"/>
+              </a:rPr>
+              <a:t>Aujourd'hui, </a:t>
+            </a:r>
+            <a:r>
               <a:rPr b="0" lang="fr-FR" sz="2800" spc="-1" strike="noStrike">
                 <a:solidFill>
                   <a:srgbClr val="000000"/>
                 </a:solidFill>
                 <a:latin typeface="Arial"/>
               </a:rPr>
-              <a:t>Aujourd'hui, les nouvelles techniques de </a:t>
+              <a:t>les nouvelles techniques de </a:t>
             </a:r>
             <a:r>
               <a:rPr b="1" lang="fr-FR" sz="2800" spc="-1" strike="noStrike">
@@ -14224,8 +13989,8 @@
         </p:nvSpPr>
         <p:spPr>
           <a:xfrm>
-            <a:off x="179280" y="228600"/>
-            <a:ext cx="8782560" cy="6855480"/>
+            <a:off x="228600" y="231480"/>
+            <a:ext cx="8781840" cy="6854760"/>
           </a:xfrm>
           <a:prstGeom prst="rect">
             <a:avLst/>
@@ -14330,95 +14095,51 @@
                 <a:tab algn="l" pos="0"/>
               </a:tabLst>
             </a:pPr>
-            <a:r>
-              <a:rPr b="1" lang="fr-MA" sz="2800" spc="-1" strike="noStrike">
-                <a:solidFill>
-                  <a:srgbClr val="008000"/>
-                </a:solidFill>
-                <a:latin typeface="Arial"/>
-              </a:rPr>
-              <a:t>Definition:</a:t>
-            </a:r>
             <a:endParaRPr b="0" lang="en-US" sz="2800" spc="-1" strike="noStrike">
               <a:latin typeface="Arial"/>
             </a:endParaRPr>
           </a:p>
           <a:p>
-            <a:pPr marL="343080" indent="-343080">
+            <a:pPr marL="355680" indent="-355680">
               <a:lnSpc>
                 <a:spcPct val="100000"/>
               </a:lnSpc>
               <a:spcBef>
                 <a:spcPts val="1199"/>
               </a:spcBef>
-              <a:buClr>
-                <a:srgbClr val="000000"/>
-              </a:buClr>
-              <a:buFont typeface="Wingdings 2" charset="2"/>
-              <a:buChar char=""/>
-              <a:tabLst>
-                <a:tab algn="l" pos="0"/>
-              </a:tabLst>
-            </a:pPr>
-            <a:r>
-              <a:rPr b="0" lang="fr-FR" sz="2800" spc="-1" strike="noStrike">
-                <a:solidFill>
-                  <a:srgbClr val="000000"/>
-                </a:solidFill>
-                <a:latin typeface="Arial"/>
-              </a:rPr>
-              <a:t>En .</a:t>
-            </a:r>
-            <a:endParaRPr b="0" lang="en-US" sz="2800" spc="-1" strike="noStrike">
-              <a:latin typeface="Arial"/>
-            </a:endParaRPr>
-          </a:p>
-          <a:p>
-            <a:pPr marL="343080" indent="-343080">
+              <a:buNone/>
+              <a:tabLst>
+                <a:tab algn="l" pos="0"/>
+              </a:tabLst>
+            </a:pPr>
+            <a:endParaRPr b="0" lang="en-US" sz="1400" spc="-1" strike="noStrike">
+              <a:latin typeface="Arial"/>
+            </a:endParaRPr>
+          </a:p>
+          <a:p>
+            <a:pPr marL="355680" indent="-355680">
               <a:lnSpc>
                 <a:spcPct val="100000"/>
               </a:lnSpc>
               <a:spcBef>
                 <a:spcPts val="1199"/>
               </a:spcBef>
-              <a:buClr>
-                <a:srgbClr val="000000"/>
-              </a:buClr>
-              <a:buFont typeface="Wingdings 2" charset="2"/>
-              <a:buChar char=""/>
-              <a:tabLst>
-                <a:tab algn="l" pos="0"/>
-              </a:tabLst>
-            </a:pPr>
-            <a:r>
-              <a:rPr b="0" lang="fr-FR" sz="2800" spc="-1" strike="noStrike">
-                <a:solidFill>
-                  <a:srgbClr val="000000"/>
-                </a:solidFill>
-                <a:latin typeface="Arial"/>
-              </a:rPr>
-              <a:t>Ot</a:t>
-            </a:r>
-            <a:r>
-              <a:rPr b="0" lang="fr-FR" sz="1400" spc="-1" strike="noStrike">
-                <a:solidFill>
-                  <a:srgbClr val="000000"/>
-                </a:solidFill>
-                <a:latin typeface="Arial"/>
-              </a:rPr>
-              <a:t>.</a:t>
-            </a:r>
+              <a:buNone/>
+              <a:tabLst>
+                <a:tab algn="l" pos="0"/>
+              </a:tabLst>
+            </a:pPr>
             <a:endParaRPr b="0" lang="en-US" sz="1400" spc="-1" strike="noStrike">
               <a:latin typeface="Arial"/>
             </a:endParaRPr>
           </a:p>
           <a:p>
-            <a:pPr>
-              <a:lnSpc>
-                <a:spcPct val="100000"/>
-              </a:lnSpc>
-              <a:spcBef>
-                <a:spcPts val="1199"/>
+            <a:pPr marL="355680" indent="-355680">
+              <a:lnSpc>
+                <a:spcPct val="100000"/>
+              </a:lnSpc>
+              <a:spcBef>
+                <a:spcPts val="519"/>
               </a:spcBef>
               <a:buNone/>
               <a:tabLst>
@@ -14430,41 +14151,7 @@
             </a:endParaRPr>
           </a:p>
           <a:p>
-            <a:pPr>
-              <a:lnSpc>
-                <a:spcPct val="100000"/>
-              </a:lnSpc>
-              <a:spcBef>
-                <a:spcPts val="1199"/>
-              </a:spcBef>
-              <a:buNone/>
-              <a:tabLst>
-                <a:tab algn="l" pos="0"/>
-              </a:tabLst>
-            </a:pPr>
-            <a:endParaRPr b="0" lang="en-US" sz="1400" spc="-1" strike="noStrike">
-              <a:latin typeface="Arial"/>
-            </a:endParaRPr>
-          </a:p>
-          <a:p>
-            <a:pPr>
-              <a:lnSpc>
-                <a:spcPct val="100000"/>
-              </a:lnSpc>
-              <a:spcBef>
-                <a:spcPts val="519"/>
-              </a:spcBef>
-              <a:buNone/>
-              <a:tabLst>
-                <a:tab algn="l" pos="0"/>
-              </a:tabLst>
-            </a:pPr>
-            <a:endParaRPr b="0" lang="en-US" sz="1400" spc="-1" strike="noStrike">
-              <a:latin typeface="Arial"/>
-            </a:endParaRPr>
-          </a:p>
-          <a:p>
-            <a:pPr>
+            <a:pPr marL="355680" indent="-355680">
               <a:lnSpc>
                 <a:spcPct val="100000"/>
               </a:lnSpc>
@@ -14494,8 +14181,31 @@
         </p:blipFill>
         <p:spPr>
           <a:xfrm>
-            <a:off x="2286360" y="2971800"/>
-            <a:ext cx="4800240" cy="3199320"/>
+            <a:off x="3658320" y="2516040"/>
+            <a:ext cx="4799520" cy="3198600"/>
+          </a:xfrm>
+          <a:prstGeom prst="rect">
+            <a:avLst/>
+          </a:prstGeom>
+          <a:ln w="0">
+            <a:noFill/>
+          </a:ln>
+        </p:spPr>
+      </p:pic>
+      <p:pic>
+        <p:nvPicPr>
+          <p:cNvPr id="130" name="" descr=""/>
+          <p:cNvPicPr/>
+          <p:nvPr/>
+        </p:nvPicPr>
+        <p:blipFill>
+          <a:blip r:embed="rId2"/>
+          <a:stretch/>
+        </p:blipFill>
+        <p:spPr>
+          <a:xfrm>
+            <a:off x="457200" y="2553120"/>
+            <a:ext cx="3180960" cy="2932920"/>
           </a:xfrm>
           <a:prstGeom prst="rect">
             <a:avLst/>
@@ -14537,7 +14247,7 @@
       </p:grpSpPr>
       <p:sp>
         <p:nvSpPr>
-          <p:cNvPr id="130" name="PlaceHolder 1"/>
+          <p:cNvPr id="131" name="PlaceHolder 1"/>
           <p:cNvSpPr>
             <a:spLocks noGrp="1"/>
           </p:cNvSpPr>
@@ -14548,7 +14258,7 @@
         <p:spPr>
           <a:xfrm>
             <a:off x="228600" y="-228960"/>
-            <a:ext cx="8782560" cy="6399720"/>
+            <a:ext cx="8781840" cy="6399000"/>
           </a:xfrm>
           <a:prstGeom prst="rect">
             <a:avLst/>
@@ -14709,7 +14419,7 @@
       </p:sp>
       <p:pic>
         <p:nvPicPr>
-          <p:cNvPr id="131" name="Content Placeholder 3" descr=""/>
+          <p:cNvPr id="132" name="Content Placeholder 3" descr=""/>
           <p:cNvPicPr/>
           <p:nvPr/>
         </p:nvPicPr>
@@ -14723,7 +14433,7 @@
         <p:spPr>
           <a:xfrm>
             <a:off x="2971800" y="1936800"/>
-            <a:ext cx="3119400" cy="2741760"/>
+            <a:ext cx="3118680" cy="2741040"/>
           </a:xfrm>
           <a:prstGeom prst="rect">
             <a:avLst/>
@@ -14738,7 +14448,7 @@
       </p:pic>
       <p:pic>
         <p:nvPicPr>
-          <p:cNvPr id="132" name="Picture 4" descr=""/>
+          <p:cNvPr id="133" name="Picture 4" descr=""/>
           <p:cNvPicPr/>
           <p:nvPr/>
         </p:nvPicPr>
@@ -14750,7 +14460,7 @@
         <p:spPr>
           <a:xfrm>
             <a:off x="685800" y="2514960"/>
-            <a:ext cx="1522080" cy="1370160"/>
+            <a:ext cx="1521360" cy="1369440"/>
           </a:xfrm>
           <a:prstGeom prst="rect">
             <a:avLst/>
@@ -14765,7 +14475,7 @@
       </p:pic>
       <p:pic>
         <p:nvPicPr>
-          <p:cNvPr id="133" name="Picture 5" descr=""/>
+          <p:cNvPr id="134" name="Picture 5" descr=""/>
           <p:cNvPicPr/>
           <p:nvPr/>
         </p:nvPicPr>
@@ -14777,7 +14487,7 @@
         <p:spPr>
           <a:xfrm>
             <a:off x="914760" y="4419720"/>
-            <a:ext cx="1827360" cy="1522800"/>
+            <a:ext cx="1826640" cy="1522080"/>
           </a:xfrm>
           <a:prstGeom prst="rect">
             <a:avLst/>
@@ -14792,7 +14502,7 @@
       </p:pic>
       <p:pic>
         <p:nvPicPr>
-          <p:cNvPr id="134" name="Picture 6" descr=""/>
+          <p:cNvPr id="135" name="Picture 6" descr=""/>
           <p:cNvPicPr/>
           <p:nvPr/>
         </p:nvPicPr>
@@ -14804,7 +14514,7 @@
         <p:spPr>
           <a:xfrm>
             <a:off x="7010640" y="2057400"/>
-            <a:ext cx="1675080" cy="1978200"/>
+            <a:ext cx="1674360" cy="1977480"/>
           </a:xfrm>
           <a:prstGeom prst="rect">
             <a:avLst/>
@@ -14819,7 +14529,7 @@
       </p:pic>
       <p:pic>
         <p:nvPicPr>
-          <p:cNvPr id="135" name="Picture 8" descr=""/>
+          <p:cNvPr id="136" name="Picture 8" descr=""/>
           <p:cNvPicPr/>
           <p:nvPr/>
         </p:nvPicPr>
@@ -14831,7 +14541,7 @@
         <p:spPr>
           <a:xfrm>
             <a:off x="6553440" y="4192560"/>
-            <a:ext cx="1675080" cy="1978200"/>
+            <a:ext cx="1674360" cy="1977480"/>
           </a:xfrm>
           <a:prstGeom prst="rect">
             <a:avLst/>
@@ -14846,7 +14556,7 @@
       </p:pic>
       <p:pic>
         <p:nvPicPr>
-          <p:cNvPr id="136" name="Picture 7" descr=""/>
+          <p:cNvPr id="137" name="Picture 7" descr=""/>
           <p:cNvPicPr/>
           <p:nvPr/>
         </p:nvPicPr>
@@ -14858,7 +14568,7 @@
         <p:spPr>
           <a:xfrm>
             <a:off x="3886200" y="4836600"/>
-            <a:ext cx="1675080" cy="1370160"/>
+            <a:ext cx="1674360" cy="1369440"/>
           </a:xfrm>
           <a:prstGeom prst="rect">
             <a:avLst/>
@@ -14903,7 +14613,7 @@
       </p:grpSpPr>
       <p:sp>
         <p:nvSpPr>
-          <p:cNvPr id="137" name="PlaceHolder 1"/>
+          <p:cNvPr id="138" name="PlaceHolder 1"/>
           <p:cNvSpPr>
             <a:spLocks noGrp="1"/>
           </p:cNvSpPr>
@@ -14914,7 +14624,7 @@
         <p:spPr>
           <a:xfrm>
             <a:off x="228960" y="686160"/>
-            <a:ext cx="9142560" cy="5942160"/>
+            <a:ext cx="9141840" cy="5941440"/>
           </a:xfrm>
           <a:prstGeom prst="rect">
             <a:avLst/>
@@ -14952,16 +14662,7 @@
                 </a:solidFill>
                 <a:latin typeface="Arial"/>
               </a:rPr>
-              <a:t>La radiothérapie conformationnelle est notamment   </a:t>
-            </a:r>
-            <a:r>
-              <a:rPr b="0" lang="fr-FR" sz="2800" spc="-1" strike="noStrike">
-                <a:solidFill>
-                  <a:srgbClr val="000000"/>
-                </a:solidFill>
-                <a:latin typeface="Arial"/>
-              </a:rPr>
-              <a:t>utilisée pour le traitement des tumeurs de la sphère   </a:t>
+              <a:t>La radiothérapie conformationnelle est notamment   utilisée pour le traitement des tumeurs de la sphère   </a:t>
             </a:r>
             <a:r>
               <a:rPr b="1" lang="fr-FR" sz="2800" spc="-1" strike="noStrike">
@@ -15081,16 +14782,7 @@
                 </a:solidFill>
                 <a:latin typeface="Arial"/>
               </a:rPr>
-              <a:t> de la tumeur et des </a:t>
-            </a:r>
-            <a:r>
-              <a:rPr b="0" lang="fr-FR" sz="2800" spc="-1" strike="noStrike">
-                <a:solidFill>
-                  <a:srgbClr val="000000"/>
-                </a:solidFill>
-                <a:latin typeface="Arial"/>
-              </a:rPr>
-              <a:t>organes environnants obtenues par </a:t>
+              <a:t> de la tumeur et des organes environnants obtenues par </a:t>
             </a:r>
             <a:r>
               <a:rPr b="1" lang="fr-FR" sz="2400" spc="-1" strike="noStrike">
@@ -15148,25 +14840,7 @@
                 </a:solidFill>
                 <a:latin typeface="Arial"/>
               </a:rPr>
-              <a:t> virtuellement   , </a:t>
-            </a:r>
-            <a:r>
-              <a:rPr b="0" lang="fr-FR" sz="2800" spc="-1" strike="noStrike">
-                <a:solidFill>
-                  <a:srgbClr val="000000"/>
-                </a:solidFill>
-                <a:latin typeface="Arial"/>
-              </a:rPr>
-              <a:t>toujours en 3D, la forme des faisceaux d’irradiation   </a:t>
-            </a:r>
-            <a:r>
-              <a:rPr b="0" lang="fr-FR" sz="2800" spc="-1" strike="noStrike">
-                <a:solidFill>
-                  <a:srgbClr val="000000"/>
-                </a:solidFill>
-                <a:latin typeface="Arial"/>
-              </a:rPr>
-              <a:t> et la distribution des doses. </a:t>
+              <a:t> virtuellement   , toujours en 3D, la forme des faisceaux d’irradiation    et la distribution des doses. </a:t>
             </a:r>
             <a:endParaRPr b="0" lang="en-US" sz="2800" spc="-1" strike="noStrike">
               <a:latin typeface="Arial"/>
@@ -15215,16 +14889,7 @@
                 </a:solidFill>
                 <a:latin typeface="Arial"/>
               </a:rPr>
-              <a:t>des doses efficaces de   </a:t>
-            </a:r>
-            <a:r>
-              <a:rPr b="0" lang="fr-FR" sz="2800" spc="-1" strike="noStrike">
-                <a:solidFill>
-                  <a:srgbClr val="000000"/>
-                </a:solidFill>
-                <a:latin typeface="Arial"/>
-              </a:rPr>
-              <a:t>rayons en limitant l’exposition des   tissus sains.</a:t>
+              <a:t>des doses efficaces de   rayons en limitant l’exposition des   tissus sains.</a:t>
             </a:r>
             <a:endParaRPr b="0" lang="en-US" sz="2800" spc="-1" strike="noStrike">
               <a:latin typeface="Arial"/>
